--- a/doc/Presentation1.pptx
+++ b/doc/Presentation1.pptx
@@ -5,15 +5,19 @@
     <p:sldMasterId id="2147483648" r:id="rId1"/>
   </p:sldMasterIdLst>
   <p:notesMasterIdLst>
-    <p:notesMasterId r:id="rId8"/>
+    <p:notesMasterId r:id="rId12"/>
   </p:notesMasterIdLst>
   <p:sldIdLst>
     <p:sldId id="256" r:id="rId2"/>
     <p:sldId id="258" r:id="rId3"/>
     <p:sldId id="259" r:id="rId4"/>
     <p:sldId id="260" r:id="rId5"/>
-    <p:sldId id="261" r:id="rId6"/>
-    <p:sldId id="257" r:id="rId7"/>
+    <p:sldId id="265" r:id="rId6"/>
+    <p:sldId id="261" r:id="rId7"/>
+    <p:sldId id="262" r:id="rId8"/>
+    <p:sldId id="264" r:id="rId9"/>
+    <p:sldId id="263" r:id="rId10"/>
+    <p:sldId id="257" r:id="rId11"/>
   </p:sldIdLst>
   <p:sldSz cx="12192000" cy="6858000"/>
   <p:notesSz cx="6858000" cy="9144000"/>
@@ -202,7 +206,7 @@
           <a:p>
             <a:fld id="{D25F2631-84AA-9649-8398-41DF9D3A89E8}" type="datetimeFigureOut">
               <a:rPr kumimoji="1" lang="zh-CN" altLang="en-US" smtClean="0"/>
-              <a:t>2019/4/5</a:t>
+              <a:t>2019/4/6</a:t>
             </a:fld>
             <a:endParaRPr kumimoji="1" lang="zh-CN" altLang="en-US"/>
           </a:p>
@@ -3685,23 +3689,296 @@
             </a:pPr>
             <a:r>
               <a:rPr kumimoji="1" lang="en-US" altLang="zh-CN" dirty="0"/>
-              <a:t>A</a:t>
-            </a:r>
-            <a:r>
-              <a:rPr kumimoji="1" lang="zh-CN" altLang="en-US" dirty="0"/>
-              <a:t> </a:t>
-            </a:r>
-            <a:r>
-              <a:rPr kumimoji="1" lang="en-US" altLang="zh-CN" dirty="0"/>
-              <a:t>diagnostic</a:t>
-            </a:r>
-            <a:r>
-              <a:rPr kumimoji="1" lang="zh-CN" altLang="en-US" dirty="0"/>
-              <a:t> </a:t>
-            </a:r>
-            <a:r>
-              <a:rPr kumimoji="1" lang="en-US" altLang="zh-CN" dirty="0"/>
-              <a:t>experiments</a:t>
+              <a:t>In</a:t>
+            </a:r>
+            <a:r>
+              <a:rPr kumimoji="1" lang="zh-CN" altLang="en-US" dirty="0"/>
+              <a:t> </a:t>
+            </a:r>
+            <a:r>
+              <a:rPr kumimoji="1" lang="en-US" altLang="zh-CN" dirty="0"/>
+              <a:t>this</a:t>
+            </a:r>
+            <a:r>
+              <a:rPr kumimoji="1" lang="zh-CN" altLang="en-US" dirty="0"/>
+              <a:t> </a:t>
+            </a:r>
+            <a:r>
+              <a:rPr kumimoji="1" lang="en-US" altLang="zh-CN" dirty="0"/>
+              <a:t>paper,</a:t>
+            </a:r>
+            <a:r>
+              <a:rPr kumimoji="1" lang="zh-CN" altLang="en-US" dirty="0"/>
+              <a:t> </a:t>
+            </a:r>
+            <a:r>
+              <a:rPr kumimoji="1" lang="en-US" altLang="zh-CN" dirty="0"/>
+              <a:t>the</a:t>
+            </a:r>
+            <a:r>
+              <a:rPr kumimoji="1" lang="zh-CN" altLang="en-US" dirty="0"/>
+              <a:t> </a:t>
+            </a:r>
+            <a:r>
+              <a:rPr kumimoji="1" lang="en-US" altLang="zh-CN" dirty="0"/>
+              <a:t>generator</a:t>
+            </a:r>
+            <a:r>
+              <a:rPr kumimoji="1" lang="zh-CN" altLang="en-US" dirty="0"/>
+              <a:t> </a:t>
+            </a:r>
+            <a:r>
+              <a:rPr kumimoji="1" lang="en-US" altLang="zh-CN" dirty="0"/>
+              <a:t>in</a:t>
+            </a:r>
+            <a:r>
+              <a:rPr kumimoji="1" lang="zh-CN" altLang="en-US" dirty="0"/>
+              <a:t> </a:t>
+            </a:r>
+            <a:r>
+              <a:rPr kumimoji="1" lang="en-US" altLang="zh-CN" dirty="0"/>
+              <a:t>the</a:t>
+            </a:r>
+            <a:r>
+              <a:rPr kumimoji="1" lang="zh-CN" altLang="en-US" dirty="0"/>
+              <a:t> </a:t>
+            </a:r>
+            <a:r>
+              <a:rPr kumimoji="1" lang="en-US" altLang="zh-CN" dirty="0" err="1"/>
+              <a:t>cGAN</a:t>
+            </a:r>
+            <a:r>
+              <a:rPr kumimoji="1" lang="zh-CN" altLang="en-US" dirty="0"/>
+              <a:t> </a:t>
+            </a:r>
+            <a:r>
+              <a:rPr kumimoji="1" lang="en-US" altLang="zh-CN" dirty="0"/>
+              <a:t>has</a:t>
+            </a:r>
+            <a:r>
+              <a:rPr kumimoji="1" lang="zh-CN" altLang="en-US" dirty="0"/>
+              <a:t> </a:t>
+            </a:r>
+            <a:r>
+              <a:rPr kumimoji="1" lang="en-US" altLang="zh-CN" dirty="0"/>
+              <a:t>a</a:t>
+            </a:r>
+            <a:r>
+              <a:rPr kumimoji="1" lang="zh-CN" altLang="en-US" dirty="0"/>
+              <a:t> </a:t>
+            </a:r>
+            <a:r>
+              <a:rPr kumimoji="1" lang="en-US" altLang="zh-CN" dirty="0"/>
+              <a:t>standard</a:t>
+            </a:r>
+            <a:r>
+              <a:rPr kumimoji="1" lang="zh-CN" altLang="en-US" dirty="0"/>
+              <a:t> </a:t>
+            </a:r>
+            <a:r>
+              <a:rPr kumimoji="1" lang="en-US" altLang="zh-CN" dirty="0"/>
+              <a:t>encoder-decoder</a:t>
+            </a:r>
+            <a:r>
+              <a:rPr kumimoji="1" lang="zh-CN" altLang="en-US" dirty="0"/>
+              <a:t> </a:t>
+            </a:r>
+            <a:r>
+              <a:rPr kumimoji="1" lang="en-US" altLang="zh-CN" dirty="0"/>
+              <a:t>architecture.</a:t>
+            </a:r>
+            <a:r>
+              <a:rPr kumimoji="1" lang="zh-CN" altLang="en-US" dirty="0"/>
+              <a:t> </a:t>
+            </a:r>
+            <a:r>
+              <a:rPr kumimoji="1" lang="en-US" altLang="zh-CN" dirty="0"/>
+              <a:t>The</a:t>
+            </a:r>
+            <a:r>
+              <a:rPr kumimoji="1" lang="zh-CN" altLang="en-US" dirty="0"/>
+              <a:t> </a:t>
+            </a:r>
+            <a:r>
+              <a:rPr kumimoji="1" lang="en-US" altLang="zh-CN" dirty="0"/>
+              <a:t>authors</a:t>
+            </a:r>
+            <a:r>
+              <a:rPr kumimoji="1" lang="zh-CN" altLang="en-US" dirty="0"/>
+              <a:t> </a:t>
+            </a:r>
+            <a:r>
+              <a:rPr kumimoji="1" lang="en-US" altLang="zh-CN" dirty="0"/>
+              <a:t>found</a:t>
+            </a:r>
+            <a:r>
+              <a:rPr kumimoji="1" lang="zh-CN" altLang="en-US" dirty="0"/>
+              <a:t> </a:t>
+            </a:r>
+            <a:r>
+              <a:rPr kumimoji="1" lang="en-US" altLang="zh-CN" dirty="0"/>
+              <a:t>that</a:t>
+            </a:r>
+            <a:r>
+              <a:rPr kumimoji="1" lang="zh-CN" altLang="en-US" dirty="0"/>
+              <a:t> </a:t>
+            </a:r>
+            <a:r>
+              <a:rPr kumimoji="1" lang="en-US" altLang="zh-CN" dirty="0"/>
+              <a:t>removing</a:t>
+            </a:r>
+            <a:r>
+              <a:rPr kumimoji="1" lang="zh-CN" altLang="en-US" dirty="0"/>
+              <a:t> </a:t>
+            </a:r>
+            <a:r>
+              <a:rPr kumimoji="1" lang="en-US" altLang="zh-CN" dirty="0"/>
+              <a:t>the</a:t>
+            </a:r>
+            <a:r>
+              <a:rPr kumimoji="1" lang="zh-CN" altLang="en-US" dirty="0"/>
+              <a:t> </a:t>
+            </a:r>
+            <a:r>
+              <a:rPr kumimoji="1" lang="en-US" altLang="zh-CN" dirty="0"/>
+              <a:t>skip</a:t>
+            </a:r>
+            <a:r>
+              <a:rPr kumimoji="1" lang="zh-CN" altLang="en-US" dirty="0"/>
+              <a:t> </a:t>
+            </a:r>
+            <a:r>
+              <a:rPr kumimoji="1" lang="en-US" altLang="zh-CN" dirty="0"/>
+              <a:t>connections</a:t>
+            </a:r>
+            <a:r>
+              <a:rPr kumimoji="1" lang="zh-CN" altLang="en-US" dirty="0"/>
+              <a:t> </a:t>
+            </a:r>
+            <a:r>
+              <a:rPr kumimoji="1" lang="en-US" altLang="zh-CN" dirty="0"/>
+              <a:t>between</a:t>
+            </a:r>
+            <a:r>
+              <a:rPr kumimoji="1" lang="zh-CN" altLang="en-US" dirty="0"/>
+              <a:t> </a:t>
+            </a:r>
+            <a:r>
+              <a:rPr kumimoji="1" lang="en-US" altLang="zh-CN" dirty="0"/>
+              <a:t>encoder</a:t>
+            </a:r>
+            <a:r>
+              <a:rPr kumimoji="1" lang="zh-CN" altLang="en-US" dirty="0"/>
+              <a:t> </a:t>
+            </a:r>
+            <a:r>
+              <a:rPr kumimoji="1" lang="en-US" altLang="zh-CN" dirty="0"/>
+              <a:t>and</a:t>
+            </a:r>
+            <a:r>
+              <a:rPr kumimoji="1" lang="zh-CN" altLang="en-US" dirty="0"/>
+              <a:t> </a:t>
+            </a:r>
+            <a:r>
+              <a:rPr kumimoji="1" lang="en-US" altLang="zh-CN" dirty="0"/>
+              <a:t>decoder</a:t>
+            </a:r>
+            <a:r>
+              <a:rPr kumimoji="1" lang="zh-CN" altLang="en-US" dirty="0"/>
+              <a:t> </a:t>
+            </a:r>
+            <a:r>
+              <a:rPr kumimoji="1" lang="en-US" altLang="zh-CN" dirty="0"/>
+              <a:t>yields</a:t>
+            </a:r>
+            <a:r>
+              <a:rPr kumimoji="1" lang="zh-CN" altLang="en-US" dirty="0"/>
+              <a:t> </a:t>
+            </a:r>
+            <a:r>
+              <a:rPr kumimoji="1" lang="en-US" altLang="zh-CN" dirty="0"/>
+              <a:t>good</a:t>
+            </a:r>
+            <a:r>
+              <a:rPr kumimoji="1" lang="zh-CN" altLang="en-US" dirty="0"/>
+              <a:t> </a:t>
+            </a:r>
+            <a:r>
+              <a:rPr kumimoji="1" lang="en-US" altLang="zh-CN" dirty="0"/>
+              <a:t>performance.</a:t>
+            </a:r>
+          </a:p>
+          <a:p>
+            <a:pPr marL="228600" indent="-228600">
+              <a:buAutoNum type="arabicPeriod"/>
+            </a:pPr>
+            <a:r>
+              <a:rPr kumimoji="1" lang="en-US" altLang="zh-CN" dirty="0"/>
+              <a:t>This</a:t>
+            </a:r>
+            <a:r>
+              <a:rPr kumimoji="1" lang="zh-CN" altLang="en-US" dirty="0"/>
+              <a:t> </a:t>
+            </a:r>
+            <a:r>
+              <a:rPr kumimoji="1" lang="en-US" altLang="zh-CN" dirty="0"/>
+              <a:t>may</a:t>
+            </a:r>
+            <a:r>
+              <a:rPr kumimoji="1" lang="zh-CN" altLang="en-US" dirty="0"/>
+              <a:t> </a:t>
+            </a:r>
+            <a:r>
+              <a:rPr kumimoji="1" lang="en-US" altLang="zh-CN" dirty="0"/>
+              <a:t>because</a:t>
+            </a:r>
+            <a:r>
+              <a:rPr kumimoji="1" lang="zh-CN" altLang="en-US" dirty="0"/>
+              <a:t> </a:t>
+            </a:r>
+            <a:r>
+              <a:rPr kumimoji="1" lang="en-US" altLang="zh-CN" dirty="0"/>
+              <a:t>that</a:t>
+            </a:r>
+            <a:r>
+              <a:rPr kumimoji="1" lang="zh-CN" altLang="en-US" dirty="0"/>
+              <a:t> </a:t>
+            </a:r>
+            <a:r>
+              <a:rPr kumimoji="1" lang="en-US" altLang="zh-CN" dirty="0"/>
+              <a:t>the</a:t>
+            </a:r>
+            <a:r>
+              <a:rPr kumimoji="1" lang="zh-CN" altLang="en-US" dirty="0"/>
+              <a:t> </a:t>
+            </a:r>
+            <a:r>
+              <a:rPr kumimoji="1" lang="en-US" altLang="zh-CN" dirty="0"/>
+              <a:t>target</a:t>
+            </a:r>
+            <a:r>
+              <a:rPr kumimoji="1" lang="zh-CN" altLang="en-US" dirty="0"/>
+              <a:t> </a:t>
+            </a:r>
+            <a:r>
+              <a:rPr kumimoji="1" lang="en-US" altLang="zh-CN" dirty="0"/>
+              <a:t>in</a:t>
+            </a:r>
+            <a:r>
+              <a:rPr kumimoji="1" lang="zh-CN" altLang="en-US" dirty="0"/>
+              <a:t> </a:t>
+            </a:r>
+            <a:r>
+              <a:rPr kumimoji="1" lang="en-US" altLang="zh-CN" dirty="0"/>
+              <a:t>this</a:t>
+            </a:r>
+            <a:r>
+              <a:rPr kumimoji="1" lang="zh-CN" altLang="en-US" dirty="0"/>
+              <a:t> </a:t>
+            </a:r>
+            <a:r>
+              <a:rPr kumimoji="1" lang="en-US" altLang="zh-CN" dirty="0"/>
+              <a:t>paper</a:t>
             </a:r>
             <a:r>
               <a:rPr kumimoji="1" lang="zh-CN" altLang="en-US" dirty="0"/>
@@ -3717,151 +3994,281 @@
             </a:r>
             <a:r>
               <a:rPr kumimoji="1" lang="en-US" altLang="zh-CN" dirty="0"/>
-              <a:t>done</a:t>
-            </a:r>
-            <a:r>
-              <a:rPr kumimoji="1" lang="zh-CN" altLang="en-US" dirty="0"/>
-              <a:t> </a:t>
-            </a:r>
-            <a:r>
-              <a:rPr kumimoji="1" lang="en-US" altLang="zh-CN" dirty="0"/>
-              <a:t>on</a:t>
-            </a:r>
-            <a:r>
-              <a:rPr kumimoji="1" lang="zh-CN" altLang="en-US" dirty="0"/>
-              <a:t> </a:t>
-            </a:r>
-            <a:r>
-              <a:rPr kumimoji="1" lang="en-US" altLang="zh-CN" dirty="0"/>
-              <a:t>validation</a:t>
-            </a:r>
-            <a:r>
-              <a:rPr kumimoji="1" lang="zh-CN" altLang="en-US" dirty="0"/>
-              <a:t> </a:t>
-            </a:r>
-            <a:r>
-              <a:rPr kumimoji="1" lang="en-US" altLang="zh-CN" dirty="0"/>
-              <a:t>set.</a:t>
-            </a:r>
-            <a:r>
-              <a:rPr kumimoji="1" lang="zh-CN" altLang="en-US" dirty="0"/>
-              <a:t> </a:t>
-            </a:r>
-            <a:endParaRPr kumimoji="1" lang="en-US" altLang="zh-CN" dirty="0"/>
-          </a:p>
-          <a:p>
-            <a:pPr marL="228600" marR="0" lvl="0" indent="-228600" algn="l" defTabSz="914400" rtl="0" eaLnBrk="1" fontAlgn="auto" latinLnBrk="0" hangingPunct="1">
-              <a:lnSpc>
-                <a:spcPct val="100000"/>
-              </a:lnSpc>
-              <a:spcBef>
-                <a:spcPts val="0"/>
-              </a:spcBef>
-              <a:spcAft>
-                <a:spcPts val="0"/>
-              </a:spcAft>
-              <a:buClrTx/>
-              <a:buSzTx/>
-              <a:buFontTx/>
+              <a:t>mainly</a:t>
+            </a:r>
+            <a:r>
+              <a:rPr kumimoji="1" lang="zh-CN" altLang="en-US" dirty="0"/>
+              <a:t> </a:t>
+            </a:r>
+            <a:r>
+              <a:rPr kumimoji="1" lang="en-US" altLang="zh-CN" dirty="0"/>
+              <a:t>object</a:t>
+            </a:r>
+            <a:r>
+              <a:rPr kumimoji="1" lang="zh-CN" altLang="en-US" dirty="0"/>
+              <a:t> </a:t>
+            </a:r>
+            <a:r>
+              <a:rPr kumimoji="1" lang="en-US" altLang="zh-CN" dirty="0"/>
+              <a:t>boundaries</a:t>
+            </a:r>
+            <a:r>
+              <a:rPr kumimoji="1" lang="zh-CN" altLang="en-US" dirty="0"/>
+              <a:t> </a:t>
+            </a:r>
+            <a:r>
+              <a:rPr kumimoji="1" lang="en-US" altLang="zh-CN" dirty="0"/>
+              <a:t>instead</a:t>
+            </a:r>
+            <a:r>
+              <a:rPr kumimoji="1" lang="zh-CN" altLang="en-US" dirty="0"/>
+              <a:t> </a:t>
+            </a:r>
+            <a:r>
+              <a:rPr kumimoji="1" lang="en-US" altLang="zh-CN" dirty="0"/>
+              <a:t>of</a:t>
+            </a:r>
+            <a:r>
+              <a:rPr kumimoji="1" lang="zh-CN" altLang="en-US" dirty="0"/>
+              <a:t> </a:t>
+            </a:r>
+            <a:r>
+              <a:rPr kumimoji="1" lang="en-US" altLang="zh-CN" dirty="0"/>
+              <a:t>the</a:t>
+            </a:r>
+            <a:r>
+              <a:rPr kumimoji="1" lang="zh-CN" altLang="en-US" dirty="0"/>
+              <a:t> </a:t>
+            </a:r>
+            <a:r>
+              <a:rPr kumimoji="1" lang="en-US" altLang="zh-CN" dirty="0"/>
+              <a:t>texture</a:t>
+            </a:r>
+            <a:r>
+              <a:rPr kumimoji="1" lang="zh-CN" altLang="en-US" dirty="0"/>
+              <a:t> </a:t>
+            </a:r>
+            <a:r>
+              <a:rPr kumimoji="1" lang="en-US" altLang="zh-CN" dirty="0"/>
+              <a:t>edges,</a:t>
+            </a:r>
+            <a:r>
+              <a:rPr kumimoji="1" lang="zh-CN" altLang="en-US" dirty="0"/>
+              <a:t> </a:t>
+            </a:r>
+            <a:r>
+              <a:rPr kumimoji="1" lang="en-US" altLang="zh-CN" dirty="0"/>
+              <a:t>removing</a:t>
+            </a:r>
+            <a:r>
+              <a:rPr kumimoji="1" lang="zh-CN" altLang="en-US" dirty="0"/>
+              <a:t> </a:t>
+            </a:r>
+            <a:r>
+              <a:rPr kumimoji="1" lang="en-US" altLang="zh-CN" dirty="0"/>
+              <a:t>the</a:t>
+            </a:r>
+            <a:r>
+              <a:rPr kumimoji="1" lang="zh-CN" altLang="en-US" dirty="0"/>
+              <a:t> </a:t>
+            </a:r>
+            <a:r>
+              <a:rPr kumimoji="1" lang="en-US" altLang="zh-CN" dirty="0"/>
+              <a:t>skip</a:t>
+            </a:r>
+            <a:r>
+              <a:rPr kumimoji="1" lang="zh-CN" altLang="en-US" dirty="0"/>
+              <a:t> </a:t>
+            </a:r>
+            <a:r>
+              <a:rPr kumimoji="1" lang="en-US" altLang="zh-CN" dirty="0"/>
+              <a:t>connections</a:t>
+            </a:r>
+            <a:r>
+              <a:rPr kumimoji="1" lang="zh-CN" altLang="en-US" dirty="0"/>
+              <a:t> </a:t>
+            </a:r>
+            <a:r>
+              <a:rPr kumimoji="1" lang="en-US" altLang="zh-CN" dirty="0"/>
+              <a:t>suppresses</a:t>
+            </a:r>
+            <a:r>
+              <a:rPr kumimoji="1" lang="zh-CN" altLang="en-US" dirty="0"/>
+              <a:t> </a:t>
+            </a:r>
+            <a:r>
+              <a:rPr kumimoji="1" lang="en-US" altLang="zh-CN" dirty="0"/>
+              <a:t>the</a:t>
+            </a:r>
+            <a:r>
+              <a:rPr kumimoji="1" lang="zh-CN" altLang="en-US" dirty="0"/>
+              <a:t> </a:t>
+            </a:r>
+            <a:r>
+              <a:rPr kumimoji="1" lang="en-US" altLang="zh-CN" dirty="0"/>
+              <a:t>low-level</a:t>
+            </a:r>
+            <a:r>
+              <a:rPr kumimoji="1" lang="zh-CN" altLang="en-US" dirty="0"/>
+              <a:t> </a:t>
+            </a:r>
+            <a:r>
+              <a:rPr kumimoji="1" lang="en-US" altLang="zh-CN" dirty="0"/>
+              <a:t>information.</a:t>
+            </a:r>
+          </a:p>
+          <a:p>
+            <a:pPr marL="228600" indent="-228600">
               <a:buAutoNum type="arabicPeriod"/>
-              <a:tabLst/>
-              <a:defRPr/>
             </a:pPr>
             <a:r>
               <a:rPr kumimoji="1" lang="en-US" altLang="zh-CN" dirty="0"/>
-              <a:t>From</a:t>
-            </a:r>
-            <a:r>
-              <a:rPr kumimoji="1" lang="zh-CN" altLang="en-US" dirty="0"/>
-              <a:t> </a:t>
-            </a:r>
-            <a:r>
-              <a:rPr kumimoji="1" lang="en-US" altLang="zh-CN" dirty="0"/>
-              <a:t>the</a:t>
-            </a:r>
-            <a:r>
-              <a:rPr kumimoji="1" lang="zh-CN" altLang="en-US" dirty="0"/>
-              <a:t> </a:t>
-            </a:r>
-            <a:r>
-              <a:rPr kumimoji="1" lang="en-US" altLang="zh-CN" dirty="0"/>
-              <a:t>experiments,</a:t>
-            </a:r>
-            <a:r>
-              <a:rPr kumimoji="1" lang="zh-CN" altLang="en-US" dirty="0"/>
-              <a:t> </a:t>
-            </a:r>
-            <a:r>
-              <a:rPr kumimoji="1" lang="en-US" altLang="zh-CN" dirty="0"/>
-              <a:t>t</a:t>
-            </a:r>
-            <a:r>
-              <a:rPr kumimoji="1" lang="en" altLang="zh-CN" dirty="0"/>
-              <a:t>raining on consensus drawing outperforms the baseline method</a:t>
-            </a:r>
-          </a:p>
-          <a:p>
-            <a:pPr marL="228600" marR="0" lvl="0" indent="-228600" algn="l" defTabSz="914400" rtl="0" eaLnBrk="1" fontAlgn="auto" latinLnBrk="0" hangingPunct="1">
-              <a:lnSpc>
-                <a:spcPct val="100000"/>
-              </a:lnSpc>
-              <a:spcBef>
-                <a:spcPts val="0"/>
-              </a:spcBef>
-              <a:spcAft>
-                <a:spcPts val="0"/>
-              </a:spcAft>
-              <a:buClrTx/>
-              <a:buSzTx/>
-              <a:buFontTx/>
-              <a:buAutoNum type="arabicPeriod"/>
-              <a:tabLst/>
-              <a:defRPr/>
-            </a:pPr>
-            <a:r>
-              <a:rPr kumimoji="1" lang="en" altLang="zh-CN" dirty="0"/>
-              <a:t>Training on the complete set of sketches with MM-loss outperforms training on consensus</a:t>
-            </a:r>
-          </a:p>
-          <a:p>
-            <a:pPr marL="228600" marR="0" lvl="0" indent="-228600" algn="l" defTabSz="914400" rtl="0" eaLnBrk="1" fontAlgn="auto" latinLnBrk="0" hangingPunct="1">
-              <a:lnSpc>
-                <a:spcPct val="100000"/>
-              </a:lnSpc>
-              <a:spcBef>
-                <a:spcPts val="0"/>
-              </a:spcBef>
-              <a:spcAft>
-                <a:spcPts val="0"/>
-              </a:spcAft>
-              <a:buClrTx/>
-              <a:buSzTx/>
-              <a:buFontTx/>
-              <a:buAutoNum type="arabicPeriod"/>
-              <a:tabLst/>
-              <a:defRPr/>
-            </a:pPr>
-            <a:endParaRPr kumimoji="1" lang="en" altLang="zh-CN" dirty="0"/>
-          </a:p>
-          <a:p>
-            <a:pPr marL="228600" marR="0" lvl="0" indent="-228600" algn="l" defTabSz="914400" rtl="0" eaLnBrk="1" fontAlgn="auto" latinLnBrk="0" hangingPunct="1">
-              <a:lnSpc>
-                <a:spcPct val="100000"/>
-              </a:lnSpc>
-              <a:spcBef>
-                <a:spcPts val="0"/>
-              </a:spcBef>
-              <a:spcAft>
-                <a:spcPts val="0"/>
-              </a:spcAft>
-              <a:buClrTx/>
-              <a:buSzTx/>
-              <a:buFontTx/>
-              <a:buAutoNum type="arabicPeriod"/>
-              <a:tabLst/>
-              <a:defRPr/>
-            </a:pPr>
-            <a:endParaRPr kumimoji="1" lang="zh-CN" altLang="en-US" dirty="0"/>
+              <a:t>The</a:t>
+            </a:r>
+            <a:r>
+              <a:rPr kumimoji="1" lang="zh-CN" altLang="en-US" dirty="0"/>
+              <a:t> </a:t>
+            </a:r>
+            <a:r>
+              <a:rPr kumimoji="1" lang="en-US" altLang="zh-CN" dirty="0"/>
+              <a:t>discriminator</a:t>
+            </a:r>
+            <a:r>
+              <a:rPr kumimoji="1" lang="zh-CN" altLang="en-US" dirty="0"/>
+              <a:t> </a:t>
+            </a:r>
+            <a:r>
+              <a:rPr kumimoji="1" lang="en-US" altLang="zh-CN" dirty="0"/>
+              <a:t>is</a:t>
+            </a:r>
+            <a:r>
+              <a:rPr kumimoji="1" lang="zh-CN" altLang="en-US" dirty="0"/>
+              <a:t> </a:t>
+            </a:r>
+            <a:r>
+              <a:rPr kumimoji="1" lang="en-US" altLang="zh-CN" dirty="0"/>
+              <a:t>a</a:t>
+            </a:r>
+            <a:r>
+              <a:rPr kumimoji="1" lang="zh-CN" altLang="en-US" dirty="0"/>
+              <a:t> </a:t>
+            </a:r>
+            <a:r>
+              <a:rPr kumimoji="1" lang="en-US" altLang="zh-CN" dirty="0"/>
+              <a:t>regular</a:t>
+            </a:r>
+            <a:r>
+              <a:rPr kumimoji="1" lang="zh-CN" altLang="en-US" dirty="0"/>
+              <a:t> </a:t>
+            </a:r>
+            <a:r>
+              <a:rPr kumimoji="1" lang="en-US" altLang="zh-CN" dirty="0"/>
+              <a:t>global</a:t>
+            </a:r>
+            <a:r>
+              <a:rPr kumimoji="1" lang="zh-CN" altLang="en-US" dirty="0"/>
+              <a:t> </a:t>
+            </a:r>
+            <a:r>
+              <a:rPr kumimoji="1" lang="en-US" altLang="zh-CN" dirty="0"/>
+              <a:t>GAN</a:t>
+            </a:r>
+            <a:r>
+              <a:rPr kumimoji="1" lang="zh-CN" altLang="en-US" dirty="0"/>
+              <a:t> </a:t>
+            </a:r>
+            <a:r>
+              <a:rPr kumimoji="1" lang="en-US" altLang="zh-CN" dirty="0"/>
+              <a:t>discriminator,</a:t>
+            </a:r>
+            <a:r>
+              <a:rPr kumimoji="1" lang="zh-CN" altLang="en-US" dirty="0"/>
+              <a:t> </a:t>
+            </a:r>
+            <a:r>
+              <a:rPr kumimoji="1" lang="en-US" altLang="zh-CN" dirty="0"/>
+              <a:t>takes</a:t>
+            </a:r>
+            <a:r>
+              <a:rPr kumimoji="1" lang="zh-CN" altLang="en-US" dirty="0"/>
+              <a:t> </a:t>
+            </a:r>
+            <a:r>
+              <a:rPr kumimoji="1" lang="en-US" altLang="zh-CN" dirty="0"/>
+              <a:t>in</a:t>
+            </a:r>
+            <a:r>
+              <a:rPr kumimoji="1" lang="zh-CN" altLang="en-US" dirty="0"/>
+              <a:t> </a:t>
+            </a:r>
+            <a:r>
+              <a:rPr kumimoji="1" lang="en-US" altLang="zh-CN" dirty="0"/>
+              <a:t>a</a:t>
+            </a:r>
+            <a:r>
+              <a:rPr kumimoji="1" lang="zh-CN" altLang="en-US" dirty="0"/>
+              <a:t> </a:t>
+            </a:r>
+            <a:r>
+              <a:rPr kumimoji="1" lang="en-US" altLang="zh-CN" dirty="0"/>
+              <a:t>whole</a:t>
+            </a:r>
+            <a:r>
+              <a:rPr kumimoji="1" lang="zh-CN" altLang="en-US" dirty="0"/>
+              <a:t> </a:t>
+            </a:r>
+            <a:r>
+              <a:rPr kumimoji="1" lang="en-US" altLang="zh-CN" dirty="0"/>
+              <a:t>image</a:t>
+            </a:r>
+            <a:r>
+              <a:rPr kumimoji="1" lang="zh-CN" altLang="en-US" dirty="0"/>
+              <a:t> </a:t>
+            </a:r>
+            <a:r>
+              <a:rPr kumimoji="1" lang="en-US" altLang="zh-CN" dirty="0"/>
+              <a:t>and</a:t>
+            </a:r>
+            <a:r>
+              <a:rPr kumimoji="1" lang="zh-CN" altLang="en-US" dirty="0"/>
+              <a:t> </a:t>
+            </a:r>
+            <a:r>
+              <a:rPr kumimoji="1" lang="en-US" altLang="zh-CN" dirty="0"/>
+              <a:t>output</a:t>
+            </a:r>
+            <a:r>
+              <a:rPr kumimoji="1" lang="zh-CN" altLang="en-US" dirty="0"/>
+              <a:t> </a:t>
+            </a:r>
+            <a:r>
+              <a:rPr kumimoji="1" lang="en-US" altLang="zh-CN" dirty="0"/>
+              <a:t>labels</a:t>
+            </a:r>
+            <a:r>
+              <a:rPr kumimoji="1" lang="zh-CN" altLang="en-US" dirty="0"/>
+              <a:t> </a:t>
+            </a:r>
+            <a:r>
+              <a:rPr kumimoji="1" lang="en-US" altLang="zh-CN" dirty="0"/>
+              <a:t>or</a:t>
+            </a:r>
+            <a:r>
+              <a:rPr kumimoji="1" lang="zh-CN" altLang="en-US" dirty="0"/>
+              <a:t> </a:t>
+            </a:r>
+            <a:r>
+              <a:rPr kumimoji="1" lang="en-US" altLang="zh-CN" dirty="0"/>
+              <a:t>a</a:t>
+            </a:r>
+            <a:r>
+              <a:rPr kumimoji="1" lang="zh-CN" altLang="en-US" dirty="0"/>
+              <a:t> </a:t>
+            </a:r>
+            <a:r>
+              <a:rPr kumimoji="1" lang="en-US" altLang="zh-CN"/>
+              <a:t>score.</a:t>
+            </a:r>
           </a:p>
         </p:txBody>
       </p:sp>
@@ -3891,7 +4298,7 @@
     </p:spTree>
     <p:extLst>
       <p:ext uri="{BB962C8B-B14F-4D97-AF65-F5344CB8AC3E}">
-        <p14:creationId xmlns:p14="http://schemas.microsoft.com/office/powerpoint/2010/main" val="2776099439"/>
+        <p14:creationId xmlns:p14="http://schemas.microsoft.com/office/powerpoint/2010/main" val="2299350855"/>
       </p:ext>
     </p:extLst>
   </p:cSld>
@@ -3950,95 +4357,91 @@
             </a:pPr>
             <a:r>
               <a:rPr kumimoji="1" lang="en-US" altLang="zh-CN" dirty="0"/>
-              <a:t>Discriminative</a:t>
-            </a:r>
-            <a:r>
-              <a:rPr kumimoji="1" lang="zh-CN" altLang="en-US" dirty="0"/>
-              <a:t> </a:t>
-            </a:r>
-            <a:r>
-              <a:rPr kumimoji="1" lang="en-US" altLang="zh-CN" dirty="0"/>
-              <a:t>algorithm</a:t>
-            </a:r>
-            <a:r>
-              <a:rPr kumimoji="1" lang="zh-CN" altLang="en-US" dirty="0"/>
-              <a:t> </a:t>
-            </a:r>
-            <a:r>
-              <a:rPr kumimoji="1" lang="en-US" altLang="zh-CN" dirty="0"/>
-              <a:t>seems</a:t>
-            </a:r>
-            <a:r>
-              <a:rPr kumimoji="1" lang="zh-CN" altLang="en-US" dirty="0"/>
-              <a:t> </a:t>
-            </a:r>
-            <a:r>
-              <a:rPr kumimoji="1" lang="en-US" altLang="zh-CN" dirty="0"/>
-              <a:t>more</a:t>
-            </a:r>
-            <a:r>
-              <a:rPr kumimoji="1" lang="zh-CN" altLang="en-US" dirty="0"/>
-              <a:t> </a:t>
-            </a:r>
-            <a:r>
-              <a:rPr kumimoji="1" lang="en-US" altLang="zh-CN" dirty="0"/>
-              <a:t>straightforward,</a:t>
-            </a:r>
-            <a:r>
-              <a:rPr kumimoji="1" lang="zh-CN" altLang="en-US" dirty="0"/>
-              <a:t> </a:t>
-            </a:r>
-            <a:r>
-              <a:rPr kumimoji="1" lang="en-US" altLang="zh-CN" dirty="0"/>
-              <a:t>given</a:t>
-            </a:r>
-            <a:r>
-              <a:rPr kumimoji="1" lang="zh-CN" altLang="en-US" dirty="0"/>
-              <a:t> </a:t>
-            </a:r>
-            <a:r>
-              <a:rPr kumimoji="1" lang="en-US" altLang="zh-CN" dirty="0"/>
-              <a:t>a</a:t>
-            </a:r>
-            <a:r>
-              <a:rPr kumimoji="1" lang="zh-CN" altLang="en-US" dirty="0"/>
-              <a:t> </a:t>
-            </a:r>
-            <a:r>
-              <a:rPr kumimoji="1" lang="en-US" altLang="zh-CN" dirty="0"/>
-              <a:t>data</a:t>
-            </a:r>
-            <a:r>
-              <a:rPr kumimoji="1" lang="zh-CN" altLang="en-US" dirty="0"/>
-              <a:t> </a:t>
-            </a:r>
-            <a:r>
-              <a:rPr kumimoji="1" lang="en-US" altLang="zh-CN" dirty="0"/>
-              <a:t>with</a:t>
-            </a:r>
-            <a:r>
-              <a:rPr kumimoji="1" lang="zh-CN" altLang="en-US" dirty="0"/>
-              <a:t> </a:t>
-            </a:r>
-            <a:r>
-              <a:rPr kumimoji="1" lang="en-US" altLang="zh-CN" dirty="0"/>
-              <a:t>features</a:t>
-            </a:r>
-            <a:r>
-              <a:rPr kumimoji="1" lang="zh-CN" altLang="en-US" dirty="0"/>
-              <a:t> </a:t>
-            </a:r>
-            <a:r>
-              <a:rPr kumimoji="1" lang="en-US" altLang="zh-CN" dirty="0"/>
-              <a:t>then</a:t>
-            </a:r>
-            <a:r>
-              <a:rPr kumimoji="1" lang="zh-CN" altLang="en-US" dirty="0"/>
-              <a:t> </a:t>
-            </a:r>
-            <a:r>
-              <a:rPr kumimoji="1" lang="en-US" altLang="zh-CN" dirty="0"/>
-              <a:t>determine</a:t>
+              <a:t>A</a:t>
+            </a:r>
+            <a:r>
+              <a:rPr kumimoji="1" lang="zh-CN" altLang="en-US" dirty="0"/>
+              <a:t> </a:t>
+            </a:r>
+            <a:r>
+              <a:rPr kumimoji="1" lang="en-US" altLang="zh-CN" dirty="0"/>
+              <a:t>diagnostic</a:t>
+            </a:r>
+            <a:r>
+              <a:rPr kumimoji="1" lang="zh-CN" altLang="en-US" dirty="0"/>
+              <a:t> </a:t>
+            </a:r>
+            <a:r>
+              <a:rPr kumimoji="1" lang="en-US" altLang="zh-CN" dirty="0"/>
+              <a:t>experiments</a:t>
+            </a:r>
+            <a:r>
+              <a:rPr kumimoji="1" lang="zh-CN" altLang="en-US" dirty="0"/>
+              <a:t> </a:t>
+            </a:r>
+            <a:r>
+              <a:rPr kumimoji="1" lang="en-US" altLang="zh-CN" dirty="0"/>
+              <a:t>is</a:t>
+            </a:r>
+            <a:r>
+              <a:rPr kumimoji="1" lang="zh-CN" altLang="en-US" dirty="0"/>
+              <a:t> </a:t>
+            </a:r>
+            <a:r>
+              <a:rPr kumimoji="1" lang="en-US" altLang="zh-CN" dirty="0"/>
+              <a:t>done</a:t>
+            </a:r>
+            <a:r>
+              <a:rPr kumimoji="1" lang="zh-CN" altLang="en-US" dirty="0"/>
+              <a:t> </a:t>
+            </a:r>
+            <a:r>
+              <a:rPr kumimoji="1" lang="en-US" altLang="zh-CN" dirty="0"/>
+              <a:t>on</a:t>
+            </a:r>
+            <a:r>
+              <a:rPr kumimoji="1" lang="zh-CN" altLang="en-US" dirty="0"/>
+              <a:t> </a:t>
+            </a:r>
+            <a:r>
+              <a:rPr kumimoji="1" lang="en-US" altLang="zh-CN" dirty="0"/>
+              <a:t>validation</a:t>
+            </a:r>
+            <a:r>
+              <a:rPr kumimoji="1" lang="zh-CN" altLang="en-US" dirty="0"/>
+              <a:t> </a:t>
+            </a:r>
+            <a:r>
+              <a:rPr kumimoji="1" lang="en-US" altLang="zh-CN" dirty="0"/>
+              <a:t>set.</a:t>
+            </a:r>
+            <a:r>
+              <a:rPr kumimoji="1" lang="zh-CN" altLang="en-US" dirty="0"/>
+              <a:t> </a:t>
+            </a:r>
+            <a:endParaRPr kumimoji="1" lang="en-US" altLang="zh-CN" dirty="0"/>
+          </a:p>
+          <a:p>
+            <a:pPr marL="228600" marR="0" lvl="0" indent="-228600" algn="l" defTabSz="914400" rtl="0" eaLnBrk="1" fontAlgn="auto" latinLnBrk="0" hangingPunct="1">
+              <a:lnSpc>
+                <a:spcPct val="100000"/>
+              </a:lnSpc>
+              <a:spcBef>
+                <a:spcPts val="0"/>
+              </a:spcBef>
+              <a:spcAft>
+                <a:spcPts val="0"/>
+              </a:spcAft>
+              <a:buClrTx/>
+              <a:buSzTx/>
+              <a:buFontTx/>
+              <a:buAutoNum type="arabicPeriod"/>
+              <a:tabLst/>
+              <a:defRPr/>
+            </a:pPr>
+            <a:r>
+              <a:rPr kumimoji="1" lang="en-US" altLang="zh-CN" dirty="0"/>
+              <a:t>From</a:t>
             </a:r>
             <a:r>
               <a:rPr kumimoji="1" lang="zh-CN" altLang="en-US" dirty="0"/>
@@ -4054,722 +4457,81 @@
             </a:r>
             <a:r>
               <a:rPr kumimoji="1" lang="en-US" altLang="zh-CN" dirty="0"/>
-              <a:t>label</a:t>
-            </a:r>
-            <a:r>
-              <a:rPr kumimoji="1" lang="zh-CN" altLang="en-US" dirty="0"/>
-              <a:t> </a:t>
-            </a:r>
-            <a:r>
-              <a:rPr kumimoji="1" lang="en-US" altLang="zh-CN" dirty="0"/>
-              <a:t>based</a:t>
-            </a:r>
-            <a:r>
-              <a:rPr kumimoji="1" lang="zh-CN" altLang="en-US" dirty="0"/>
-              <a:t> </a:t>
-            </a:r>
-            <a:r>
-              <a:rPr kumimoji="1" lang="en-US" altLang="zh-CN" dirty="0"/>
-              <a:t>on</a:t>
-            </a:r>
-            <a:r>
-              <a:rPr kumimoji="1" lang="zh-CN" altLang="en-US" dirty="0"/>
-              <a:t> </a:t>
-            </a:r>
-            <a:r>
-              <a:rPr kumimoji="1" lang="en-US" altLang="zh-CN" dirty="0"/>
-              <a:t>the</a:t>
-            </a:r>
-            <a:r>
-              <a:rPr kumimoji="1" lang="zh-CN" altLang="en-US" dirty="0"/>
-              <a:t> </a:t>
-            </a:r>
-            <a:r>
-              <a:rPr kumimoji="1" lang="en-US" altLang="zh-CN" dirty="0"/>
-              <a:t>features.</a:t>
-            </a:r>
-          </a:p>
-          <a:p>
-            <a:pPr marL="228600" indent="-228600">
+              <a:t>experiments,</a:t>
+            </a:r>
+            <a:r>
+              <a:rPr kumimoji="1" lang="zh-CN" altLang="en-US" dirty="0"/>
+              <a:t> </a:t>
+            </a:r>
+            <a:r>
+              <a:rPr kumimoji="1" lang="en-US" altLang="zh-CN" dirty="0"/>
+              <a:t>t</a:t>
+            </a:r>
+            <a:r>
+              <a:rPr kumimoji="1" lang="en" altLang="zh-CN" dirty="0"/>
+              <a:t>raining on consensus drawing outperforms the baseline method</a:t>
+            </a:r>
+          </a:p>
+          <a:p>
+            <a:pPr marL="228600" marR="0" lvl="0" indent="-228600" algn="l" defTabSz="914400" rtl="0" eaLnBrk="1" fontAlgn="auto" latinLnBrk="0" hangingPunct="1">
+              <a:lnSpc>
+                <a:spcPct val="100000"/>
+              </a:lnSpc>
+              <a:spcBef>
+                <a:spcPts val="0"/>
+              </a:spcBef>
+              <a:spcAft>
+                <a:spcPts val="0"/>
+              </a:spcAft>
+              <a:buClrTx/>
+              <a:buSzTx/>
+              <a:buFontTx/>
               <a:buAutoNum type="arabicPeriod"/>
+              <a:tabLst/>
+              <a:defRPr/>
             </a:pPr>
             <a:r>
-              <a:rPr kumimoji="1" lang="en-US" altLang="zh-CN" dirty="0"/>
-              <a:t>Meanwhile,</a:t>
-            </a:r>
-            <a:r>
-              <a:rPr kumimoji="1" lang="zh-CN" altLang="en-US" dirty="0"/>
-              <a:t> </a:t>
-            </a:r>
-            <a:r>
-              <a:rPr kumimoji="1" lang="en-US" altLang="zh-CN" dirty="0"/>
-              <a:t>generative</a:t>
-            </a:r>
-            <a:r>
-              <a:rPr kumimoji="1" lang="zh-CN" altLang="en-US" dirty="0"/>
-              <a:t> </a:t>
-            </a:r>
-            <a:r>
-              <a:rPr kumimoji="1" lang="en-US" altLang="zh-CN" dirty="0"/>
-              <a:t>algorithm</a:t>
-            </a:r>
-            <a:r>
-              <a:rPr kumimoji="1" lang="zh-CN" altLang="en-US" dirty="0"/>
-              <a:t> </a:t>
-            </a:r>
-            <a:r>
-              <a:rPr kumimoji="1" lang="en-US" altLang="zh-CN" dirty="0"/>
-              <a:t>do</a:t>
-            </a:r>
-            <a:r>
-              <a:rPr kumimoji="1" lang="zh-CN" altLang="en-US" dirty="0"/>
-              <a:t> </a:t>
-            </a:r>
-            <a:r>
-              <a:rPr kumimoji="1" lang="en-US" altLang="zh-CN" dirty="0"/>
-              <a:t>the</a:t>
-            </a:r>
-            <a:r>
-              <a:rPr kumimoji="1" lang="zh-CN" altLang="en-US" dirty="0"/>
-              <a:t> </a:t>
-            </a:r>
-            <a:r>
-              <a:rPr kumimoji="1" lang="en-US" altLang="zh-CN" dirty="0"/>
-              <a:t>opposite</a:t>
-            </a:r>
-            <a:r>
-              <a:rPr kumimoji="1" lang="zh-CN" altLang="en-US" dirty="0"/>
-              <a:t> </a:t>
-            </a:r>
-            <a:r>
-              <a:rPr kumimoji="1" lang="en-US" altLang="zh-CN" dirty="0"/>
-              <a:t>job.</a:t>
-            </a:r>
-            <a:r>
-              <a:rPr kumimoji="1" lang="zh-CN" altLang="en-US" dirty="0"/>
-              <a:t> </a:t>
-            </a:r>
-            <a:r>
-              <a:rPr lang="en" altLang="zh-CN" sz="1200" b="0" i="0" kern="1200" dirty="0">
-                <a:solidFill>
-                  <a:schemeClr val="tx1"/>
-                </a:solidFill>
-                <a:effectLst/>
-                <a:latin typeface="+mn-lt"/>
-                <a:ea typeface="+mn-ea"/>
-                <a:cs typeface="+mn-cs"/>
-              </a:rPr>
-              <a:t>Instead of predicting a label given certain features, they attempt to predict features given a certain label</a:t>
-            </a:r>
-            <a:r>
-              <a:rPr lang="en-US" altLang="zh-CN" sz="1200" b="0" i="0" kern="1200" dirty="0">
-                <a:solidFill>
-                  <a:schemeClr val="tx1"/>
-                </a:solidFill>
-                <a:effectLst/>
-                <a:latin typeface="+mn-lt"/>
-                <a:ea typeface="+mn-ea"/>
-                <a:cs typeface="+mn-cs"/>
-              </a:rPr>
-              <a:t>.</a:t>
-            </a:r>
-          </a:p>
-          <a:p>
-            <a:pPr marL="228600" indent="-228600">
+              <a:rPr kumimoji="1" lang="en" altLang="zh-CN" dirty="0"/>
+              <a:t>Training on the complete set of sketches with MM-loss outperforms training on consensus</a:t>
+            </a:r>
+          </a:p>
+          <a:p>
+            <a:pPr marL="228600" marR="0" lvl="0" indent="-228600" algn="l" defTabSz="914400" rtl="0" eaLnBrk="1" fontAlgn="auto" latinLnBrk="0" hangingPunct="1">
+              <a:lnSpc>
+                <a:spcPct val="100000"/>
+              </a:lnSpc>
+              <a:spcBef>
+                <a:spcPts val="0"/>
+              </a:spcBef>
+              <a:spcAft>
+                <a:spcPts val="0"/>
+              </a:spcAft>
+              <a:buClrTx/>
+              <a:buSzTx/>
+              <a:buFontTx/>
               <a:buAutoNum type="arabicPeriod"/>
+              <a:tabLst/>
+              <a:defRPr/>
             </a:pPr>
-            <a:r>
-              <a:rPr lang="en-US" altLang="zh-CN" sz="1200" b="0" i="0" kern="1200" dirty="0">
-                <a:solidFill>
-                  <a:schemeClr val="tx1"/>
-                </a:solidFill>
-                <a:effectLst/>
-                <a:latin typeface="+mn-lt"/>
-                <a:ea typeface="+mn-ea"/>
-                <a:cs typeface="+mn-cs"/>
-              </a:rPr>
-              <a:t>Both</a:t>
-            </a:r>
-            <a:r>
-              <a:rPr lang="zh-CN" altLang="en-US" sz="1200" b="0" i="0" kern="1200" dirty="0">
-                <a:solidFill>
-                  <a:schemeClr val="tx1"/>
-                </a:solidFill>
-                <a:effectLst/>
-                <a:latin typeface="+mn-lt"/>
-                <a:ea typeface="+mn-ea"/>
-                <a:cs typeface="+mn-cs"/>
-              </a:rPr>
-              <a:t> </a:t>
-            </a:r>
-            <a:r>
-              <a:rPr lang="en-US" altLang="zh-CN" sz="1200" b="0" i="0" kern="1200" dirty="0">
-                <a:solidFill>
-                  <a:schemeClr val="tx1"/>
-                </a:solidFill>
-                <a:effectLst/>
-                <a:latin typeface="+mn-lt"/>
-                <a:ea typeface="+mn-ea"/>
-                <a:cs typeface="+mn-cs"/>
-              </a:rPr>
-              <a:t>generative</a:t>
-            </a:r>
-            <a:r>
-              <a:rPr lang="zh-CN" altLang="en-US" sz="1200" b="0" i="0" kern="1200" dirty="0">
-                <a:solidFill>
-                  <a:schemeClr val="tx1"/>
-                </a:solidFill>
-                <a:effectLst/>
-                <a:latin typeface="+mn-lt"/>
-                <a:ea typeface="+mn-ea"/>
-                <a:cs typeface="+mn-cs"/>
-              </a:rPr>
-              <a:t> </a:t>
-            </a:r>
-            <a:r>
-              <a:rPr lang="en-US" altLang="zh-CN" sz="1200" b="0" i="0" kern="1200" dirty="0">
-                <a:solidFill>
-                  <a:schemeClr val="tx1"/>
-                </a:solidFill>
-                <a:effectLst/>
-                <a:latin typeface="+mn-lt"/>
-                <a:ea typeface="+mn-ea"/>
-                <a:cs typeface="+mn-cs"/>
-              </a:rPr>
-              <a:t>and</a:t>
-            </a:r>
-            <a:r>
-              <a:rPr lang="zh-CN" altLang="en-US" sz="1200" b="0" i="0" kern="1200" dirty="0">
-                <a:solidFill>
-                  <a:schemeClr val="tx1"/>
-                </a:solidFill>
-                <a:effectLst/>
-                <a:latin typeface="+mn-lt"/>
-                <a:ea typeface="+mn-ea"/>
-                <a:cs typeface="+mn-cs"/>
-              </a:rPr>
-              <a:t> </a:t>
-            </a:r>
-            <a:r>
-              <a:rPr lang="en-US" altLang="zh-CN" sz="1200" b="0" i="0" kern="1200" dirty="0">
-                <a:solidFill>
-                  <a:schemeClr val="tx1"/>
-                </a:solidFill>
-                <a:effectLst/>
-                <a:latin typeface="+mn-lt"/>
-                <a:ea typeface="+mn-ea"/>
-                <a:cs typeface="+mn-cs"/>
-              </a:rPr>
-              <a:t>discriminative</a:t>
-            </a:r>
-            <a:r>
-              <a:rPr lang="zh-CN" altLang="en-US" sz="1200" b="0" i="0" kern="1200" dirty="0">
-                <a:solidFill>
-                  <a:schemeClr val="tx1"/>
-                </a:solidFill>
-                <a:effectLst/>
-                <a:latin typeface="+mn-lt"/>
-                <a:ea typeface="+mn-ea"/>
-                <a:cs typeface="+mn-cs"/>
-              </a:rPr>
-              <a:t> </a:t>
-            </a:r>
-            <a:r>
-              <a:rPr lang="en-US" altLang="zh-CN" sz="1200" b="0" i="0" kern="1200" dirty="0">
-                <a:solidFill>
-                  <a:schemeClr val="tx1"/>
-                </a:solidFill>
-                <a:effectLst/>
-                <a:latin typeface="+mn-lt"/>
-                <a:ea typeface="+mn-ea"/>
-                <a:cs typeface="+mn-cs"/>
-              </a:rPr>
-              <a:t>networks</a:t>
-            </a:r>
-            <a:r>
-              <a:rPr lang="zh-CN" altLang="en-US" sz="1200" b="0" i="0" kern="1200" dirty="0">
-                <a:solidFill>
-                  <a:schemeClr val="tx1"/>
-                </a:solidFill>
-                <a:effectLst/>
-                <a:latin typeface="+mn-lt"/>
-                <a:ea typeface="+mn-ea"/>
-                <a:cs typeface="+mn-cs"/>
-              </a:rPr>
-              <a:t> </a:t>
-            </a:r>
-            <a:r>
-              <a:rPr lang="en-US" altLang="zh-CN" sz="1200" b="0" i="0" kern="1200" dirty="0">
-                <a:solidFill>
-                  <a:schemeClr val="tx1"/>
-                </a:solidFill>
-                <a:effectLst/>
-                <a:latin typeface="+mn-lt"/>
-                <a:ea typeface="+mn-ea"/>
-                <a:cs typeface="+mn-cs"/>
-              </a:rPr>
-              <a:t>have</a:t>
-            </a:r>
-            <a:r>
-              <a:rPr lang="zh-CN" altLang="en-US" sz="1200" b="0" i="0" kern="1200" dirty="0">
-                <a:solidFill>
-                  <a:schemeClr val="tx1"/>
-                </a:solidFill>
-                <a:effectLst/>
-                <a:latin typeface="+mn-lt"/>
-                <a:ea typeface="+mn-ea"/>
-                <a:cs typeface="+mn-cs"/>
-              </a:rPr>
-              <a:t> </a:t>
-            </a:r>
-            <a:r>
-              <a:rPr lang="en-US" altLang="zh-CN" sz="1200" b="0" i="0" kern="1200" dirty="0">
-                <a:solidFill>
-                  <a:schemeClr val="tx1"/>
-                </a:solidFill>
-                <a:effectLst/>
-                <a:latin typeface="+mn-lt"/>
-                <a:ea typeface="+mn-ea"/>
-                <a:cs typeface="+mn-cs"/>
-              </a:rPr>
-              <a:t>their</a:t>
-            </a:r>
-            <a:r>
-              <a:rPr lang="zh-CN" altLang="en-US" sz="1200" b="0" i="0" kern="1200" dirty="0">
-                <a:solidFill>
-                  <a:schemeClr val="tx1"/>
-                </a:solidFill>
-                <a:effectLst/>
-                <a:latin typeface="+mn-lt"/>
-                <a:ea typeface="+mn-ea"/>
-                <a:cs typeface="+mn-cs"/>
-              </a:rPr>
-              <a:t> </a:t>
-            </a:r>
-            <a:r>
-              <a:rPr lang="en-US" altLang="zh-CN" sz="1200" b="0" i="0" kern="1200" dirty="0">
-                <a:solidFill>
-                  <a:schemeClr val="tx1"/>
-                </a:solidFill>
-                <a:effectLst/>
-                <a:latin typeface="+mn-lt"/>
-                <a:ea typeface="+mn-ea"/>
-                <a:cs typeface="+mn-cs"/>
-              </a:rPr>
-              <a:t>own</a:t>
-            </a:r>
-            <a:r>
-              <a:rPr lang="zh-CN" altLang="en-US" sz="1200" b="0" i="0" kern="1200" dirty="0">
-                <a:solidFill>
-                  <a:schemeClr val="tx1"/>
-                </a:solidFill>
-                <a:effectLst/>
-                <a:latin typeface="+mn-lt"/>
-                <a:ea typeface="+mn-ea"/>
-                <a:cs typeface="+mn-cs"/>
-              </a:rPr>
-              <a:t> </a:t>
-            </a:r>
-            <a:r>
-              <a:rPr lang="en-US" altLang="zh-CN" sz="1200" b="0" i="0" kern="1200" dirty="0">
-                <a:solidFill>
-                  <a:schemeClr val="tx1"/>
-                </a:solidFill>
-                <a:effectLst/>
-                <a:latin typeface="+mn-lt"/>
-                <a:ea typeface="+mn-ea"/>
-                <a:cs typeface="+mn-cs"/>
-              </a:rPr>
-              <a:t>advantages</a:t>
-            </a:r>
-            <a:r>
-              <a:rPr lang="zh-CN" altLang="en-US" sz="1200" b="0" i="0" kern="1200" dirty="0">
-                <a:solidFill>
-                  <a:schemeClr val="tx1"/>
-                </a:solidFill>
-                <a:effectLst/>
-                <a:latin typeface="+mn-lt"/>
-                <a:ea typeface="+mn-ea"/>
-                <a:cs typeface="+mn-cs"/>
-              </a:rPr>
-              <a:t> </a:t>
-            </a:r>
-            <a:r>
-              <a:rPr lang="en-US" altLang="zh-CN" sz="1200" b="0" i="0" kern="1200" dirty="0">
-                <a:solidFill>
-                  <a:schemeClr val="tx1"/>
-                </a:solidFill>
-                <a:effectLst/>
-                <a:latin typeface="+mn-lt"/>
-                <a:ea typeface="+mn-ea"/>
-                <a:cs typeface="+mn-cs"/>
-              </a:rPr>
-              <a:t>and</a:t>
-            </a:r>
-            <a:r>
-              <a:rPr lang="zh-CN" altLang="en-US" sz="1200" b="0" i="0" kern="1200" dirty="0">
-                <a:solidFill>
-                  <a:schemeClr val="tx1"/>
-                </a:solidFill>
-                <a:effectLst/>
-                <a:latin typeface="+mn-lt"/>
-                <a:ea typeface="+mn-ea"/>
-                <a:cs typeface="+mn-cs"/>
-              </a:rPr>
-              <a:t> </a:t>
-            </a:r>
-            <a:r>
-              <a:rPr lang="en-US" altLang="zh-CN" sz="1200" b="0" i="0" kern="1200" dirty="0">
-                <a:solidFill>
-                  <a:schemeClr val="tx1"/>
-                </a:solidFill>
-                <a:effectLst/>
-                <a:latin typeface="+mn-lt"/>
-                <a:ea typeface="+mn-ea"/>
-                <a:cs typeface="+mn-cs"/>
-              </a:rPr>
-              <a:t>disadvantages.</a:t>
-            </a:r>
-            <a:r>
-              <a:rPr lang="zh-CN" altLang="en-US" sz="1200" b="0" i="0" kern="1200" dirty="0">
-                <a:solidFill>
-                  <a:schemeClr val="tx1"/>
-                </a:solidFill>
-                <a:effectLst/>
-                <a:latin typeface="+mn-lt"/>
-                <a:ea typeface="+mn-ea"/>
-                <a:cs typeface="+mn-cs"/>
-              </a:rPr>
-              <a:t> </a:t>
-            </a:r>
-            <a:r>
-              <a:rPr lang="en-US" altLang="zh-CN" sz="1200" b="0" i="0" kern="1200" dirty="0">
-                <a:solidFill>
-                  <a:schemeClr val="tx1"/>
-                </a:solidFill>
-                <a:effectLst/>
-                <a:latin typeface="+mn-lt"/>
-                <a:ea typeface="+mn-ea"/>
-                <a:cs typeface="+mn-cs"/>
-              </a:rPr>
-              <a:t>However,</a:t>
-            </a:r>
-            <a:r>
-              <a:rPr lang="zh-CN" altLang="en-US" sz="1200" b="0" i="0" kern="1200" dirty="0">
-                <a:solidFill>
-                  <a:schemeClr val="tx1"/>
-                </a:solidFill>
-                <a:effectLst/>
-                <a:latin typeface="+mn-lt"/>
-                <a:ea typeface="+mn-ea"/>
-                <a:cs typeface="+mn-cs"/>
-              </a:rPr>
-              <a:t> </a:t>
-            </a:r>
-            <a:r>
-              <a:rPr lang="en-US" altLang="zh-CN" sz="1200" b="0" i="0" kern="1200" dirty="0">
-                <a:solidFill>
-                  <a:schemeClr val="tx1"/>
-                </a:solidFill>
-                <a:effectLst/>
-                <a:latin typeface="+mn-lt"/>
-                <a:ea typeface="+mn-ea"/>
-                <a:cs typeface="+mn-cs"/>
-              </a:rPr>
-              <a:t>combine</a:t>
-            </a:r>
-            <a:r>
-              <a:rPr lang="zh-CN" altLang="en-US" sz="1200" b="0" i="0" kern="1200" dirty="0">
-                <a:solidFill>
-                  <a:schemeClr val="tx1"/>
-                </a:solidFill>
-                <a:effectLst/>
-                <a:latin typeface="+mn-lt"/>
-                <a:ea typeface="+mn-ea"/>
-                <a:cs typeface="+mn-cs"/>
-              </a:rPr>
-              <a:t> </a:t>
-            </a:r>
-            <a:r>
-              <a:rPr lang="en-US" altLang="zh-CN" sz="1200" b="0" i="0" kern="1200" dirty="0">
-                <a:solidFill>
-                  <a:schemeClr val="tx1"/>
-                </a:solidFill>
-                <a:effectLst/>
-                <a:latin typeface="+mn-lt"/>
-                <a:ea typeface="+mn-ea"/>
-                <a:cs typeface="+mn-cs"/>
-              </a:rPr>
-              <a:t>those</a:t>
-            </a:r>
-            <a:r>
-              <a:rPr lang="zh-CN" altLang="en-US" sz="1200" b="0" i="0" kern="1200" dirty="0">
-                <a:solidFill>
-                  <a:schemeClr val="tx1"/>
-                </a:solidFill>
-                <a:effectLst/>
-                <a:latin typeface="+mn-lt"/>
-                <a:ea typeface="+mn-ea"/>
-                <a:cs typeface="+mn-cs"/>
-              </a:rPr>
-              <a:t> </a:t>
-            </a:r>
-            <a:r>
-              <a:rPr lang="en-US" altLang="zh-CN" sz="1200" b="0" i="0" kern="1200" dirty="0">
-                <a:solidFill>
-                  <a:schemeClr val="tx1"/>
-                </a:solidFill>
-                <a:effectLst/>
-                <a:latin typeface="+mn-lt"/>
-                <a:ea typeface="+mn-ea"/>
-                <a:cs typeface="+mn-cs"/>
-              </a:rPr>
-              <a:t>two</a:t>
-            </a:r>
-            <a:r>
-              <a:rPr lang="zh-CN" altLang="en-US" sz="1200" b="0" i="0" kern="1200" dirty="0">
-                <a:solidFill>
-                  <a:schemeClr val="tx1"/>
-                </a:solidFill>
-                <a:effectLst/>
-                <a:latin typeface="+mn-lt"/>
-                <a:ea typeface="+mn-ea"/>
-                <a:cs typeface="+mn-cs"/>
-              </a:rPr>
-              <a:t> </a:t>
-            </a:r>
-            <a:r>
-              <a:rPr lang="en-US" altLang="zh-CN" sz="1200" b="0" i="0" kern="1200" dirty="0">
-                <a:solidFill>
-                  <a:schemeClr val="tx1"/>
-                </a:solidFill>
-                <a:effectLst/>
-                <a:latin typeface="+mn-lt"/>
-                <a:ea typeface="+mn-ea"/>
-                <a:cs typeface="+mn-cs"/>
-              </a:rPr>
-              <a:t>kind</a:t>
-            </a:r>
-            <a:r>
-              <a:rPr lang="zh-CN" altLang="en-US" sz="1200" b="0" i="0" kern="1200" dirty="0">
-                <a:solidFill>
-                  <a:schemeClr val="tx1"/>
-                </a:solidFill>
-                <a:effectLst/>
-                <a:latin typeface="+mn-lt"/>
-                <a:ea typeface="+mn-ea"/>
-                <a:cs typeface="+mn-cs"/>
-              </a:rPr>
-              <a:t> </a:t>
-            </a:r>
-            <a:r>
-              <a:rPr lang="en-US" altLang="zh-CN" sz="1200" b="0" i="0" kern="1200" dirty="0">
-                <a:solidFill>
-                  <a:schemeClr val="tx1"/>
-                </a:solidFill>
-                <a:effectLst/>
-                <a:latin typeface="+mn-lt"/>
-                <a:ea typeface="+mn-ea"/>
-                <a:cs typeface="+mn-cs"/>
-              </a:rPr>
-              <a:t>of</a:t>
-            </a:r>
-            <a:r>
-              <a:rPr lang="zh-CN" altLang="en-US" sz="1200" b="0" i="0" kern="1200" dirty="0">
-                <a:solidFill>
-                  <a:schemeClr val="tx1"/>
-                </a:solidFill>
-                <a:effectLst/>
-                <a:latin typeface="+mn-lt"/>
-                <a:ea typeface="+mn-ea"/>
-                <a:cs typeface="+mn-cs"/>
-              </a:rPr>
-              <a:t> </a:t>
-            </a:r>
-            <a:r>
-              <a:rPr lang="en-US" altLang="zh-CN" sz="1200" b="0" i="0" kern="1200" dirty="0">
-                <a:solidFill>
-                  <a:schemeClr val="tx1"/>
-                </a:solidFill>
-                <a:effectLst/>
-                <a:latin typeface="+mn-lt"/>
-                <a:ea typeface="+mn-ea"/>
-                <a:cs typeface="+mn-cs"/>
-              </a:rPr>
-              <a:t>neural</a:t>
-            </a:r>
-            <a:r>
-              <a:rPr lang="zh-CN" altLang="en-US" sz="1200" b="0" i="0" kern="1200" dirty="0">
-                <a:solidFill>
-                  <a:schemeClr val="tx1"/>
-                </a:solidFill>
-                <a:effectLst/>
-                <a:latin typeface="+mn-lt"/>
-                <a:ea typeface="+mn-ea"/>
-                <a:cs typeface="+mn-cs"/>
-              </a:rPr>
-              <a:t> </a:t>
-            </a:r>
-            <a:r>
-              <a:rPr lang="en-US" altLang="zh-CN" sz="1200" b="0" i="0" kern="1200" dirty="0">
-                <a:solidFill>
-                  <a:schemeClr val="tx1"/>
-                </a:solidFill>
-                <a:effectLst/>
-                <a:latin typeface="+mn-lt"/>
-                <a:ea typeface="+mn-ea"/>
-                <a:cs typeface="+mn-cs"/>
-              </a:rPr>
-              <a:t>networks</a:t>
-            </a:r>
-            <a:r>
-              <a:rPr lang="zh-CN" altLang="en-US" sz="1200" b="0" i="0" kern="1200" dirty="0">
-                <a:solidFill>
-                  <a:schemeClr val="tx1"/>
-                </a:solidFill>
-                <a:effectLst/>
-                <a:latin typeface="+mn-lt"/>
-                <a:ea typeface="+mn-ea"/>
-                <a:cs typeface="+mn-cs"/>
-              </a:rPr>
-              <a:t> </a:t>
-            </a:r>
-            <a:r>
-              <a:rPr lang="en-US" altLang="zh-CN" sz="1200" b="0" i="0" kern="1200" dirty="0">
-                <a:solidFill>
-                  <a:schemeClr val="tx1"/>
-                </a:solidFill>
-                <a:effectLst/>
-                <a:latin typeface="+mn-lt"/>
-                <a:ea typeface="+mn-ea"/>
-                <a:cs typeface="+mn-cs"/>
-              </a:rPr>
-              <a:t>together,</a:t>
-            </a:r>
-            <a:r>
-              <a:rPr lang="zh-CN" altLang="en-US" sz="1200" b="0" i="0" kern="1200" dirty="0">
-                <a:solidFill>
-                  <a:schemeClr val="tx1"/>
-                </a:solidFill>
-                <a:effectLst/>
-                <a:latin typeface="+mn-lt"/>
-                <a:ea typeface="+mn-ea"/>
-                <a:cs typeface="+mn-cs"/>
-              </a:rPr>
-              <a:t> </a:t>
-            </a:r>
-            <a:r>
-              <a:rPr lang="en-US" altLang="zh-CN" sz="1200" b="0" i="0" kern="1200" dirty="0">
-                <a:solidFill>
-                  <a:schemeClr val="tx1"/>
-                </a:solidFill>
-                <a:effectLst/>
-                <a:latin typeface="+mn-lt"/>
-                <a:ea typeface="+mn-ea"/>
-                <a:cs typeface="+mn-cs"/>
-              </a:rPr>
-              <a:t>we</a:t>
-            </a:r>
-            <a:r>
-              <a:rPr lang="zh-CN" altLang="en-US" sz="1200" b="0" i="0" kern="1200" dirty="0">
-                <a:solidFill>
-                  <a:schemeClr val="tx1"/>
-                </a:solidFill>
-                <a:effectLst/>
-                <a:latin typeface="+mn-lt"/>
-                <a:ea typeface="+mn-ea"/>
-                <a:cs typeface="+mn-cs"/>
-              </a:rPr>
-              <a:t> </a:t>
-            </a:r>
-            <a:r>
-              <a:rPr lang="en-US" altLang="zh-CN" sz="1200" b="0" i="0" kern="1200" dirty="0">
-                <a:solidFill>
-                  <a:schemeClr val="tx1"/>
-                </a:solidFill>
-                <a:effectLst/>
-                <a:latin typeface="+mn-lt"/>
-                <a:ea typeface="+mn-ea"/>
-                <a:cs typeface="+mn-cs"/>
-              </a:rPr>
-              <a:t>get</a:t>
-            </a:r>
-            <a:r>
-              <a:rPr lang="zh-CN" altLang="en-US" sz="1200" b="0" i="0" kern="1200" dirty="0">
-                <a:solidFill>
-                  <a:schemeClr val="tx1"/>
-                </a:solidFill>
-                <a:effectLst/>
-                <a:latin typeface="+mn-lt"/>
-                <a:ea typeface="+mn-ea"/>
-                <a:cs typeface="+mn-cs"/>
-              </a:rPr>
-              <a:t> </a:t>
-            </a:r>
-            <a:r>
-              <a:rPr lang="en-US" altLang="zh-CN" sz="1200" b="0" i="0" kern="1200" dirty="0">
-                <a:solidFill>
-                  <a:schemeClr val="tx1"/>
-                </a:solidFill>
-                <a:effectLst/>
-                <a:latin typeface="+mn-lt"/>
-                <a:ea typeface="+mn-ea"/>
-                <a:cs typeface="+mn-cs"/>
-              </a:rPr>
-              <a:t>the</a:t>
-            </a:r>
-            <a:r>
-              <a:rPr lang="zh-CN" altLang="en-US" sz="1200" b="0" i="0" kern="1200" dirty="0">
-                <a:solidFill>
-                  <a:schemeClr val="tx1"/>
-                </a:solidFill>
-                <a:effectLst/>
-                <a:latin typeface="+mn-lt"/>
-                <a:ea typeface="+mn-ea"/>
-                <a:cs typeface="+mn-cs"/>
-              </a:rPr>
-              <a:t> </a:t>
-            </a:r>
-            <a:r>
-              <a:rPr lang="en-US" altLang="zh-CN" sz="1200" b="0" i="0" kern="1200" dirty="0">
-                <a:solidFill>
-                  <a:schemeClr val="tx1"/>
-                </a:solidFill>
-                <a:effectLst/>
-                <a:latin typeface="+mn-lt"/>
-                <a:ea typeface="+mn-ea"/>
-                <a:cs typeface="+mn-cs"/>
-              </a:rPr>
-              <a:t>powerful</a:t>
-            </a:r>
-            <a:r>
-              <a:rPr lang="zh-CN" altLang="en-US" sz="1200" b="0" i="0" kern="1200" dirty="0">
-                <a:solidFill>
-                  <a:schemeClr val="tx1"/>
-                </a:solidFill>
-                <a:effectLst/>
-                <a:latin typeface="+mn-lt"/>
-                <a:ea typeface="+mn-ea"/>
-                <a:cs typeface="+mn-cs"/>
-              </a:rPr>
-              <a:t> </a:t>
-            </a:r>
-            <a:r>
-              <a:rPr lang="en-US" altLang="zh-CN" sz="1200" b="0" i="0" kern="1200" dirty="0">
-                <a:solidFill>
-                  <a:schemeClr val="tx1"/>
-                </a:solidFill>
-                <a:effectLst/>
-                <a:latin typeface="+mn-lt"/>
-                <a:ea typeface="+mn-ea"/>
-                <a:cs typeface="+mn-cs"/>
-              </a:rPr>
-              <a:t>GAN.</a:t>
-            </a:r>
-          </a:p>
-          <a:p>
-            <a:pPr marL="228600" indent="-228600">
+            <a:endParaRPr kumimoji="1" lang="en" altLang="zh-CN" dirty="0"/>
+          </a:p>
+          <a:p>
+            <a:pPr marL="228600" marR="0" lvl="0" indent="-228600" algn="l" defTabSz="914400" rtl="0" eaLnBrk="1" fontAlgn="auto" latinLnBrk="0" hangingPunct="1">
+              <a:lnSpc>
+                <a:spcPct val="100000"/>
+              </a:lnSpc>
+              <a:spcBef>
+                <a:spcPts val="0"/>
+              </a:spcBef>
+              <a:spcAft>
+                <a:spcPts val="0"/>
+              </a:spcAft>
+              <a:buClrTx/>
+              <a:buSzTx/>
+              <a:buFontTx/>
               <a:buAutoNum type="arabicPeriod"/>
+              <a:tabLst/>
+              <a:defRPr/>
             </a:pPr>
             <a:endParaRPr kumimoji="1" lang="zh-CN" altLang="en-US" dirty="0"/>
           </a:p>
@@ -4793,6 +4555,916 @@
             <a:fld id="{3E56D357-0E91-6B43-A9C4-2C7CC8128A67}" type="slidenum">
               <a:rPr kumimoji="1" lang="zh-CN" altLang="en-US" smtClean="0"/>
               <a:t>6</a:t>
+            </a:fld>
+            <a:endParaRPr kumimoji="1" lang="zh-CN" altLang="en-US"/>
+          </a:p>
+        </p:txBody>
+      </p:sp>
+    </p:spTree>
+    <p:extLst>
+      <p:ext uri="{BB962C8B-B14F-4D97-AF65-F5344CB8AC3E}">
+        <p14:creationId xmlns:p14="http://schemas.microsoft.com/office/powerpoint/2010/main" val="2776099439"/>
+      </p:ext>
+    </p:extLst>
+  </p:cSld>
+  <p:clrMapOvr>
+    <a:masterClrMapping/>
+  </p:clrMapOvr>
+</p:notes>
+</file>
+
+<file path=ppt/notesSlides/notesSlide7.xml><?xml version="1.0" encoding="utf-8"?>
+<p:notes xmlns:a="http://schemas.openxmlformats.org/drawingml/2006/main" xmlns:r="http://schemas.openxmlformats.org/officeDocument/2006/relationships" xmlns:p="http://schemas.openxmlformats.org/presentationml/2006/main">
+  <p:cSld>
+    <p:spTree>
+      <p:nvGrpSpPr>
+        <p:cNvPr id="1" name=""/>
+        <p:cNvGrpSpPr/>
+        <p:nvPr/>
+      </p:nvGrpSpPr>
+      <p:grpSpPr>
+        <a:xfrm>
+          <a:off x="0" y="0"/>
+          <a:ext cx="0" cy="0"/>
+          <a:chOff x="0" y="0"/>
+          <a:chExt cx="0" cy="0"/>
+        </a:xfrm>
+      </p:grpSpPr>
+      <p:sp>
+        <p:nvSpPr>
+          <p:cNvPr id="2" name="幻灯片图像占位符 1"/>
+          <p:cNvSpPr>
+            <a:spLocks noGrp="1" noRot="1" noChangeAspect="1"/>
+          </p:cNvSpPr>
+          <p:nvPr>
+            <p:ph type="sldImg"/>
+          </p:nvPr>
+        </p:nvSpPr>
+        <p:spPr/>
+      </p:sp>
+      <p:sp>
+        <p:nvSpPr>
+          <p:cNvPr id="3" name="备注占位符 2"/>
+          <p:cNvSpPr>
+            <a:spLocks noGrp="1"/>
+          </p:cNvSpPr>
+          <p:nvPr>
+            <p:ph type="body" idx="1"/>
+          </p:nvPr>
+        </p:nvSpPr>
+        <p:spPr/>
+        <p:txBody>
+          <a:bodyPr/>
+          <a:lstStyle/>
+          <a:p>
+            <a:pPr marL="228600" indent="-228600">
+              <a:buAutoNum type="arabicPeriod"/>
+            </a:pPr>
+            <a:r>
+              <a:rPr kumimoji="1" lang="en-US" altLang="zh-CN" dirty="0"/>
+              <a:t>Discriminative</a:t>
+            </a:r>
+            <a:r>
+              <a:rPr kumimoji="1" lang="zh-CN" altLang="en-US" dirty="0"/>
+              <a:t> </a:t>
+            </a:r>
+            <a:r>
+              <a:rPr kumimoji="1" lang="en-US" altLang="zh-CN" dirty="0"/>
+              <a:t>algorithm</a:t>
+            </a:r>
+            <a:r>
+              <a:rPr kumimoji="1" lang="zh-CN" altLang="en-US" dirty="0"/>
+              <a:t> </a:t>
+            </a:r>
+            <a:r>
+              <a:rPr kumimoji="1" lang="en-US" altLang="zh-CN" dirty="0"/>
+              <a:t>seems</a:t>
+            </a:r>
+            <a:r>
+              <a:rPr kumimoji="1" lang="zh-CN" altLang="en-US" dirty="0"/>
+              <a:t> </a:t>
+            </a:r>
+            <a:r>
+              <a:rPr kumimoji="1" lang="en-US" altLang="zh-CN" dirty="0"/>
+              <a:t>more</a:t>
+            </a:r>
+            <a:r>
+              <a:rPr kumimoji="1" lang="zh-CN" altLang="en-US" dirty="0"/>
+              <a:t> </a:t>
+            </a:r>
+            <a:r>
+              <a:rPr kumimoji="1" lang="en-US" altLang="zh-CN" dirty="0"/>
+              <a:t>straightforward,</a:t>
+            </a:r>
+            <a:r>
+              <a:rPr kumimoji="1" lang="zh-CN" altLang="en-US" dirty="0"/>
+              <a:t> </a:t>
+            </a:r>
+            <a:r>
+              <a:rPr kumimoji="1" lang="en-US" altLang="zh-CN" dirty="0"/>
+              <a:t>given</a:t>
+            </a:r>
+            <a:r>
+              <a:rPr kumimoji="1" lang="zh-CN" altLang="en-US" dirty="0"/>
+              <a:t> </a:t>
+            </a:r>
+            <a:r>
+              <a:rPr kumimoji="1" lang="en-US" altLang="zh-CN" dirty="0"/>
+              <a:t>a</a:t>
+            </a:r>
+            <a:r>
+              <a:rPr kumimoji="1" lang="zh-CN" altLang="en-US" dirty="0"/>
+              <a:t> </a:t>
+            </a:r>
+            <a:r>
+              <a:rPr kumimoji="1" lang="en-US" altLang="zh-CN" dirty="0"/>
+              <a:t>data</a:t>
+            </a:r>
+            <a:r>
+              <a:rPr kumimoji="1" lang="zh-CN" altLang="en-US" dirty="0"/>
+              <a:t> </a:t>
+            </a:r>
+            <a:r>
+              <a:rPr kumimoji="1" lang="en-US" altLang="zh-CN" dirty="0"/>
+              <a:t>with</a:t>
+            </a:r>
+            <a:r>
+              <a:rPr kumimoji="1" lang="zh-CN" altLang="en-US" dirty="0"/>
+              <a:t> </a:t>
+            </a:r>
+            <a:r>
+              <a:rPr kumimoji="1" lang="en-US" altLang="zh-CN" dirty="0"/>
+              <a:t>features</a:t>
+            </a:r>
+            <a:r>
+              <a:rPr kumimoji="1" lang="zh-CN" altLang="en-US" dirty="0"/>
+              <a:t> </a:t>
+            </a:r>
+            <a:r>
+              <a:rPr kumimoji="1" lang="en-US" altLang="zh-CN" dirty="0"/>
+              <a:t>then</a:t>
+            </a:r>
+            <a:r>
+              <a:rPr kumimoji="1" lang="zh-CN" altLang="en-US" dirty="0"/>
+              <a:t> </a:t>
+            </a:r>
+            <a:r>
+              <a:rPr kumimoji="1" lang="en-US" altLang="zh-CN" dirty="0"/>
+              <a:t>determine</a:t>
+            </a:r>
+            <a:r>
+              <a:rPr kumimoji="1" lang="zh-CN" altLang="en-US" dirty="0"/>
+              <a:t> </a:t>
+            </a:r>
+            <a:r>
+              <a:rPr kumimoji="1" lang="en-US" altLang="zh-CN" dirty="0"/>
+              <a:t>the</a:t>
+            </a:r>
+            <a:r>
+              <a:rPr kumimoji="1" lang="zh-CN" altLang="en-US" dirty="0"/>
+              <a:t> </a:t>
+            </a:r>
+            <a:r>
+              <a:rPr kumimoji="1" lang="en-US" altLang="zh-CN" dirty="0"/>
+              <a:t>label</a:t>
+            </a:r>
+            <a:r>
+              <a:rPr kumimoji="1" lang="zh-CN" altLang="en-US" dirty="0"/>
+              <a:t> </a:t>
+            </a:r>
+            <a:r>
+              <a:rPr kumimoji="1" lang="en-US" altLang="zh-CN" dirty="0"/>
+              <a:t>based</a:t>
+            </a:r>
+            <a:r>
+              <a:rPr kumimoji="1" lang="zh-CN" altLang="en-US" dirty="0"/>
+              <a:t> </a:t>
+            </a:r>
+            <a:r>
+              <a:rPr kumimoji="1" lang="en-US" altLang="zh-CN" dirty="0"/>
+              <a:t>on</a:t>
+            </a:r>
+            <a:r>
+              <a:rPr kumimoji="1" lang="zh-CN" altLang="en-US" dirty="0"/>
+              <a:t> </a:t>
+            </a:r>
+            <a:r>
+              <a:rPr kumimoji="1" lang="en-US" altLang="zh-CN" dirty="0"/>
+              <a:t>the</a:t>
+            </a:r>
+            <a:r>
+              <a:rPr kumimoji="1" lang="zh-CN" altLang="en-US" dirty="0"/>
+              <a:t> </a:t>
+            </a:r>
+            <a:r>
+              <a:rPr kumimoji="1" lang="en-US" altLang="zh-CN" dirty="0"/>
+              <a:t>features.</a:t>
+            </a:r>
+          </a:p>
+          <a:p>
+            <a:pPr marL="228600" indent="-228600">
+              <a:buAutoNum type="arabicPeriod"/>
+            </a:pPr>
+            <a:r>
+              <a:rPr kumimoji="1" lang="en-US" altLang="zh-CN" dirty="0"/>
+              <a:t>Meanwhile,</a:t>
+            </a:r>
+            <a:r>
+              <a:rPr kumimoji="1" lang="zh-CN" altLang="en-US" dirty="0"/>
+              <a:t> </a:t>
+            </a:r>
+            <a:r>
+              <a:rPr kumimoji="1" lang="en-US" altLang="zh-CN" dirty="0"/>
+              <a:t>generative</a:t>
+            </a:r>
+            <a:r>
+              <a:rPr kumimoji="1" lang="zh-CN" altLang="en-US" dirty="0"/>
+              <a:t> </a:t>
+            </a:r>
+            <a:r>
+              <a:rPr kumimoji="1" lang="en-US" altLang="zh-CN" dirty="0"/>
+              <a:t>algorithm</a:t>
+            </a:r>
+            <a:r>
+              <a:rPr kumimoji="1" lang="zh-CN" altLang="en-US" dirty="0"/>
+              <a:t> </a:t>
+            </a:r>
+            <a:r>
+              <a:rPr kumimoji="1" lang="en-US" altLang="zh-CN" dirty="0"/>
+              <a:t>do</a:t>
+            </a:r>
+            <a:r>
+              <a:rPr kumimoji="1" lang="zh-CN" altLang="en-US" dirty="0"/>
+              <a:t> </a:t>
+            </a:r>
+            <a:r>
+              <a:rPr kumimoji="1" lang="en-US" altLang="zh-CN" dirty="0"/>
+              <a:t>the</a:t>
+            </a:r>
+            <a:r>
+              <a:rPr kumimoji="1" lang="zh-CN" altLang="en-US" dirty="0"/>
+              <a:t> </a:t>
+            </a:r>
+            <a:r>
+              <a:rPr kumimoji="1" lang="en-US" altLang="zh-CN" dirty="0"/>
+              <a:t>opposite</a:t>
+            </a:r>
+            <a:r>
+              <a:rPr kumimoji="1" lang="zh-CN" altLang="en-US" dirty="0"/>
+              <a:t> </a:t>
+            </a:r>
+            <a:r>
+              <a:rPr kumimoji="1" lang="en-US" altLang="zh-CN" dirty="0"/>
+              <a:t>job.</a:t>
+            </a:r>
+            <a:r>
+              <a:rPr kumimoji="1" lang="zh-CN" altLang="en-US" dirty="0"/>
+              <a:t> </a:t>
+            </a:r>
+            <a:r>
+              <a:rPr lang="en" altLang="zh-CN" sz="1200" b="0" i="0" kern="1200" dirty="0">
+                <a:solidFill>
+                  <a:schemeClr val="tx1"/>
+                </a:solidFill>
+                <a:effectLst/>
+                <a:latin typeface="+mn-lt"/>
+                <a:ea typeface="+mn-ea"/>
+                <a:cs typeface="+mn-cs"/>
+              </a:rPr>
+              <a:t>Instead of predicting a label given certain features, they attempt to predict features given a certain label</a:t>
+            </a:r>
+            <a:r>
+              <a:rPr lang="en-US" altLang="zh-CN" sz="1200" b="0" i="0" kern="1200" dirty="0">
+                <a:solidFill>
+                  <a:schemeClr val="tx1"/>
+                </a:solidFill>
+                <a:effectLst/>
+                <a:latin typeface="+mn-lt"/>
+                <a:ea typeface="+mn-ea"/>
+                <a:cs typeface="+mn-cs"/>
+              </a:rPr>
+              <a:t>.</a:t>
+            </a:r>
+          </a:p>
+          <a:p>
+            <a:pPr marL="228600" indent="-228600">
+              <a:buAutoNum type="arabicPeriod"/>
+            </a:pPr>
+            <a:r>
+              <a:rPr lang="en-US" altLang="zh-CN" sz="1200" b="0" i="0" kern="1200" dirty="0">
+                <a:solidFill>
+                  <a:schemeClr val="tx1"/>
+                </a:solidFill>
+                <a:effectLst/>
+                <a:latin typeface="+mn-lt"/>
+                <a:ea typeface="+mn-ea"/>
+                <a:cs typeface="+mn-cs"/>
+              </a:rPr>
+              <a:t>Both</a:t>
+            </a:r>
+            <a:r>
+              <a:rPr lang="zh-CN" altLang="en-US" sz="1200" b="0" i="0" kern="1200" dirty="0">
+                <a:solidFill>
+                  <a:schemeClr val="tx1"/>
+                </a:solidFill>
+                <a:effectLst/>
+                <a:latin typeface="+mn-lt"/>
+                <a:ea typeface="+mn-ea"/>
+                <a:cs typeface="+mn-cs"/>
+              </a:rPr>
+              <a:t> </a:t>
+            </a:r>
+            <a:r>
+              <a:rPr lang="en-US" altLang="zh-CN" sz="1200" b="0" i="0" kern="1200" dirty="0">
+                <a:solidFill>
+                  <a:schemeClr val="tx1"/>
+                </a:solidFill>
+                <a:effectLst/>
+                <a:latin typeface="+mn-lt"/>
+                <a:ea typeface="+mn-ea"/>
+                <a:cs typeface="+mn-cs"/>
+              </a:rPr>
+              <a:t>generative</a:t>
+            </a:r>
+            <a:r>
+              <a:rPr lang="zh-CN" altLang="en-US" sz="1200" b="0" i="0" kern="1200" dirty="0">
+                <a:solidFill>
+                  <a:schemeClr val="tx1"/>
+                </a:solidFill>
+                <a:effectLst/>
+                <a:latin typeface="+mn-lt"/>
+                <a:ea typeface="+mn-ea"/>
+                <a:cs typeface="+mn-cs"/>
+              </a:rPr>
+              <a:t> </a:t>
+            </a:r>
+            <a:r>
+              <a:rPr lang="en-US" altLang="zh-CN" sz="1200" b="0" i="0" kern="1200" dirty="0">
+                <a:solidFill>
+                  <a:schemeClr val="tx1"/>
+                </a:solidFill>
+                <a:effectLst/>
+                <a:latin typeface="+mn-lt"/>
+                <a:ea typeface="+mn-ea"/>
+                <a:cs typeface="+mn-cs"/>
+              </a:rPr>
+              <a:t>and</a:t>
+            </a:r>
+            <a:r>
+              <a:rPr lang="zh-CN" altLang="en-US" sz="1200" b="0" i="0" kern="1200" dirty="0">
+                <a:solidFill>
+                  <a:schemeClr val="tx1"/>
+                </a:solidFill>
+                <a:effectLst/>
+                <a:latin typeface="+mn-lt"/>
+                <a:ea typeface="+mn-ea"/>
+                <a:cs typeface="+mn-cs"/>
+              </a:rPr>
+              <a:t> </a:t>
+            </a:r>
+            <a:r>
+              <a:rPr lang="en-US" altLang="zh-CN" sz="1200" b="0" i="0" kern="1200" dirty="0">
+                <a:solidFill>
+                  <a:schemeClr val="tx1"/>
+                </a:solidFill>
+                <a:effectLst/>
+                <a:latin typeface="+mn-lt"/>
+                <a:ea typeface="+mn-ea"/>
+                <a:cs typeface="+mn-cs"/>
+              </a:rPr>
+              <a:t>discriminative</a:t>
+            </a:r>
+            <a:r>
+              <a:rPr lang="zh-CN" altLang="en-US" sz="1200" b="0" i="0" kern="1200" dirty="0">
+                <a:solidFill>
+                  <a:schemeClr val="tx1"/>
+                </a:solidFill>
+                <a:effectLst/>
+                <a:latin typeface="+mn-lt"/>
+                <a:ea typeface="+mn-ea"/>
+                <a:cs typeface="+mn-cs"/>
+              </a:rPr>
+              <a:t> </a:t>
+            </a:r>
+            <a:r>
+              <a:rPr lang="en-US" altLang="zh-CN" sz="1200" b="0" i="0" kern="1200" dirty="0">
+                <a:solidFill>
+                  <a:schemeClr val="tx1"/>
+                </a:solidFill>
+                <a:effectLst/>
+                <a:latin typeface="+mn-lt"/>
+                <a:ea typeface="+mn-ea"/>
+                <a:cs typeface="+mn-cs"/>
+              </a:rPr>
+              <a:t>networks</a:t>
+            </a:r>
+            <a:r>
+              <a:rPr lang="zh-CN" altLang="en-US" sz="1200" b="0" i="0" kern="1200" dirty="0">
+                <a:solidFill>
+                  <a:schemeClr val="tx1"/>
+                </a:solidFill>
+                <a:effectLst/>
+                <a:latin typeface="+mn-lt"/>
+                <a:ea typeface="+mn-ea"/>
+                <a:cs typeface="+mn-cs"/>
+              </a:rPr>
+              <a:t> </a:t>
+            </a:r>
+            <a:r>
+              <a:rPr lang="en-US" altLang="zh-CN" sz="1200" b="0" i="0" kern="1200" dirty="0">
+                <a:solidFill>
+                  <a:schemeClr val="tx1"/>
+                </a:solidFill>
+                <a:effectLst/>
+                <a:latin typeface="+mn-lt"/>
+                <a:ea typeface="+mn-ea"/>
+                <a:cs typeface="+mn-cs"/>
+              </a:rPr>
+              <a:t>have</a:t>
+            </a:r>
+            <a:r>
+              <a:rPr lang="zh-CN" altLang="en-US" sz="1200" b="0" i="0" kern="1200" dirty="0">
+                <a:solidFill>
+                  <a:schemeClr val="tx1"/>
+                </a:solidFill>
+                <a:effectLst/>
+                <a:latin typeface="+mn-lt"/>
+                <a:ea typeface="+mn-ea"/>
+                <a:cs typeface="+mn-cs"/>
+              </a:rPr>
+              <a:t> </a:t>
+            </a:r>
+            <a:r>
+              <a:rPr lang="en-US" altLang="zh-CN" sz="1200" b="0" i="0" kern="1200" dirty="0">
+                <a:solidFill>
+                  <a:schemeClr val="tx1"/>
+                </a:solidFill>
+                <a:effectLst/>
+                <a:latin typeface="+mn-lt"/>
+                <a:ea typeface="+mn-ea"/>
+                <a:cs typeface="+mn-cs"/>
+              </a:rPr>
+              <a:t>their</a:t>
+            </a:r>
+            <a:r>
+              <a:rPr lang="zh-CN" altLang="en-US" sz="1200" b="0" i="0" kern="1200" dirty="0">
+                <a:solidFill>
+                  <a:schemeClr val="tx1"/>
+                </a:solidFill>
+                <a:effectLst/>
+                <a:latin typeface="+mn-lt"/>
+                <a:ea typeface="+mn-ea"/>
+                <a:cs typeface="+mn-cs"/>
+              </a:rPr>
+              <a:t> </a:t>
+            </a:r>
+            <a:r>
+              <a:rPr lang="en-US" altLang="zh-CN" sz="1200" b="0" i="0" kern="1200" dirty="0">
+                <a:solidFill>
+                  <a:schemeClr val="tx1"/>
+                </a:solidFill>
+                <a:effectLst/>
+                <a:latin typeface="+mn-lt"/>
+                <a:ea typeface="+mn-ea"/>
+                <a:cs typeface="+mn-cs"/>
+              </a:rPr>
+              <a:t>own</a:t>
+            </a:r>
+            <a:r>
+              <a:rPr lang="zh-CN" altLang="en-US" sz="1200" b="0" i="0" kern="1200" dirty="0">
+                <a:solidFill>
+                  <a:schemeClr val="tx1"/>
+                </a:solidFill>
+                <a:effectLst/>
+                <a:latin typeface="+mn-lt"/>
+                <a:ea typeface="+mn-ea"/>
+                <a:cs typeface="+mn-cs"/>
+              </a:rPr>
+              <a:t> </a:t>
+            </a:r>
+            <a:r>
+              <a:rPr lang="en-US" altLang="zh-CN" sz="1200" b="0" i="0" kern="1200" dirty="0">
+                <a:solidFill>
+                  <a:schemeClr val="tx1"/>
+                </a:solidFill>
+                <a:effectLst/>
+                <a:latin typeface="+mn-lt"/>
+                <a:ea typeface="+mn-ea"/>
+                <a:cs typeface="+mn-cs"/>
+              </a:rPr>
+              <a:t>advantages</a:t>
+            </a:r>
+            <a:r>
+              <a:rPr lang="zh-CN" altLang="en-US" sz="1200" b="0" i="0" kern="1200" dirty="0">
+                <a:solidFill>
+                  <a:schemeClr val="tx1"/>
+                </a:solidFill>
+                <a:effectLst/>
+                <a:latin typeface="+mn-lt"/>
+                <a:ea typeface="+mn-ea"/>
+                <a:cs typeface="+mn-cs"/>
+              </a:rPr>
+              <a:t> </a:t>
+            </a:r>
+            <a:r>
+              <a:rPr lang="en-US" altLang="zh-CN" sz="1200" b="0" i="0" kern="1200" dirty="0">
+                <a:solidFill>
+                  <a:schemeClr val="tx1"/>
+                </a:solidFill>
+                <a:effectLst/>
+                <a:latin typeface="+mn-lt"/>
+                <a:ea typeface="+mn-ea"/>
+                <a:cs typeface="+mn-cs"/>
+              </a:rPr>
+              <a:t>and</a:t>
+            </a:r>
+            <a:r>
+              <a:rPr lang="zh-CN" altLang="en-US" sz="1200" b="0" i="0" kern="1200" dirty="0">
+                <a:solidFill>
+                  <a:schemeClr val="tx1"/>
+                </a:solidFill>
+                <a:effectLst/>
+                <a:latin typeface="+mn-lt"/>
+                <a:ea typeface="+mn-ea"/>
+                <a:cs typeface="+mn-cs"/>
+              </a:rPr>
+              <a:t> </a:t>
+            </a:r>
+            <a:r>
+              <a:rPr lang="en-US" altLang="zh-CN" sz="1200" b="0" i="0" kern="1200" dirty="0">
+                <a:solidFill>
+                  <a:schemeClr val="tx1"/>
+                </a:solidFill>
+                <a:effectLst/>
+                <a:latin typeface="+mn-lt"/>
+                <a:ea typeface="+mn-ea"/>
+                <a:cs typeface="+mn-cs"/>
+              </a:rPr>
+              <a:t>disadvantages.</a:t>
+            </a:r>
+            <a:r>
+              <a:rPr lang="zh-CN" altLang="en-US" sz="1200" b="0" i="0" kern="1200" dirty="0">
+                <a:solidFill>
+                  <a:schemeClr val="tx1"/>
+                </a:solidFill>
+                <a:effectLst/>
+                <a:latin typeface="+mn-lt"/>
+                <a:ea typeface="+mn-ea"/>
+                <a:cs typeface="+mn-cs"/>
+              </a:rPr>
+              <a:t> </a:t>
+            </a:r>
+            <a:r>
+              <a:rPr lang="en-US" altLang="zh-CN" sz="1200" b="0" i="0" kern="1200" dirty="0">
+                <a:solidFill>
+                  <a:schemeClr val="tx1"/>
+                </a:solidFill>
+                <a:effectLst/>
+                <a:latin typeface="+mn-lt"/>
+                <a:ea typeface="+mn-ea"/>
+                <a:cs typeface="+mn-cs"/>
+              </a:rPr>
+              <a:t>However,</a:t>
+            </a:r>
+            <a:r>
+              <a:rPr lang="zh-CN" altLang="en-US" sz="1200" b="0" i="0" kern="1200" dirty="0">
+                <a:solidFill>
+                  <a:schemeClr val="tx1"/>
+                </a:solidFill>
+                <a:effectLst/>
+                <a:latin typeface="+mn-lt"/>
+                <a:ea typeface="+mn-ea"/>
+                <a:cs typeface="+mn-cs"/>
+              </a:rPr>
+              <a:t> </a:t>
+            </a:r>
+            <a:r>
+              <a:rPr lang="en-US" altLang="zh-CN" sz="1200" b="0" i="0" kern="1200" dirty="0">
+                <a:solidFill>
+                  <a:schemeClr val="tx1"/>
+                </a:solidFill>
+                <a:effectLst/>
+                <a:latin typeface="+mn-lt"/>
+                <a:ea typeface="+mn-ea"/>
+                <a:cs typeface="+mn-cs"/>
+              </a:rPr>
+              <a:t>combine</a:t>
+            </a:r>
+            <a:r>
+              <a:rPr lang="zh-CN" altLang="en-US" sz="1200" b="0" i="0" kern="1200" dirty="0">
+                <a:solidFill>
+                  <a:schemeClr val="tx1"/>
+                </a:solidFill>
+                <a:effectLst/>
+                <a:latin typeface="+mn-lt"/>
+                <a:ea typeface="+mn-ea"/>
+                <a:cs typeface="+mn-cs"/>
+              </a:rPr>
+              <a:t> </a:t>
+            </a:r>
+            <a:r>
+              <a:rPr lang="en-US" altLang="zh-CN" sz="1200" b="0" i="0" kern="1200" dirty="0">
+                <a:solidFill>
+                  <a:schemeClr val="tx1"/>
+                </a:solidFill>
+                <a:effectLst/>
+                <a:latin typeface="+mn-lt"/>
+                <a:ea typeface="+mn-ea"/>
+                <a:cs typeface="+mn-cs"/>
+              </a:rPr>
+              <a:t>those</a:t>
+            </a:r>
+            <a:r>
+              <a:rPr lang="zh-CN" altLang="en-US" sz="1200" b="0" i="0" kern="1200" dirty="0">
+                <a:solidFill>
+                  <a:schemeClr val="tx1"/>
+                </a:solidFill>
+                <a:effectLst/>
+                <a:latin typeface="+mn-lt"/>
+                <a:ea typeface="+mn-ea"/>
+                <a:cs typeface="+mn-cs"/>
+              </a:rPr>
+              <a:t> </a:t>
+            </a:r>
+            <a:r>
+              <a:rPr lang="en-US" altLang="zh-CN" sz="1200" b="0" i="0" kern="1200" dirty="0">
+                <a:solidFill>
+                  <a:schemeClr val="tx1"/>
+                </a:solidFill>
+                <a:effectLst/>
+                <a:latin typeface="+mn-lt"/>
+                <a:ea typeface="+mn-ea"/>
+                <a:cs typeface="+mn-cs"/>
+              </a:rPr>
+              <a:t>two</a:t>
+            </a:r>
+            <a:r>
+              <a:rPr lang="zh-CN" altLang="en-US" sz="1200" b="0" i="0" kern="1200" dirty="0">
+                <a:solidFill>
+                  <a:schemeClr val="tx1"/>
+                </a:solidFill>
+                <a:effectLst/>
+                <a:latin typeface="+mn-lt"/>
+                <a:ea typeface="+mn-ea"/>
+                <a:cs typeface="+mn-cs"/>
+              </a:rPr>
+              <a:t> </a:t>
+            </a:r>
+            <a:r>
+              <a:rPr lang="en-US" altLang="zh-CN" sz="1200" b="0" i="0" kern="1200" dirty="0">
+                <a:solidFill>
+                  <a:schemeClr val="tx1"/>
+                </a:solidFill>
+                <a:effectLst/>
+                <a:latin typeface="+mn-lt"/>
+                <a:ea typeface="+mn-ea"/>
+                <a:cs typeface="+mn-cs"/>
+              </a:rPr>
+              <a:t>kind</a:t>
+            </a:r>
+            <a:r>
+              <a:rPr lang="zh-CN" altLang="en-US" sz="1200" b="0" i="0" kern="1200" dirty="0">
+                <a:solidFill>
+                  <a:schemeClr val="tx1"/>
+                </a:solidFill>
+                <a:effectLst/>
+                <a:latin typeface="+mn-lt"/>
+                <a:ea typeface="+mn-ea"/>
+                <a:cs typeface="+mn-cs"/>
+              </a:rPr>
+              <a:t> </a:t>
+            </a:r>
+            <a:r>
+              <a:rPr lang="en-US" altLang="zh-CN" sz="1200" b="0" i="0" kern="1200" dirty="0">
+                <a:solidFill>
+                  <a:schemeClr val="tx1"/>
+                </a:solidFill>
+                <a:effectLst/>
+                <a:latin typeface="+mn-lt"/>
+                <a:ea typeface="+mn-ea"/>
+                <a:cs typeface="+mn-cs"/>
+              </a:rPr>
+              <a:t>of</a:t>
+            </a:r>
+            <a:r>
+              <a:rPr lang="zh-CN" altLang="en-US" sz="1200" b="0" i="0" kern="1200" dirty="0">
+                <a:solidFill>
+                  <a:schemeClr val="tx1"/>
+                </a:solidFill>
+                <a:effectLst/>
+                <a:latin typeface="+mn-lt"/>
+                <a:ea typeface="+mn-ea"/>
+                <a:cs typeface="+mn-cs"/>
+              </a:rPr>
+              <a:t> </a:t>
+            </a:r>
+            <a:r>
+              <a:rPr lang="en-US" altLang="zh-CN" sz="1200" b="0" i="0" kern="1200" dirty="0">
+                <a:solidFill>
+                  <a:schemeClr val="tx1"/>
+                </a:solidFill>
+                <a:effectLst/>
+                <a:latin typeface="+mn-lt"/>
+                <a:ea typeface="+mn-ea"/>
+                <a:cs typeface="+mn-cs"/>
+              </a:rPr>
+              <a:t>neural</a:t>
+            </a:r>
+            <a:r>
+              <a:rPr lang="zh-CN" altLang="en-US" sz="1200" b="0" i="0" kern="1200" dirty="0">
+                <a:solidFill>
+                  <a:schemeClr val="tx1"/>
+                </a:solidFill>
+                <a:effectLst/>
+                <a:latin typeface="+mn-lt"/>
+                <a:ea typeface="+mn-ea"/>
+                <a:cs typeface="+mn-cs"/>
+              </a:rPr>
+              <a:t> </a:t>
+            </a:r>
+            <a:r>
+              <a:rPr lang="en-US" altLang="zh-CN" sz="1200" b="0" i="0" kern="1200" dirty="0">
+                <a:solidFill>
+                  <a:schemeClr val="tx1"/>
+                </a:solidFill>
+                <a:effectLst/>
+                <a:latin typeface="+mn-lt"/>
+                <a:ea typeface="+mn-ea"/>
+                <a:cs typeface="+mn-cs"/>
+              </a:rPr>
+              <a:t>networks</a:t>
+            </a:r>
+            <a:r>
+              <a:rPr lang="zh-CN" altLang="en-US" sz="1200" b="0" i="0" kern="1200" dirty="0">
+                <a:solidFill>
+                  <a:schemeClr val="tx1"/>
+                </a:solidFill>
+                <a:effectLst/>
+                <a:latin typeface="+mn-lt"/>
+                <a:ea typeface="+mn-ea"/>
+                <a:cs typeface="+mn-cs"/>
+              </a:rPr>
+              <a:t> </a:t>
+            </a:r>
+            <a:r>
+              <a:rPr lang="en-US" altLang="zh-CN" sz="1200" b="0" i="0" kern="1200" dirty="0">
+                <a:solidFill>
+                  <a:schemeClr val="tx1"/>
+                </a:solidFill>
+                <a:effectLst/>
+                <a:latin typeface="+mn-lt"/>
+                <a:ea typeface="+mn-ea"/>
+                <a:cs typeface="+mn-cs"/>
+              </a:rPr>
+              <a:t>together,</a:t>
+            </a:r>
+            <a:r>
+              <a:rPr lang="zh-CN" altLang="en-US" sz="1200" b="0" i="0" kern="1200" dirty="0">
+                <a:solidFill>
+                  <a:schemeClr val="tx1"/>
+                </a:solidFill>
+                <a:effectLst/>
+                <a:latin typeface="+mn-lt"/>
+                <a:ea typeface="+mn-ea"/>
+                <a:cs typeface="+mn-cs"/>
+              </a:rPr>
+              <a:t> </a:t>
+            </a:r>
+            <a:r>
+              <a:rPr lang="en-US" altLang="zh-CN" sz="1200" b="0" i="0" kern="1200" dirty="0">
+                <a:solidFill>
+                  <a:schemeClr val="tx1"/>
+                </a:solidFill>
+                <a:effectLst/>
+                <a:latin typeface="+mn-lt"/>
+                <a:ea typeface="+mn-ea"/>
+                <a:cs typeface="+mn-cs"/>
+              </a:rPr>
+              <a:t>we</a:t>
+            </a:r>
+            <a:r>
+              <a:rPr lang="zh-CN" altLang="en-US" sz="1200" b="0" i="0" kern="1200" dirty="0">
+                <a:solidFill>
+                  <a:schemeClr val="tx1"/>
+                </a:solidFill>
+                <a:effectLst/>
+                <a:latin typeface="+mn-lt"/>
+                <a:ea typeface="+mn-ea"/>
+                <a:cs typeface="+mn-cs"/>
+              </a:rPr>
+              <a:t> </a:t>
+            </a:r>
+            <a:r>
+              <a:rPr lang="en-US" altLang="zh-CN" sz="1200" b="0" i="0" kern="1200" dirty="0">
+                <a:solidFill>
+                  <a:schemeClr val="tx1"/>
+                </a:solidFill>
+                <a:effectLst/>
+                <a:latin typeface="+mn-lt"/>
+                <a:ea typeface="+mn-ea"/>
+                <a:cs typeface="+mn-cs"/>
+              </a:rPr>
+              <a:t>get</a:t>
+            </a:r>
+            <a:r>
+              <a:rPr lang="zh-CN" altLang="en-US" sz="1200" b="0" i="0" kern="1200" dirty="0">
+                <a:solidFill>
+                  <a:schemeClr val="tx1"/>
+                </a:solidFill>
+                <a:effectLst/>
+                <a:latin typeface="+mn-lt"/>
+                <a:ea typeface="+mn-ea"/>
+                <a:cs typeface="+mn-cs"/>
+              </a:rPr>
+              <a:t> </a:t>
+            </a:r>
+            <a:r>
+              <a:rPr lang="en-US" altLang="zh-CN" sz="1200" b="0" i="0" kern="1200" dirty="0">
+                <a:solidFill>
+                  <a:schemeClr val="tx1"/>
+                </a:solidFill>
+                <a:effectLst/>
+                <a:latin typeface="+mn-lt"/>
+                <a:ea typeface="+mn-ea"/>
+                <a:cs typeface="+mn-cs"/>
+              </a:rPr>
+              <a:t>the</a:t>
+            </a:r>
+            <a:r>
+              <a:rPr lang="zh-CN" altLang="en-US" sz="1200" b="0" i="0" kern="1200" dirty="0">
+                <a:solidFill>
+                  <a:schemeClr val="tx1"/>
+                </a:solidFill>
+                <a:effectLst/>
+                <a:latin typeface="+mn-lt"/>
+                <a:ea typeface="+mn-ea"/>
+                <a:cs typeface="+mn-cs"/>
+              </a:rPr>
+              <a:t> </a:t>
+            </a:r>
+            <a:r>
+              <a:rPr lang="en-US" altLang="zh-CN" sz="1200" b="0" i="0" kern="1200" dirty="0">
+                <a:solidFill>
+                  <a:schemeClr val="tx1"/>
+                </a:solidFill>
+                <a:effectLst/>
+                <a:latin typeface="+mn-lt"/>
+                <a:ea typeface="+mn-ea"/>
+                <a:cs typeface="+mn-cs"/>
+              </a:rPr>
+              <a:t>powerful</a:t>
+            </a:r>
+            <a:r>
+              <a:rPr lang="zh-CN" altLang="en-US" sz="1200" b="0" i="0" kern="1200" dirty="0">
+                <a:solidFill>
+                  <a:schemeClr val="tx1"/>
+                </a:solidFill>
+                <a:effectLst/>
+                <a:latin typeface="+mn-lt"/>
+                <a:ea typeface="+mn-ea"/>
+                <a:cs typeface="+mn-cs"/>
+              </a:rPr>
+              <a:t> </a:t>
+            </a:r>
+            <a:r>
+              <a:rPr lang="en-US" altLang="zh-CN" sz="1200" b="0" i="0" kern="1200" dirty="0">
+                <a:solidFill>
+                  <a:schemeClr val="tx1"/>
+                </a:solidFill>
+                <a:effectLst/>
+                <a:latin typeface="+mn-lt"/>
+                <a:ea typeface="+mn-ea"/>
+                <a:cs typeface="+mn-cs"/>
+              </a:rPr>
+              <a:t>GAN.</a:t>
+            </a:r>
+          </a:p>
+          <a:p>
+            <a:pPr marL="228600" indent="-228600">
+              <a:buAutoNum type="arabicPeriod"/>
+            </a:pPr>
+            <a:endParaRPr kumimoji="1" lang="zh-CN" altLang="en-US" dirty="0"/>
+          </a:p>
+        </p:txBody>
+      </p:sp>
+      <p:sp>
+        <p:nvSpPr>
+          <p:cNvPr id="4" name="灯片编号占位符 3"/>
+          <p:cNvSpPr>
+            <a:spLocks noGrp="1"/>
+          </p:cNvSpPr>
+          <p:nvPr>
+            <p:ph type="sldNum" sz="quarter" idx="5"/>
+          </p:nvPr>
+        </p:nvSpPr>
+        <p:spPr/>
+        <p:txBody>
+          <a:bodyPr/>
+          <a:lstStyle/>
+          <a:p>
+            <a:fld id="{3E56D357-0E91-6B43-A9C4-2C7CC8128A67}" type="slidenum">
+              <a:rPr kumimoji="1" lang="zh-CN" altLang="en-US" smtClean="0"/>
+              <a:t>10</a:t>
             </a:fld>
             <a:endParaRPr kumimoji="1" lang="zh-CN" altLang="en-US"/>
           </a:p>
@@ -4958,7 +5630,7 @@
           <a:p>
             <a:fld id="{37D0F304-B02E-3B49-BC65-BB16CB58C04B}" type="datetimeFigureOut">
               <a:rPr kumimoji="1" lang="zh-CN" altLang="en-US" smtClean="0"/>
-              <a:t>2019/4/5</a:t>
+              <a:t>2019/4/6</a:t>
             </a:fld>
             <a:endParaRPr kumimoji="1" lang="zh-CN" altLang="en-US"/>
           </a:p>
@@ -5131,7 +5803,7 @@
           <a:p>
             <a:fld id="{37D0F304-B02E-3B49-BC65-BB16CB58C04B}" type="datetimeFigureOut">
               <a:rPr kumimoji="1" lang="zh-CN" altLang="en-US" smtClean="0"/>
-              <a:t>2019/4/5</a:t>
+              <a:t>2019/4/6</a:t>
             </a:fld>
             <a:endParaRPr kumimoji="1" lang="zh-CN" altLang="en-US"/>
           </a:p>
@@ -5314,7 +5986,7 @@
           <a:p>
             <a:fld id="{37D0F304-B02E-3B49-BC65-BB16CB58C04B}" type="datetimeFigureOut">
               <a:rPr kumimoji="1" lang="zh-CN" altLang="en-US" smtClean="0"/>
-              <a:t>2019/4/5</a:t>
+              <a:t>2019/4/6</a:t>
             </a:fld>
             <a:endParaRPr kumimoji="1" lang="zh-CN" altLang="en-US"/>
           </a:p>
@@ -5487,7 +6159,7 @@
           <a:p>
             <a:fld id="{37D0F304-B02E-3B49-BC65-BB16CB58C04B}" type="datetimeFigureOut">
               <a:rPr kumimoji="1" lang="zh-CN" altLang="en-US" smtClean="0"/>
-              <a:t>2019/4/5</a:t>
+              <a:t>2019/4/6</a:t>
             </a:fld>
             <a:endParaRPr kumimoji="1" lang="zh-CN" altLang="en-US"/>
           </a:p>
@@ -5765,7 +6437,7 @@
           <a:p>
             <a:fld id="{37D0F304-B02E-3B49-BC65-BB16CB58C04B}" type="datetimeFigureOut">
               <a:rPr kumimoji="1" lang="zh-CN" altLang="en-US" smtClean="0"/>
-              <a:t>2019/4/5</a:t>
+              <a:t>2019/4/6</a:t>
             </a:fld>
             <a:endParaRPr kumimoji="1" lang="zh-CN" altLang="en-US"/>
           </a:p>
@@ -5980,7 +6652,7 @@
           <a:p>
             <a:fld id="{37D0F304-B02E-3B49-BC65-BB16CB58C04B}" type="datetimeFigureOut">
               <a:rPr kumimoji="1" lang="zh-CN" altLang="en-US" smtClean="0"/>
-              <a:t>2019/4/5</a:t>
+              <a:t>2019/4/6</a:t>
             </a:fld>
             <a:endParaRPr kumimoji="1" lang="zh-CN" altLang="en-US"/>
           </a:p>
@@ -6348,7 +7020,7 @@
           <a:p>
             <a:fld id="{37D0F304-B02E-3B49-BC65-BB16CB58C04B}" type="datetimeFigureOut">
               <a:rPr kumimoji="1" lang="zh-CN" altLang="en-US" smtClean="0"/>
-              <a:t>2019/4/5</a:t>
+              <a:t>2019/4/6</a:t>
             </a:fld>
             <a:endParaRPr kumimoji="1" lang="zh-CN" altLang="en-US"/>
           </a:p>
@@ -6489,7 +7161,7 @@
           <a:p>
             <a:fld id="{37D0F304-B02E-3B49-BC65-BB16CB58C04B}" type="datetimeFigureOut">
               <a:rPr kumimoji="1" lang="zh-CN" altLang="en-US" smtClean="0"/>
-              <a:t>2019/4/5</a:t>
+              <a:t>2019/4/6</a:t>
             </a:fld>
             <a:endParaRPr kumimoji="1" lang="zh-CN" altLang="en-US"/>
           </a:p>
@@ -6602,7 +7274,7 @@
           <a:p>
             <a:fld id="{37D0F304-B02E-3B49-BC65-BB16CB58C04B}" type="datetimeFigureOut">
               <a:rPr kumimoji="1" lang="zh-CN" altLang="en-US" smtClean="0"/>
-              <a:t>2019/4/5</a:t>
+              <a:t>2019/4/6</a:t>
             </a:fld>
             <a:endParaRPr kumimoji="1" lang="zh-CN" altLang="en-US"/>
           </a:p>
@@ -6891,7 +7563,7 @@
           <a:p>
             <a:fld id="{37D0F304-B02E-3B49-BC65-BB16CB58C04B}" type="datetimeFigureOut">
               <a:rPr kumimoji="1" lang="zh-CN" altLang="en-US" smtClean="0"/>
-              <a:t>2019/4/5</a:t>
+              <a:t>2019/4/6</a:t>
             </a:fld>
             <a:endParaRPr kumimoji="1" lang="zh-CN" altLang="en-US"/>
           </a:p>
@@ -7182,7 +7854,7 @@
           <a:p>
             <a:fld id="{37D0F304-B02E-3B49-BC65-BB16CB58C04B}" type="datetimeFigureOut">
               <a:rPr kumimoji="1" lang="zh-CN" altLang="en-US" smtClean="0"/>
-              <a:t>2019/4/5</a:t>
+              <a:t>2019/4/6</a:t>
             </a:fld>
             <a:endParaRPr kumimoji="1" lang="zh-CN" altLang="en-US"/>
           </a:p>
@@ -7398,7 +8070,7 @@
           <a:p>
             <a:fld id="{37D0F304-B02E-3B49-BC65-BB16CB58C04B}" type="datetimeFigureOut">
               <a:rPr kumimoji="1" lang="zh-CN" altLang="en-US" smtClean="0"/>
-              <a:t>2019/4/5</a:t>
+              <a:t>2019/4/6</a:t>
             </a:fld>
             <a:endParaRPr kumimoji="1" lang="zh-CN" altLang="en-US"/>
           </a:p>
@@ -8745,6 +9417,1037 @@
     <p:extLst>
       <p:ext uri="{BB962C8B-B14F-4D97-AF65-F5344CB8AC3E}">
         <p14:creationId xmlns:p14="http://schemas.microsoft.com/office/powerpoint/2010/main" val="4278583406"/>
+      </p:ext>
+    </p:extLst>
+  </p:cSld>
+  <p:clrMapOvr>
+    <a:masterClrMapping/>
+  </p:clrMapOvr>
+</p:sld>
+</file>
+
+<file path=ppt/slides/slide10.xml><?xml version="1.0" encoding="utf-8"?>
+<p:sld xmlns:a="http://schemas.openxmlformats.org/drawingml/2006/main" xmlns:r="http://schemas.openxmlformats.org/officeDocument/2006/relationships" xmlns:p="http://schemas.openxmlformats.org/presentationml/2006/main">
+  <p:cSld>
+    <p:spTree>
+      <p:nvGrpSpPr>
+        <p:cNvPr id="1" name=""/>
+        <p:cNvGrpSpPr/>
+        <p:nvPr/>
+      </p:nvGrpSpPr>
+      <p:grpSpPr>
+        <a:xfrm>
+          <a:off x="0" y="0"/>
+          <a:ext cx="0" cy="0"/>
+          <a:chOff x="0" y="0"/>
+          <a:chExt cx="0" cy="0"/>
+        </a:xfrm>
+      </p:grpSpPr>
+      <p:sp>
+        <p:nvSpPr>
+          <p:cNvPr id="4" name="文本框 3">
+            <a:extLst>
+              <a:ext uri="{FF2B5EF4-FFF2-40B4-BE49-F238E27FC236}">
+                <a16:creationId xmlns:a16="http://schemas.microsoft.com/office/drawing/2014/main" id="{FCEC28D6-40B9-8B42-AEDB-0AC948013D21}"/>
+              </a:ext>
+            </a:extLst>
+          </p:cNvPr>
+          <p:cNvSpPr txBox="1"/>
+          <p:nvPr/>
+        </p:nvSpPr>
+        <p:spPr>
+          <a:xfrm>
+            <a:off x="0" y="0"/>
+            <a:ext cx="7537931" cy="584775"/>
+          </a:xfrm>
+          <a:prstGeom prst="rect">
+            <a:avLst/>
+          </a:prstGeom>
+          <a:noFill/>
+        </p:spPr>
+        <p:txBody>
+          <a:bodyPr wrap="square" rtlCol="0">
+            <a:spAutoFit/>
+          </a:bodyPr>
+          <a:lstStyle/>
+          <a:p>
+            <a:pPr marL="285750" indent="-285750">
+              <a:buFont typeface="Wingdings" pitchFamily="2" charset="2"/>
+              <a:buChar char="u"/>
+            </a:pPr>
+            <a:r>
+              <a:rPr kumimoji="1" lang="en-US" altLang="zh-CN" sz="3200" b="1" dirty="0"/>
+              <a:t>Generative</a:t>
+            </a:r>
+            <a:r>
+              <a:rPr kumimoji="1" lang="zh-CN" altLang="en-US" sz="3200" b="1" dirty="0"/>
+              <a:t> </a:t>
+            </a:r>
+            <a:r>
+              <a:rPr kumimoji="1" lang="en-US" altLang="zh-CN" sz="3200" b="1" dirty="0"/>
+              <a:t>vs</a:t>
+            </a:r>
+            <a:r>
+              <a:rPr kumimoji="1" lang="zh-CN" altLang="en-US" sz="3200" b="1" dirty="0"/>
+              <a:t> </a:t>
+            </a:r>
+            <a:r>
+              <a:rPr kumimoji="1" lang="en-US" altLang="zh-CN" sz="3200" b="1" dirty="0"/>
+              <a:t>Discriminative</a:t>
+            </a:r>
+            <a:endParaRPr kumimoji="1" lang="zh-CN" altLang="en-US" sz="3200" dirty="0"/>
+          </a:p>
+        </p:txBody>
+      </p:sp>
+      <p:sp>
+        <p:nvSpPr>
+          <p:cNvPr id="5" name="文本框 4">
+            <a:extLst>
+              <a:ext uri="{FF2B5EF4-FFF2-40B4-BE49-F238E27FC236}">
+                <a16:creationId xmlns:a16="http://schemas.microsoft.com/office/drawing/2014/main" id="{FE4A3F67-B414-4040-BDAC-A1669C97A4C8}"/>
+              </a:ext>
+            </a:extLst>
+          </p:cNvPr>
+          <p:cNvSpPr txBox="1"/>
+          <p:nvPr/>
+        </p:nvSpPr>
+        <p:spPr>
+          <a:xfrm>
+            <a:off x="795964" y="877032"/>
+            <a:ext cx="9372600" cy="3477875"/>
+          </a:xfrm>
+          <a:prstGeom prst="rect">
+            <a:avLst/>
+          </a:prstGeom>
+          <a:noFill/>
+        </p:spPr>
+        <p:txBody>
+          <a:bodyPr wrap="square" rtlCol="0">
+            <a:spAutoFit/>
+          </a:bodyPr>
+          <a:lstStyle/>
+          <a:p>
+            <a:r>
+              <a:rPr kumimoji="1" lang="en-US" altLang="zh-CN" sz="2000" b="1" dirty="0"/>
+              <a:t>Discriminative:</a:t>
+            </a:r>
+            <a:r>
+              <a:rPr kumimoji="1" lang="zh-CN" altLang="en-US" sz="2000" b="1" dirty="0"/>
+              <a:t> </a:t>
+            </a:r>
+            <a:endParaRPr kumimoji="1" lang="en-US" altLang="zh-CN" sz="2000" b="1" dirty="0"/>
+          </a:p>
+          <a:p>
+            <a:pPr marL="285750" indent="-285750">
+              <a:buFont typeface="Wingdings" pitchFamily="2" charset="2"/>
+              <a:buChar char="l"/>
+            </a:pPr>
+            <a:r>
+              <a:rPr kumimoji="1" lang="en-US" altLang="zh-CN" sz="2000" b="1" dirty="0"/>
+              <a:t>Give</a:t>
+            </a:r>
+            <a:r>
+              <a:rPr kumimoji="1" lang="zh-CN" altLang="en-US" sz="2000" b="1" dirty="0"/>
+              <a:t> </a:t>
+            </a:r>
+            <a:r>
+              <a:rPr kumimoji="1" lang="en-US" altLang="zh-CN" sz="2000" b="1" dirty="0"/>
+              <a:t>a</a:t>
+            </a:r>
+            <a:r>
+              <a:rPr kumimoji="1" lang="zh-CN" altLang="en-US" sz="2000" b="1" dirty="0"/>
+              <a:t> </a:t>
+            </a:r>
+            <a:r>
+              <a:rPr kumimoji="1" lang="en-US" altLang="zh-CN" sz="2000" b="1" dirty="0"/>
+              <a:t>score</a:t>
+            </a:r>
+            <a:r>
+              <a:rPr kumimoji="1" lang="zh-CN" altLang="en-US" sz="2000" b="1" dirty="0"/>
+              <a:t> </a:t>
+            </a:r>
+            <a:r>
+              <a:rPr kumimoji="1" lang="en-US" altLang="zh-CN" sz="2000" b="1" dirty="0"/>
+              <a:t>or</a:t>
+            </a:r>
+            <a:r>
+              <a:rPr kumimoji="1" lang="zh-CN" altLang="en-US" sz="2000" b="1" dirty="0"/>
+              <a:t> </a:t>
+            </a:r>
+            <a:r>
+              <a:rPr kumimoji="1" lang="en-US" altLang="zh-CN" sz="2000" b="1" dirty="0"/>
+              <a:t>predict</a:t>
+            </a:r>
+            <a:r>
+              <a:rPr kumimoji="1" lang="zh-CN" altLang="en-US" sz="2000" b="1" dirty="0"/>
+              <a:t> </a:t>
+            </a:r>
+            <a:r>
+              <a:rPr kumimoji="1" lang="en-US" altLang="zh-CN" sz="2000" b="1" dirty="0"/>
+              <a:t>a</a:t>
+            </a:r>
+            <a:r>
+              <a:rPr kumimoji="1" lang="zh-CN" altLang="en-US" sz="2000" b="1" dirty="0"/>
+              <a:t> </a:t>
+            </a:r>
+            <a:r>
+              <a:rPr kumimoji="1" lang="en-US" altLang="zh-CN" sz="2000" b="1" dirty="0"/>
+              <a:t>label</a:t>
+            </a:r>
+            <a:r>
+              <a:rPr kumimoji="1" lang="zh-CN" altLang="en-US" sz="2000" b="1" dirty="0"/>
+              <a:t> </a:t>
+            </a:r>
+            <a:r>
+              <a:rPr kumimoji="1" lang="en-US" altLang="zh-CN" sz="2000" b="1" dirty="0"/>
+              <a:t>based</a:t>
+            </a:r>
+            <a:r>
+              <a:rPr kumimoji="1" lang="zh-CN" altLang="en-US" sz="2000" b="1" dirty="0"/>
+              <a:t> </a:t>
+            </a:r>
+            <a:r>
+              <a:rPr kumimoji="1" lang="en-US" altLang="zh-CN" sz="2000" b="1" dirty="0"/>
+              <a:t>on</a:t>
+            </a:r>
+            <a:r>
+              <a:rPr kumimoji="1" lang="zh-CN" altLang="en-US" sz="2000" b="1" dirty="0"/>
+              <a:t> </a:t>
+            </a:r>
+            <a:r>
+              <a:rPr kumimoji="1" lang="en-US" altLang="zh-CN" sz="2000" b="1" dirty="0"/>
+              <a:t>the</a:t>
+            </a:r>
+            <a:r>
+              <a:rPr kumimoji="1" lang="zh-CN" altLang="en-US" sz="2000" b="1" dirty="0"/>
+              <a:t> </a:t>
+            </a:r>
+            <a:r>
+              <a:rPr kumimoji="1" lang="en-US" altLang="zh-CN" sz="2000" b="1" dirty="0"/>
+              <a:t>features</a:t>
+            </a:r>
+            <a:r>
+              <a:rPr kumimoji="1" lang="zh-CN" altLang="en-US" sz="2000" b="1" dirty="0"/>
+              <a:t> </a:t>
+            </a:r>
+            <a:r>
+              <a:rPr kumimoji="1" lang="en-US" altLang="zh-CN" sz="2000" b="1" dirty="0"/>
+              <a:t>of</a:t>
+            </a:r>
+            <a:r>
+              <a:rPr kumimoji="1" lang="zh-CN" altLang="en-US" sz="2000" b="1" dirty="0"/>
+              <a:t> </a:t>
+            </a:r>
+            <a:r>
+              <a:rPr kumimoji="1" lang="en-US" altLang="zh-CN" sz="2000" b="1" dirty="0"/>
+              <a:t>the</a:t>
+            </a:r>
+            <a:r>
+              <a:rPr kumimoji="1" lang="zh-CN" altLang="en-US" sz="2000" b="1" dirty="0"/>
+              <a:t> </a:t>
+            </a:r>
+            <a:r>
+              <a:rPr kumimoji="1" lang="en-US" altLang="zh-CN" sz="2000" b="1" dirty="0"/>
+              <a:t>input</a:t>
+            </a:r>
+            <a:r>
+              <a:rPr kumimoji="1" lang="zh-CN" altLang="en-US" sz="2000" b="1" dirty="0"/>
+              <a:t> </a:t>
+            </a:r>
+            <a:r>
+              <a:rPr kumimoji="1" lang="en-US" altLang="zh-CN" sz="2000" b="1" dirty="0"/>
+              <a:t>data</a:t>
+            </a:r>
+          </a:p>
+          <a:p>
+            <a:pPr marL="285750" indent="-285750">
+              <a:buFont typeface="Wingdings" pitchFamily="2" charset="2"/>
+              <a:buChar char="l"/>
+            </a:pPr>
+            <a:r>
+              <a:rPr kumimoji="1" lang="en-US" altLang="zh-CN" sz="2000" b="1" dirty="0"/>
+              <a:t>Map features to labels</a:t>
+            </a:r>
+            <a:r>
+              <a:rPr kumimoji="1" lang="zh-CN" altLang="en-US" sz="2000" b="1" dirty="0"/>
+              <a:t> </a:t>
+            </a:r>
+            <a:r>
+              <a:rPr kumimoji="1" lang="en-US" altLang="zh-CN" sz="2000" b="1" dirty="0"/>
+              <a:t>or</a:t>
+            </a:r>
+            <a:r>
+              <a:rPr kumimoji="1" lang="zh-CN" altLang="en-US" sz="2000" b="1" dirty="0"/>
+              <a:t> </a:t>
+            </a:r>
+            <a:r>
+              <a:rPr kumimoji="1" lang="en-US" altLang="zh-CN" sz="2000" b="1" dirty="0"/>
+              <a:t>scores</a:t>
+            </a:r>
+          </a:p>
+          <a:p>
+            <a:endParaRPr kumimoji="1" lang="en-US" altLang="zh-CN" sz="2000" b="1" dirty="0"/>
+          </a:p>
+          <a:p>
+            <a:r>
+              <a:rPr kumimoji="1" lang="en-US" altLang="zh-CN" sz="2000" b="1" dirty="0"/>
+              <a:t>Generative:</a:t>
+            </a:r>
+          </a:p>
+          <a:p>
+            <a:pPr marL="285750" indent="-285750">
+              <a:buFont typeface="Wingdings" pitchFamily="2" charset="2"/>
+              <a:buChar char="l"/>
+            </a:pPr>
+            <a:r>
+              <a:rPr kumimoji="1" lang="en-US" altLang="zh-CN" sz="2000" b="1" dirty="0"/>
+              <a:t>Predict</a:t>
+            </a:r>
+            <a:r>
+              <a:rPr kumimoji="1" lang="zh-CN" altLang="en-US" sz="2000" b="1" dirty="0"/>
+              <a:t> </a:t>
+            </a:r>
+            <a:r>
+              <a:rPr kumimoji="1" lang="en-US" altLang="zh-CN" sz="2000" b="1" dirty="0"/>
+              <a:t>features</a:t>
+            </a:r>
+            <a:r>
+              <a:rPr kumimoji="1" lang="zh-CN" altLang="en-US" sz="2000" b="1" dirty="0"/>
+              <a:t> </a:t>
+            </a:r>
+            <a:r>
+              <a:rPr kumimoji="1" lang="en-US" altLang="zh-CN" sz="2000" b="1" dirty="0"/>
+              <a:t>based</a:t>
+            </a:r>
+            <a:r>
+              <a:rPr kumimoji="1" lang="zh-CN" altLang="en-US" sz="2000" b="1" dirty="0"/>
+              <a:t> </a:t>
+            </a:r>
+            <a:r>
+              <a:rPr kumimoji="1" lang="en-US" altLang="zh-CN" sz="2000" b="1" dirty="0"/>
+              <a:t>on</a:t>
+            </a:r>
+            <a:r>
+              <a:rPr kumimoji="1" lang="zh-CN" altLang="en-US" sz="2000" b="1" dirty="0"/>
+              <a:t> </a:t>
+            </a:r>
+            <a:r>
+              <a:rPr kumimoji="1" lang="en-US" altLang="zh-CN" sz="2000" b="1" dirty="0"/>
+              <a:t>labels</a:t>
+            </a:r>
+            <a:r>
+              <a:rPr kumimoji="1" lang="zh-CN" altLang="en-US" sz="2000" b="1" dirty="0"/>
+              <a:t> </a:t>
+            </a:r>
+            <a:r>
+              <a:rPr kumimoji="1" lang="en-US" altLang="zh-CN" sz="2000" b="1" dirty="0"/>
+              <a:t>or</a:t>
+            </a:r>
+            <a:r>
+              <a:rPr kumimoji="1" lang="zh-CN" altLang="en-US" sz="2000" b="1" dirty="0"/>
+              <a:t> </a:t>
+            </a:r>
+            <a:r>
+              <a:rPr kumimoji="1" lang="en-US" altLang="zh-CN" sz="2000" b="1" dirty="0"/>
+              <a:t>scores</a:t>
+            </a:r>
+            <a:r>
+              <a:rPr kumimoji="1" lang="zh-CN" altLang="en-US" sz="2000" b="1" dirty="0"/>
+              <a:t> </a:t>
+            </a:r>
+            <a:r>
+              <a:rPr kumimoji="1" lang="en-US" altLang="zh-CN" sz="2000" b="1" dirty="0"/>
+              <a:t>of</a:t>
+            </a:r>
+            <a:r>
+              <a:rPr kumimoji="1" lang="zh-CN" altLang="en-US" sz="2000" b="1" dirty="0"/>
+              <a:t> </a:t>
+            </a:r>
+            <a:r>
+              <a:rPr kumimoji="1" lang="en-US" altLang="zh-CN" sz="2000" b="1" dirty="0"/>
+              <a:t>the</a:t>
+            </a:r>
+            <a:r>
+              <a:rPr kumimoji="1" lang="zh-CN" altLang="en-US" sz="2000" b="1" dirty="0"/>
+              <a:t> </a:t>
+            </a:r>
+            <a:r>
+              <a:rPr kumimoji="1" lang="en-US" altLang="zh-CN" sz="2000" b="1" dirty="0"/>
+              <a:t>input</a:t>
+            </a:r>
+            <a:r>
+              <a:rPr kumimoji="1" lang="zh-CN" altLang="en-US" sz="2000" b="1" dirty="0"/>
+              <a:t> </a:t>
+            </a:r>
+            <a:r>
+              <a:rPr kumimoji="1" lang="en-US" altLang="zh-CN" sz="2000" b="1" dirty="0"/>
+              <a:t>data</a:t>
+            </a:r>
+          </a:p>
+          <a:p>
+            <a:pPr marL="285750" indent="-285750">
+              <a:buFont typeface="Wingdings" pitchFamily="2" charset="2"/>
+              <a:buChar char="l"/>
+            </a:pPr>
+            <a:r>
+              <a:rPr kumimoji="1" lang="en-US" altLang="zh-CN" sz="2000" b="1" dirty="0"/>
+              <a:t>Map labels</a:t>
+            </a:r>
+            <a:r>
+              <a:rPr kumimoji="1" lang="zh-CN" altLang="en-US" sz="2000" b="1" dirty="0"/>
+              <a:t> </a:t>
+            </a:r>
+            <a:r>
+              <a:rPr kumimoji="1" lang="en-US" altLang="zh-CN" sz="2000" b="1" dirty="0"/>
+              <a:t>or</a:t>
+            </a:r>
+            <a:r>
+              <a:rPr kumimoji="1" lang="zh-CN" altLang="en-US" sz="2000" b="1" dirty="0"/>
+              <a:t> </a:t>
+            </a:r>
+            <a:r>
+              <a:rPr kumimoji="1" lang="en-US" altLang="zh-CN" sz="2000" b="1" dirty="0"/>
+              <a:t>scores</a:t>
+            </a:r>
+            <a:r>
+              <a:rPr kumimoji="1" lang="zh-CN" altLang="en-US" sz="2000" b="1" dirty="0"/>
+              <a:t> </a:t>
+            </a:r>
+            <a:r>
+              <a:rPr kumimoji="1" lang="en-US" altLang="zh-CN" sz="2000" b="1" dirty="0"/>
+              <a:t>to</a:t>
+            </a:r>
+            <a:r>
+              <a:rPr kumimoji="1" lang="zh-CN" altLang="en-US" sz="2000" b="1" dirty="0"/>
+              <a:t> </a:t>
+            </a:r>
+            <a:r>
+              <a:rPr kumimoji="1" lang="en-US" altLang="zh-CN" sz="2000" b="1" dirty="0"/>
+              <a:t>features</a:t>
+            </a:r>
+          </a:p>
+          <a:p>
+            <a:endParaRPr kumimoji="1" lang="en-US" altLang="zh-CN" sz="2000" b="1" dirty="0"/>
+          </a:p>
+          <a:p>
+            <a:endParaRPr kumimoji="1" lang="en-US" altLang="zh-CN" sz="2000" b="1" dirty="0"/>
+          </a:p>
+          <a:p>
+            <a:endParaRPr kumimoji="1" lang="en-US" altLang="zh-CN" sz="2000" b="1" dirty="0"/>
+          </a:p>
+          <a:p>
+            <a:endParaRPr kumimoji="1" lang="zh-CN" altLang="en-US" sz="2000" b="1" dirty="0"/>
+          </a:p>
+        </p:txBody>
+      </p:sp>
+      <p:graphicFrame>
+        <p:nvGraphicFramePr>
+          <p:cNvPr id="7" name="表格 6">
+            <a:extLst>
+              <a:ext uri="{FF2B5EF4-FFF2-40B4-BE49-F238E27FC236}">
+                <a16:creationId xmlns:a16="http://schemas.microsoft.com/office/drawing/2014/main" id="{9B03A45B-6293-1B47-A1A8-8AC22447A381}"/>
+              </a:ext>
+            </a:extLst>
+          </p:cNvPr>
+          <p:cNvGraphicFramePr>
+            <a:graphicFrameLocks noGrp="1"/>
+          </p:cNvGraphicFramePr>
+          <p:nvPr>
+            <p:extLst>
+              <p:ext uri="{D42A27DB-BD31-4B8C-83A1-F6EECF244321}">
+                <p14:modId xmlns:p14="http://schemas.microsoft.com/office/powerpoint/2010/main" val="1836805621"/>
+              </p:ext>
+            </p:extLst>
+          </p:nvPr>
+        </p:nvGraphicFramePr>
+        <p:xfrm>
+          <a:off x="1418264" y="3704166"/>
+          <a:ext cx="9168773" cy="2407920"/>
+        </p:xfrm>
+        <a:graphic>
+          <a:graphicData uri="http://schemas.openxmlformats.org/drawingml/2006/table">
+            <a:tbl>
+              <a:tblPr firstRow="1" bandRow="1">
+                <a:tableStyleId>{C083E6E3-FA7D-4D7B-A595-EF9225AFEA82}</a:tableStyleId>
+              </a:tblPr>
+              <a:tblGrid>
+                <a:gridCol w="1480265">
+                  <a:extLst>
+                    <a:ext uri="{9D8B030D-6E8A-4147-A177-3AD203B41FA5}">
+                      <a16:colId xmlns:a16="http://schemas.microsoft.com/office/drawing/2014/main" val="3620704172"/>
+                    </a:ext>
+                  </a:extLst>
+                </a:gridCol>
+                <a:gridCol w="3844254">
+                  <a:extLst>
+                    <a:ext uri="{9D8B030D-6E8A-4147-A177-3AD203B41FA5}">
+                      <a16:colId xmlns:a16="http://schemas.microsoft.com/office/drawing/2014/main" val="2921904242"/>
+                    </a:ext>
+                  </a:extLst>
+                </a:gridCol>
+                <a:gridCol w="3844254">
+                  <a:extLst>
+                    <a:ext uri="{9D8B030D-6E8A-4147-A177-3AD203B41FA5}">
+                      <a16:colId xmlns:a16="http://schemas.microsoft.com/office/drawing/2014/main" val="1547155739"/>
+                    </a:ext>
+                  </a:extLst>
+                </a:gridCol>
+              </a:tblGrid>
+              <a:tr h="370840">
+                <a:tc>
+                  <a:txBody>
+                    <a:bodyPr/>
+                    <a:lstStyle/>
+                    <a:p>
+                      <a:endParaRPr lang="zh-CN" altLang="en-US" sz="2000" dirty="0"/>
+                    </a:p>
+                  </a:txBody>
+                  <a:tcPr>
+                    <a:lnT w="12700" cap="flat" cmpd="sng" algn="ctr">
+                      <a:solidFill>
+                        <a:schemeClr val="tx1"/>
+                      </a:solidFill>
+                      <a:prstDash val="solid"/>
+                      <a:round/>
+                      <a:headEnd type="none" w="med" len="med"/>
+                      <a:tailEnd type="none" w="med" len="med"/>
+                    </a:lnT>
+                    <a:lnB w="12700" cap="flat" cmpd="sng" algn="ctr">
+                      <a:solidFill>
+                        <a:schemeClr val="tx1"/>
+                      </a:solidFill>
+                      <a:prstDash val="solid"/>
+                      <a:round/>
+                      <a:headEnd type="none" w="med" len="med"/>
+                      <a:tailEnd type="none" w="med" len="med"/>
+                    </a:lnB>
+                  </a:tcPr>
+                </a:tc>
+                <a:tc>
+                  <a:txBody>
+                    <a:bodyPr/>
+                    <a:lstStyle/>
+                    <a:p>
+                      <a:pPr algn="ctr"/>
+                      <a:r>
+                        <a:rPr lang="en-US" altLang="zh-CN" sz="2000" dirty="0"/>
+                        <a:t>Generative</a:t>
+                      </a:r>
+                      <a:endParaRPr lang="zh-CN" altLang="en-US" sz="2000" dirty="0"/>
+                    </a:p>
+                  </a:txBody>
+                  <a:tcPr anchor="ctr">
+                    <a:lnT w="12700" cap="flat" cmpd="sng" algn="ctr">
+                      <a:solidFill>
+                        <a:schemeClr val="tx1"/>
+                      </a:solidFill>
+                      <a:prstDash val="solid"/>
+                      <a:round/>
+                      <a:headEnd type="none" w="med" len="med"/>
+                      <a:tailEnd type="none" w="med" len="med"/>
+                    </a:lnT>
+                    <a:lnB w="12700" cap="flat" cmpd="sng" algn="ctr">
+                      <a:solidFill>
+                        <a:schemeClr val="tx1"/>
+                      </a:solidFill>
+                      <a:prstDash val="solid"/>
+                      <a:round/>
+                      <a:headEnd type="none" w="med" len="med"/>
+                      <a:tailEnd type="none" w="med" len="med"/>
+                    </a:lnB>
+                  </a:tcPr>
+                </a:tc>
+                <a:tc>
+                  <a:txBody>
+                    <a:bodyPr/>
+                    <a:lstStyle/>
+                    <a:p>
+                      <a:pPr algn="ctr"/>
+                      <a:r>
+                        <a:rPr lang="en-US" altLang="zh-CN" sz="2000" dirty="0"/>
+                        <a:t>Discriminative</a:t>
+                      </a:r>
+                      <a:endParaRPr lang="zh-CN" altLang="en-US" sz="2000" dirty="0"/>
+                    </a:p>
+                  </a:txBody>
+                  <a:tcPr anchor="ctr">
+                    <a:lnT w="12700" cap="flat" cmpd="sng" algn="ctr">
+                      <a:solidFill>
+                        <a:schemeClr val="tx1"/>
+                      </a:solidFill>
+                      <a:prstDash val="solid"/>
+                      <a:round/>
+                      <a:headEnd type="none" w="med" len="med"/>
+                      <a:tailEnd type="none" w="med" len="med"/>
+                    </a:lnT>
+                    <a:lnB w="12700" cap="flat" cmpd="sng" algn="ctr">
+                      <a:solidFill>
+                        <a:schemeClr val="tx1"/>
+                      </a:solidFill>
+                      <a:prstDash val="solid"/>
+                      <a:round/>
+                      <a:headEnd type="none" w="med" len="med"/>
+                      <a:tailEnd type="none" w="med" len="med"/>
+                    </a:lnB>
+                  </a:tcPr>
+                </a:tc>
+                <a:extLst>
+                  <a:ext uri="{0D108BD9-81ED-4DB2-BD59-A6C34878D82A}">
+                    <a16:rowId xmlns:a16="http://schemas.microsoft.com/office/drawing/2014/main" val="2276790823"/>
+                  </a:ext>
+                </a:extLst>
+              </a:tr>
+              <a:tr h="370840">
+                <a:tc>
+                  <a:txBody>
+                    <a:bodyPr/>
+                    <a:lstStyle/>
+                    <a:p>
+                      <a:r>
+                        <a:rPr lang="en-US" altLang="zh-CN" sz="2000" dirty="0"/>
+                        <a:t>Pros</a:t>
+                      </a:r>
+                      <a:endParaRPr lang="zh-CN" altLang="en-US" sz="2000" dirty="0"/>
+                    </a:p>
+                  </a:txBody>
+                  <a:tcPr>
+                    <a:lnT w="12700" cap="flat" cmpd="sng" algn="ctr">
+                      <a:solidFill>
+                        <a:schemeClr val="tx1"/>
+                      </a:solidFill>
+                      <a:prstDash val="solid"/>
+                      <a:round/>
+                      <a:headEnd type="none" w="med" len="med"/>
+                      <a:tailEnd type="none" w="med" len="med"/>
+                    </a:lnT>
+                    <a:noFill/>
+                  </a:tcPr>
+                </a:tc>
+                <a:tc>
+                  <a:txBody>
+                    <a:bodyPr/>
+                    <a:lstStyle/>
+                    <a:p>
+                      <a:pPr algn="l"/>
+                      <a:r>
+                        <a:rPr lang="en-US" altLang="zh-CN" sz="2000" dirty="0"/>
+                        <a:t>1.Easy</a:t>
+                      </a:r>
+                      <a:r>
+                        <a:rPr lang="zh-CN" altLang="en-US" sz="2000" dirty="0"/>
+                        <a:t> </a:t>
+                      </a:r>
+                      <a:r>
+                        <a:rPr lang="en-US" altLang="zh-CN" sz="2000" dirty="0"/>
+                        <a:t>to</a:t>
+                      </a:r>
+                      <a:r>
+                        <a:rPr lang="zh-CN" altLang="en-US" sz="2000" dirty="0"/>
+                        <a:t> </a:t>
+                      </a:r>
+                      <a:r>
+                        <a:rPr lang="en-US" altLang="zh-CN" sz="2000" dirty="0"/>
+                        <a:t>generate</a:t>
+                      </a:r>
+                      <a:r>
+                        <a:rPr lang="zh-CN" altLang="en-US" sz="2000" dirty="0"/>
+                        <a:t> </a:t>
+                      </a:r>
+                      <a:r>
+                        <a:rPr lang="en-US" altLang="zh-CN" sz="2000" dirty="0"/>
+                        <a:t>even</a:t>
+                      </a:r>
+                      <a:r>
+                        <a:rPr lang="zh-CN" altLang="en-US" sz="2000" dirty="0"/>
+                        <a:t> </a:t>
+                      </a:r>
+                      <a:r>
+                        <a:rPr lang="en-US" altLang="zh-CN" sz="2000" dirty="0"/>
+                        <a:t>with</a:t>
+                      </a:r>
+                      <a:r>
+                        <a:rPr lang="zh-CN" altLang="en-US" sz="2000" dirty="0"/>
+                        <a:t> </a:t>
+                      </a:r>
+                      <a:r>
+                        <a:rPr lang="en-US" altLang="zh-CN" sz="2000" dirty="0"/>
+                        <a:t>deep</a:t>
+                      </a:r>
+                      <a:r>
+                        <a:rPr lang="zh-CN" altLang="en-US" sz="2000" dirty="0"/>
+                        <a:t> </a:t>
+                      </a:r>
+                      <a:r>
+                        <a:rPr lang="en-US" altLang="zh-CN" sz="2000" dirty="0"/>
+                        <a:t>learning</a:t>
+                      </a:r>
+                      <a:r>
+                        <a:rPr lang="zh-CN" altLang="en-US" sz="2000" dirty="0"/>
+                        <a:t> </a:t>
+                      </a:r>
+                      <a:r>
+                        <a:rPr lang="en-US" altLang="zh-CN" sz="2000" dirty="0"/>
+                        <a:t>model</a:t>
+                      </a:r>
+                      <a:endParaRPr lang="zh-CN" altLang="en-US" sz="2000" dirty="0"/>
+                    </a:p>
+                  </a:txBody>
+                  <a:tcPr anchor="ctr">
+                    <a:lnT w="12700" cap="flat" cmpd="sng" algn="ctr">
+                      <a:solidFill>
+                        <a:schemeClr val="tx1"/>
+                      </a:solidFill>
+                      <a:prstDash val="solid"/>
+                      <a:round/>
+                      <a:headEnd type="none" w="med" len="med"/>
+                      <a:tailEnd type="none" w="med" len="med"/>
+                    </a:lnT>
+                    <a:noFill/>
+                  </a:tcPr>
+                </a:tc>
+                <a:tc>
+                  <a:txBody>
+                    <a:bodyPr/>
+                    <a:lstStyle/>
+                    <a:p>
+                      <a:pPr algn="l"/>
+                      <a:r>
+                        <a:rPr lang="en-US" altLang="zh-CN" sz="2000" dirty="0"/>
+                        <a:t>1.Consider</a:t>
+                      </a:r>
+                      <a:r>
+                        <a:rPr lang="zh-CN" altLang="en-US" sz="2000" dirty="0"/>
+                        <a:t> </a:t>
+                      </a:r>
+                      <a:r>
+                        <a:rPr lang="en-US" altLang="zh-CN" sz="2000" dirty="0"/>
+                        <a:t>the</a:t>
+                      </a:r>
+                      <a:r>
+                        <a:rPr lang="zh-CN" altLang="en-US" sz="2000" dirty="0"/>
+                        <a:t> </a:t>
+                      </a:r>
+                      <a:r>
+                        <a:rPr lang="en-US" altLang="zh-CN" sz="2000" dirty="0"/>
+                        <a:t>big</a:t>
+                      </a:r>
+                      <a:r>
+                        <a:rPr lang="zh-CN" altLang="en-US" sz="2000" dirty="0"/>
+                        <a:t> </a:t>
+                      </a:r>
+                      <a:r>
+                        <a:rPr lang="en-US" altLang="zh-CN" sz="2000" dirty="0"/>
+                        <a:t>picture,</a:t>
+                      </a:r>
+                      <a:r>
+                        <a:rPr lang="zh-CN" altLang="en-US" sz="2000" dirty="0"/>
+                        <a:t> </a:t>
+                      </a:r>
+                      <a:r>
+                        <a:rPr lang="en-US" altLang="zh-CN" sz="2000" dirty="0"/>
+                        <a:t>the</a:t>
+                      </a:r>
+                      <a:r>
+                        <a:rPr lang="zh-CN" altLang="en-US" sz="2000" dirty="0"/>
+                        <a:t> </a:t>
+                      </a:r>
+                      <a:r>
+                        <a:rPr lang="en-US" altLang="zh-CN" sz="2000" dirty="0"/>
+                        <a:t>correlation</a:t>
+                      </a:r>
+                      <a:r>
+                        <a:rPr lang="zh-CN" altLang="en-US" sz="2000" dirty="0"/>
+                        <a:t> </a:t>
+                      </a:r>
+                      <a:r>
+                        <a:rPr lang="en-US" altLang="zh-CN" sz="2000" dirty="0"/>
+                        <a:t>of</a:t>
+                      </a:r>
+                      <a:r>
+                        <a:rPr lang="zh-CN" altLang="en-US" sz="2000" dirty="0"/>
+                        <a:t> </a:t>
+                      </a:r>
+                      <a:r>
+                        <a:rPr lang="en-US" altLang="zh-CN" sz="2000" dirty="0"/>
+                        <a:t>each</a:t>
+                      </a:r>
+                      <a:r>
+                        <a:rPr lang="zh-CN" altLang="en-US" sz="2000" dirty="0"/>
+                        <a:t> </a:t>
+                      </a:r>
+                      <a:r>
+                        <a:rPr lang="en-US" altLang="zh-CN" sz="2000" dirty="0"/>
+                        <a:t>features</a:t>
+                      </a:r>
+                      <a:endParaRPr lang="zh-CN" altLang="en-US" sz="2000" dirty="0"/>
+                    </a:p>
+                  </a:txBody>
+                  <a:tcPr anchor="ctr">
+                    <a:lnT w="12700" cap="flat" cmpd="sng" algn="ctr">
+                      <a:solidFill>
+                        <a:schemeClr val="tx1"/>
+                      </a:solidFill>
+                      <a:prstDash val="solid"/>
+                      <a:round/>
+                      <a:headEnd type="none" w="med" len="med"/>
+                      <a:tailEnd type="none" w="med" len="med"/>
+                    </a:lnT>
+                    <a:noFill/>
+                  </a:tcPr>
+                </a:tc>
+                <a:extLst>
+                  <a:ext uri="{0D108BD9-81ED-4DB2-BD59-A6C34878D82A}">
+                    <a16:rowId xmlns:a16="http://schemas.microsoft.com/office/drawing/2014/main" val="23218729"/>
+                  </a:ext>
+                </a:extLst>
+              </a:tr>
+              <a:tr h="0">
+                <a:tc>
+                  <a:txBody>
+                    <a:bodyPr/>
+                    <a:lstStyle/>
+                    <a:p>
+                      <a:r>
+                        <a:rPr lang="en-US" altLang="zh-CN" sz="2000" dirty="0"/>
+                        <a:t>Cons</a:t>
+                      </a:r>
+                      <a:endParaRPr lang="zh-CN" altLang="en-US" sz="2000" dirty="0"/>
+                    </a:p>
+                  </a:txBody>
+                  <a:tcPr>
+                    <a:lnB w="12700" cap="flat" cmpd="sng" algn="ctr">
+                      <a:solidFill>
+                        <a:schemeClr val="tx1"/>
+                      </a:solidFill>
+                      <a:prstDash val="solid"/>
+                      <a:round/>
+                      <a:headEnd type="none" w="med" len="med"/>
+                      <a:tailEnd type="none" w="med" len="med"/>
+                    </a:lnB>
+                  </a:tcPr>
+                </a:tc>
+                <a:tc>
+                  <a:txBody>
+                    <a:bodyPr/>
+                    <a:lstStyle/>
+                    <a:p>
+                      <a:pPr algn="l"/>
+                      <a:r>
+                        <a:rPr lang="en-US" altLang="zh-CN" sz="2000" dirty="0"/>
+                        <a:t>1.Only</a:t>
+                      </a:r>
+                      <a:r>
+                        <a:rPr lang="zh-CN" altLang="en-US" sz="2000" dirty="0"/>
+                        <a:t> </a:t>
+                      </a:r>
+                      <a:r>
+                        <a:rPr lang="en-US" altLang="zh-CN" sz="2000" dirty="0"/>
+                        <a:t>imitate</a:t>
+                      </a:r>
+                      <a:r>
+                        <a:rPr lang="zh-CN" altLang="en-US" sz="2000" dirty="0"/>
+                        <a:t> </a:t>
+                      </a:r>
+                      <a:r>
+                        <a:rPr lang="en-US" altLang="zh-CN" sz="2000" dirty="0"/>
+                        <a:t>the</a:t>
+                      </a:r>
+                      <a:r>
+                        <a:rPr lang="zh-CN" altLang="en-US" sz="2000" dirty="0"/>
+                        <a:t> </a:t>
+                      </a:r>
+                      <a:r>
+                        <a:rPr lang="en-US" altLang="zh-CN" sz="2000" dirty="0"/>
+                        <a:t>appearance</a:t>
+                      </a:r>
+                    </a:p>
+                    <a:p>
+                      <a:pPr algn="l"/>
+                      <a:endParaRPr lang="en-US" altLang="zh-CN" sz="2000" dirty="0"/>
+                    </a:p>
+                    <a:p>
+                      <a:pPr algn="l"/>
+                      <a:r>
+                        <a:rPr lang="en-US" altLang="zh-CN" sz="2000" dirty="0"/>
+                        <a:t>2.Hard</a:t>
+                      </a:r>
+                      <a:r>
+                        <a:rPr lang="zh-CN" altLang="en-US" sz="2000" dirty="0"/>
+                        <a:t> </a:t>
+                      </a:r>
+                      <a:r>
+                        <a:rPr lang="en-US" altLang="zh-CN" sz="2000" dirty="0"/>
+                        <a:t>to</a:t>
+                      </a:r>
+                      <a:r>
+                        <a:rPr lang="zh-CN" altLang="en-US" sz="2000" dirty="0"/>
+                        <a:t> </a:t>
+                      </a:r>
+                      <a:r>
+                        <a:rPr lang="en-US" altLang="zh-CN" sz="2000" dirty="0"/>
+                        <a:t>learn</a:t>
+                      </a:r>
+                      <a:r>
+                        <a:rPr lang="zh-CN" altLang="en-US" sz="2000" dirty="0"/>
+                        <a:t> </a:t>
+                      </a:r>
+                      <a:r>
+                        <a:rPr lang="en-US" altLang="zh-CN" sz="2000" dirty="0"/>
+                        <a:t>the</a:t>
+                      </a:r>
+                      <a:r>
+                        <a:rPr lang="zh-CN" altLang="en-US" sz="2000" dirty="0"/>
+                        <a:t> </a:t>
+                      </a:r>
+                      <a:r>
+                        <a:rPr lang="en-US" altLang="zh-CN" sz="2000" dirty="0"/>
+                        <a:t>correlation</a:t>
+                      </a:r>
+                      <a:r>
+                        <a:rPr lang="zh-CN" altLang="en-US" sz="2000" dirty="0"/>
+                        <a:t> </a:t>
+                      </a:r>
+                      <a:r>
+                        <a:rPr lang="en-US" altLang="zh-CN" sz="2000" dirty="0"/>
+                        <a:t>between</a:t>
+                      </a:r>
+                      <a:r>
+                        <a:rPr lang="zh-CN" altLang="en-US" sz="2000" dirty="0"/>
+                        <a:t> </a:t>
+                      </a:r>
+                      <a:r>
+                        <a:rPr lang="en-US" altLang="zh-CN" sz="2000" dirty="0"/>
+                        <a:t>features</a:t>
+                      </a:r>
+                      <a:endParaRPr lang="zh-CN" altLang="en-US" sz="2000" dirty="0"/>
+                    </a:p>
+                  </a:txBody>
+                  <a:tcPr anchor="ctr">
+                    <a:lnB w="12700" cap="flat" cmpd="sng" algn="ctr">
+                      <a:solidFill>
+                        <a:schemeClr val="tx1"/>
+                      </a:solidFill>
+                      <a:prstDash val="solid"/>
+                      <a:round/>
+                      <a:headEnd type="none" w="med" len="med"/>
+                      <a:tailEnd type="none" w="med" len="med"/>
+                    </a:lnB>
+                  </a:tcPr>
+                </a:tc>
+                <a:tc>
+                  <a:txBody>
+                    <a:bodyPr/>
+                    <a:lstStyle/>
+                    <a:p>
+                      <a:pPr algn="l"/>
+                      <a:r>
+                        <a:rPr lang="en-US" altLang="zh-CN" sz="2000" dirty="0"/>
+                        <a:t>1.Generation</a:t>
+                      </a:r>
+                      <a:r>
+                        <a:rPr lang="zh-CN" altLang="en-US" sz="2000" dirty="0"/>
+                        <a:t> </a:t>
+                      </a:r>
+                      <a:r>
+                        <a:rPr lang="en-US" altLang="zh-CN" sz="2000" dirty="0"/>
+                        <a:t>is</a:t>
+                      </a:r>
+                      <a:r>
+                        <a:rPr lang="zh-CN" altLang="en-US" sz="2000" dirty="0"/>
+                        <a:t> </a:t>
+                      </a:r>
+                      <a:r>
+                        <a:rPr lang="en-US" altLang="zh-CN" sz="2000" dirty="0"/>
+                        <a:t>not</a:t>
+                      </a:r>
+                      <a:r>
+                        <a:rPr lang="zh-CN" altLang="en-US" sz="2000" dirty="0"/>
+                        <a:t> </a:t>
+                      </a:r>
+                      <a:r>
+                        <a:rPr lang="en-US" altLang="zh-CN" sz="2000" dirty="0"/>
+                        <a:t>always</a:t>
+                      </a:r>
+                      <a:r>
+                        <a:rPr lang="zh-CN" altLang="en-US" sz="2000" dirty="0"/>
+                        <a:t> </a:t>
+                      </a:r>
+                      <a:r>
+                        <a:rPr lang="en-US" altLang="zh-CN" sz="2000" dirty="0"/>
+                        <a:t>feasible</a:t>
+                      </a:r>
+                    </a:p>
+                    <a:p>
+                      <a:pPr algn="l"/>
+                      <a:endParaRPr lang="en-US" altLang="zh-CN" sz="2000" dirty="0"/>
+                    </a:p>
+                    <a:p>
+                      <a:pPr algn="l"/>
+                      <a:r>
+                        <a:rPr lang="en-US" altLang="zh-CN" sz="2000" dirty="0"/>
+                        <a:t>2.Hard</a:t>
+                      </a:r>
+                      <a:r>
+                        <a:rPr lang="zh-CN" altLang="en-US" sz="2000" dirty="0"/>
+                        <a:t> </a:t>
+                      </a:r>
+                      <a:r>
+                        <a:rPr lang="en-US" altLang="zh-CN" sz="2000" dirty="0"/>
+                        <a:t>to</a:t>
+                      </a:r>
+                      <a:r>
+                        <a:rPr lang="zh-CN" altLang="en-US" sz="2000" dirty="0"/>
+                        <a:t> </a:t>
+                      </a:r>
+                      <a:r>
+                        <a:rPr lang="en-US" altLang="zh-CN" sz="2000" dirty="0"/>
+                        <a:t>do</a:t>
+                      </a:r>
+                      <a:r>
+                        <a:rPr lang="zh-CN" altLang="en-US" sz="2000" dirty="0"/>
+                        <a:t> </a:t>
+                      </a:r>
+                      <a:r>
+                        <a:rPr lang="en-US" altLang="zh-CN" sz="2000" dirty="0"/>
+                        <a:t>iterative</a:t>
+                      </a:r>
+                      <a:r>
+                        <a:rPr lang="zh-CN" altLang="en-US" sz="2000" dirty="0"/>
+                        <a:t> </a:t>
+                      </a:r>
+                      <a:r>
+                        <a:rPr lang="en-US" altLang="zh-CN" sz="2000" dirty="0"/>
+                        <a:t>sampling</a:t>
+                      </a:r>
+                      <a:endParaRPr lang="zh-CN" altLang="en-US" sz="2000" dirty="0"/>
+                    </a:p>
+                  </a:txBody>
+                  <a:tcPr anchor="ctr">
+                    <a:lnB w="12700" cap="flat" cmpd="sng" algn="ctr">
+                      <a:solidFill>
+                        <a:schemeClr val="tx1"/>
+                      </a:solidFill>
+                      <a:prstDash val="solid"/>
+                      <a:round/>
+                      <a:headEnd type="none" w="med" len="med"/>
+                      <a:tailEnd type="none" w="med" len="med"/>
+                    </a:lnB>
+                  </a:tcPr>
+                </a:tc>
+                <a:extLst>
+                  <a:ext uri="{0D108BD9-81ED-4DB2-BD59-A6C34878D82A}">
+                    <a16:rowId xmlns:a16="http://schemas.microsoft.com/office/drawing/2014/main" val="3248421838"/>
+                  </a:ext>
+                </a:extLst>
+              </a:tr>
+            </a:tbl>
+          </a:graphicData>
+        </a:graphic>
+      </p:graphicFrame>
+    </p:spTree>
+    <p:extLst>
+      <p:ext uri="{BB962C8B-B14F-4D97-AF65-F5344CB8AC3E}">
+        <p14:creationId xmlns:p14="http://schemas.microsoft.com/office/powerpoint/2010/main" val="2530637228"/>
       </p:ext>
     </p:extLst>
   </p:cSld>
@@ -12221,6 +13924,352 @@
           <p:cNvPr id="4" name="文本框 3">
             <a:extLst>
               <a:ext uri="{FF2B5EF4-FFF2-40B4-BE49-F238E27FC236}">
+                <a16:creationId xmlns:a16="http://schemas.microsoft.com/office/drawing/2014/main" id="{F4E10E31-4BC4-4642-8AF2-CE488BB23659}"/>
+              </a:ext>
+            </a:extLst>
+          </p:cNvPr>
+          <p:cNvSpPr txBox="1"/>
+          <p:nvPr/>
+        </p:nvSpPr>
+        <p:spPr>
+          <a:xfrm>
+            <a:off x="0" y="32692"/>
+            <a:ext cx="12192000" cy="523220"/>
+          </a:xfrm>
+          <a:prstGeom prst="rect">
+            <a:avLst/>
+          </a:prstGeom>
+          <a:noFill/>
+        </p:spPr>
+        <p:txBody>
+          <a:bodyPr wrap="square" rtlCol="0">
+            <a:spAutoFit/>
+          </a:bodyPr>
+          <a:lstStyle/>
+          <a:p>
+            <a:pPr marL="285750" indent="-285750">
+              <a:buFont typeface="Wingdings" pitchFamily="2" charset="2"/>
+              <a:buChar char="u"/>
+            </a:pPr>
+            <a:r>
+              <a:rPr kumimoji="1" lang="en-US" altLang="zh-CN" sz="2800" b="1" dirty="0"/>
+              <a:t>Architecture</a:t>
+            </a:r>
+            <a:r>
+              <a:rPr kumimoji="1" lang="zh-CN" altLang="en-US" sz="2800" b="1" dirty="0"/>
+              <a:t> </a:t>
+            </a:r>
+            <a:r>
+              <a:rPr kumimoji="1" lang="en-US" altLang="zh-CN" sz="2800" b="1" dirty="0"/>
+              <a:t>of</a:t>
+            </a:r>
+            <a:r>
+              <a:rPr kumimoji="1" lang="zh-CN" altLang="en-US" sz="2800" b="1" dirty="0"/>
+              <a:t> </a:t>
+            </a:r>
+            <a:r>
+              <a:rPr kumimoji="1" lang="en-US" altLang="zh-CN" sz="2800" b="1" dirty="0"/>
+              <a:t>Generator</a:t>
+            </a:r>
+            <a:r>
+              <a:rPr kumimoji="1" lang="zh-CN" altLang="en-US" sz="2800" b="1" dirty="0"/>
+              <a:t> </a:t>
+            </a:r>
+            <a:r>
+              <a:rPr kumimoji="1" lang="en-US" altLang="zh-CN" sz="2800" b="1" dirty="0"/>
+              <a:t>and</a:t>
+            </a:r>
+            <a:r>
+              <a:rPr kumimoji="1" lang="zh-CN" altLang="en-US" sz="2800" b="1" dirty="0"/>
+              <a:t> </a:t>
+            </a:r>
+            <a:r>
+              <a:rPr kumimoji="1" lang="en-US" altLang="zh-CN" sz="2800" b="1" dirty="0"/>
+              <a:t>Discriminator</a:t>
+            </a:r>
+            <a:endParaRPr kumimoji="1" lang="zh-CN" altLang="en-US" sz="2800" dirty="0"/>
+          </a:p>
+        </p:txBody>
+      </p:sp>
+      <p:pic>
+        <p:nvPicPr>
+          <p:cNvPr id="5" name="图片 4">
+            <a:extLst>
+              <a:ext uri="{FF2B5EF4-FFF2-40B4-BE49-F238E27FC236}">
+                <a16:creationId xmlns:a16="http://schemas.microsoft.com/office/drawing/2014/main" id="{51813414-E52B-4246-9818-08BC68416EAE}"/>
+              </a:ext>
+            </a:extLst>
+          </p:cNvPr>
+          <p:cNvPicPr>
+            <a:picLocks noChangeAspect="1"/>
+          </p:cNvPicPr>
+          <p:nvPr/>
+        </p:nvPicPr>
+        <p:blipFill>
+          <a:blip r:embed="rId3"/>
+          <a:stretch>
+            <a:fillRect/>
+          </a:stretch>
+        </p:blipFill>
+        <p:spPr>
+          <a:xfrm>
+            <a:off x="3479800" y="708312"/>
+            <a:ext cx="7239135" cy="2447765"/>
+          </a:xfrm>
+          <a:prstGeom prst="rect">
+            <a:avLst/>
+          </a:prstGeom>
+        </p:spPr>
+      </p:pic>
+      <p:pic>
+        <p:nvPicPr>
+          <p:cNvPr id="6" name="图片 5">
+            <a:extLst>
+              <a:ext uri="{FF2B5EF4-FFF2-40B4-BE49-F238E27FC236}">
+                <a16:creationId xmlns:a16="http://schemas.microsoft.com/office/drawing/2014/main" id="{BE001C98-4769-4B45-940F-023AB97C9328}"/>
+              </a:ext>
+            </a:extLst>
+          </p:cNvPr>
+          <p:cNvPicPr>
+            <a:picLocks noChangeAspect="1"/>
+          </p:cNvPicPr>
+          <p:nvPr/>
+        </p:nvPicPr>
+        <p:blipFill>
+          <a:blip r:embed="rId4"/>
+          <a:stretch>
+            <a:fillRect/>
+          </a:stretch>
+        </p:blipFill>
+        <p:spPr>
+          <a:xfrm>
+            <a:off x="3733800" y="3701924"/>
+            <a:ext cx="5816600" cy="2736850"/>
+          </a:xfrm>
+          <a:prstGeom prst="rect">
+            <a:avLst/>
+          </a:prstGeom>
+        </p:spPr>
+      </p:pic>
+      <p:sp>
+        <p:nvSpPr>
+          <p:cNvPr id="7" name="矩形 6">
+            <a:extLst>
+              <a:ext uri="{FF2B5EF4-FFF2-40B4-BE49-F238E27FC236}">
+                <a16:creationId xmlns:a16="http://schemas.microsoft.com/office/drawing/2014/main" id="{4469914E-5073-B441-976E-2B6C504802B1}"/>
+              </a:ext>
+            </a:extLst>
+          </p:cNvPr>
+          <p:cNvSpPr/>
+          <p:nvPr/>
+        </p:nvSpPr>
+        <p:spPr>
+          <a:xfrm>
+            <a:off x="215454" y="983734"/>
+            <a:ext cx="3280065" cy="738664"/>
+          </a:xfrm>
+          <a:prstGeom prst="rect">
+            <a:avLst/>
+          </a:prstGeom>
+        </p:spPr>
+        <p:txBody>
+          <a:bodyPr wrap="none">
+            <a:spAutoFit/>
+          </a:bodyPr>
+          <a:lstStyle/>
+          <a:p>
+            <a:pPr marL="342900" indent="-342900">
+              <a:buFont typeface="Wingdings" pitchFamily="2" charset="2"/>
+              <a:buChar char="l"/>
+            </a:pPr>
+            <a:r>
+              <a:rPr kumimoji="1" lang="en-US" altLang="zh-CN" sz="2400" b="1" dirty="0"/>
+              <a:t>Generator:</a:t>
+            </a:r>
+          </a:p>
+          <a:p>
+            <a:r>
+              <a:rPr kumimoji="1" lang="zh-CN" altLang="en-US" b="1" dirty="0"/>
+              <a:t> </a:t>
+            </a:r>
+            <a:r>
+              <a:rPr kumimoji="1" lang="en-US" altLang="zh-CN" b="1" dirty="0">
+                <a:solidFill>
+                  <a:srgbClr val="FF0000"/>
+                </a:solidFill>
+              </a:rPr>
+              <a:t>A</a:t>
+            </a:r>
+            <a:r>
+              <a:rPr kumimoji="1" lang="zh-CN" altLang="en-US" b="1" dirty="0">
+                <a:solidFill>
+                  <a:srgbClr val="FF0000"/>
+                </a:solidFill>
+              </a:rPr>
+              <a:t> </a:t>
+            </a:r>
+            <a:r>
+              <a:rPr kumimoji="1" lang="en-US" altLang="zh-CN" b="1" dirty="0">
+                <a:solidFill>
+                  <a:srgbClr val="FF0000"/>
+                </a:solidFill>
+              </a:rPr>
+              <a:t>standard</a:t>
+            </a:r>
+            <a:r>
+              <a:rPr kumimoji="1" lang="zh-CN" altLang="en-US" b="1" dirty="0">
+                <a:solidFill>
+                  <a:srgbClr val="FF0000"/>
+                </a:solidFill>
+              </a:rPr>
+              <a:t> </a:t>
+            </a:r>
+            <a:r>
+              <a:rPr kumimoji="1" lang="en-US" altLang="zh-CN" b="1" dirty="0">
+                <a:solidFill>
+                  <a:srgbClr val="FF0000"/>
+                </a:solidFill>
+              </a:rPr>
+              <a:t>encoder-decoder</a:t>
+            </a:r>
+          </a:p>
+        </p:txBody>
+      </p:sp>
+      <p:sp>
+        <p:nvSpPr>
+          <p:cNvPr id="8" name="矩形 7">
+            <a:extLst>
+              <a:ext uri="{FF2B5EF4-FFF2-40B4-BE49-F238E27FC236}">
+                <a16:creationId xmlns:a16="http://schemas.microsoft.com/office/drawing/2014/main" id="{F72428BB-826A-FC4A-BE01-C668DA667C5F}"/>
+              </a:ext>
+            </a:extLst>
+          </p:cNvPr>
+          <p:cNvSpPr/>
+          <p:nvPr/>
+        </p:nvSpPr>
+        <p:spPr>
+          <a:xfrm>
+            <a:off x="199735" y="4314183"/>
+            <a:ext cx="2520242" cy="738664"/>
+          </a:xfrm>
+          <a:prstGeom prst="rect">
+            <a:avLst/>
+          </a:prstGeom>
+        </p:spPr>
+        <p:txBody>
+          <a:bodyPr wrap="none">
+            <a:spAutoFit/>
+          </a:bodyPr>
+          <a:lstStyle/>
+          <a:p>
+            <a:pPr marL="342900" indent="-342900">
+              <a:buFont typeface="Wingdings" pitchFamily="2" charset="2"/>
+              <a:buChar char="l"/>
+            </a:pPr>
+            <a:r>
+              <a:rPr kumimoji="1" lang="en-US" altLang="zh-CN" sz="2400" b="1" dirty="0"/>
+              <a:t>Discriminator:</a:t>
+            </a:r>
+          </a:p>
+          <a:p>
+            <a:r>
+              <a:rPr kumimoji="1" lang="zh-CN" altLang="en-US" b="1" dirty="0"/>
+              <a:t> </a:t>
+            </a:r>
+            <a:r>
+              <a:rPr kumimoji="1" lang="en-US" altLang="zh-CN" b="1" dirty="0">
+                <a:solidFill>
+                  <a:srgbClr val="FF0000"/>
+                </a:solidFill>
+              </a:rPr>
+              <a:t>A</a:t>
+            </a:r>
+            <a:r>
+              <a:rPr kumimoji="1" lang="zh-CN" altLang="en-US" b="1" dirty="0">
+                <a:solidFill>
+                  <a:srgbClr val="FF0000"/>
+                </a:solidFill>
+              </a:rPr>
+              <a:t> </a:t>
+            </a:r>
+            <a:r>
+              <a:rPr kumimoji="1" lang="en-US" altLang="zh-CN" b="1" dirty="0">
+                <a:solidFill>
+                  <a:srgbClr val="FF0000"/>
+                </a:solidFill>
+              </a:rPr>
+              <a:t>regular</a:t>
+            </a:r>
+            <a:r>
+              <a:rPr kumimoji="1" lang="zh-CN" altLang="en-US" b="1" dirty="0">
+                <a:solidFill>
+                  <a:srgbClr val="FF0000"/>
+                </a:solidFill>
+              </a:rPr>
+              <a:t> </a:t>
+            </a:r>
+            <a:r>
+              <a:rPr kumimoji="1" lang="en-US" altLang="zh-CN" b="1" dirty="0">
+                <a:solidFill>
+                  <a:srgbClr val="FF0000"/>
+                </a:solidFill>
+              </a:rPr>
+              <a:t>global</a:t>
+            </a:r>
+            <a:r>
+              <a:rPr kumimoji="1" lang="zh-CN" altLang="en-US" b="1" dirty="0">
+                <a:solidFill>
+                  <a:srgbClr val="FF0000"/>
+                </a:solidFill>
+              </a:rPr>
+              <a:t> </a:t>
+            </a:r>
+            <a:r>
+              <a:rPr kumimoji="1" lang="en-US" altLang="zh-CN" b="1" dirty="0">
+                <a:solidFill>
+                  <a:srgbClr val="FF0000"/>
+                </a:solidFill>
+              </a:rPr>
+              <a:t>GAN</a:t>
+            </a:r>
+          </a:p>
+        </p:txBody>
+      </p:sp>
+    </p:spTree>
+    <p:extLst>
+      <p:ext uri="{BB962C8B-B14F-4D97-AF65-F5344CB8AC3E}">
+        <p14:creationId xmlns:p14="http://schemas.microsoft.com/office/powerpoint/2010/main" val="4068998346"/>
+      </p:ext>
+    </p:extLst>
+  </p:cSld>
+  <p:clrMapOvr>
+    <a:masterClrMapping/>
+  </p:clrMapOvr>
+</p:sld>
+</file>
+
+<file path=ppt/slides/slide6.xml><?xml version="1.0" encoding="utf-8"?>
+<p:sld xmlns:a="http://schemas.openxmlformats.org/drawingml/2006/main" xmlns:r="http://schemas.openxmlformats.org/officeDocument/2006/relationships" xmlns:p="http://schemas.openxmlformats.org/presentationml/2006/main">
+  <p:cSld>
+    <p:spTree>
+      <p:nvGrpSpPr>
+        <p:cNvPr id="1" name=""/>
+        <p:cNvGrpSpPr/>
+        <p:nvPr/>
+      </p:nvGrpSpPr>
+      <p:grpSpPr>
+        <a:xfrm>
+          <a:off x="0" y="0"/>
+          <a:ext cx="0" cy="0"/>
+          <a:chOff x="0" y="0"/>
+          <a:chExt cx="0" cy="0"/>
+        </a:xfrm>
+      </p:grpSpPr>
+      <p:sp>
+        <p:nvSpPr>
+          <p:cNvPr id="4" name="文本框 3">
+            <a:extLst>
+              <a:ext uri="{FF2B5EF4-FFF2-40B4-BE49-F238E27FC236}">
                 <a16:creationId xmlns:a16="http://schemas.microsoft.com/office/drawing/2014/main" id="{0F7D353C-AA73-7447-8397-EEA844751A4B}"/>
               </a:ext>
             </a:extLst>
@@ -12571,7 +14620,7 @@
 </p:sld>
 </file>
 
-<file path=ppt/slides/slide6.xml><?xml version="1.0" encoding="utf-8"?>
+<file path=ppt/slides/slide7.xml><?xml version="1.0" encoding="utf-8"?>
 <p:sld xmlns:a="http://schemas.openxmlformats.org/drawingml/2006/main" xmlns:r="http://schemas.openxmlformats.org/officeDocument/2006/relationships" xmlns:p="http://schemas.openxmlformats.org/presentationml/2006/main">
   <p:cSld>
     <p:spTree>
@@ -12593,7 +14642,7 @@
           <p:cNvPr id="4" name="文本框 3">
             <a:extLst>
               <a:ext uri="{FF2B5EF4-FFF2-40B4-BE49-F238E27FC236}">
-                <a16:creationId xmlns:a16="http://schemas.microsoft.com/office/drawing/2014/main" id="{FCEC28D6-40B9-8B42-AEDB-0AC948013D21}"/>
+                <a16:creationId xmlns:a16="http://schemas.microsoft.com/office/drawing/2014/main" id="{4DC28ACA-04EE-EC48-AA77-79CB7D9BD9A3}"/>
               </a:ext>
             </a:extLst>
           </p:cNvPr>
@@ -12622,25 +14671,8 @@
             </a:pPr>
             <a:r>
               <a:rPr kumimoji="1" lang="en-US" altLang="zh-CN" sz="3200" b="1" dirty="0"/>
-              <a:t>Generative</a:t>
-            </a:r>
-            <a:r>
-              <a:rPr kumimoji="1" lang="zh-CN" altLang="en-US" sz="3200" b="1" dirty="0"/>
-              <a:t> </a:t>
-            </a:r>
-            <a:r>
-              <a:rPr kumimoji="1" lang="en-US" altLang="zh-CN" sz="3200" b="1" dirty="0"/>
-              <a:t>vs</a:t>
-            </a:r>
-            <a:r>
-              <a:rPr kumimoji="1" lang="zh-CN" altLang="en-US" sz="3200" b="1" dirty="0"/>
-              <a:t> </a:t>
-            </a:r>
-            <a:r>
-              <a:rPr kumimoji="1" lang="en-US" altLang="zh-CN" sz="3200" b="1" dirty="0"/>
-              <a:t>Discriminative</a:t>
-            </a:r>
-            <a:endParaRPr kumimoji="1" lang="zh-CN" altLang="en-US" sz="3200" dirty="0"/>
+              <a:t>Goals and Objectives</a:t>
+            </a:r>
           </a:p>
         </p:txBody>
       </p:sp>
@@ -12649,7 +14681,7 @@
           <p:cNvPr id="5" name="文本框 4">
             <a:extLst>
               <a:ext uri="{FF2B5EF4-FFF2-40B4-BE49-F238E27FC236}">
-                <a16:creationId xmlns:a16="http://schemas.microsoft.com/office/drawing/2014/main" id="{FE4A3F67-B414-4040-BDAC-A1669C97A4C8}"/>
+                <a16:creationId xmlns:a16="http://schemas.microsoft.com/office/drawing/2014/main" id="{813ADEE9-E2A6-E14E-8618-157BC2443C59}"/>
               </a:ext>
             </a:extLst>
           </p:cNvPr>
@@ -12658,8 +14690,8 @@
         </p:nvSpPr>
         <p:spPr>
           <a:xfrm>
-            <a:off x="795964" y="877032"/>
-            <a:ext cx="9372600" cy="3477875"/>
+            <a:off x="173663" y="788132"/>
+            <a:ext cx="11742111" cy="4431983"/>
           </a:xfrm>
           <a:prstGeom prst="rect">
             <a:avLst/>
@@ -12672,136 +14704,13 @@
           </a:bodyPr>
           <a:lstStyle/>
           <a:p>
-            <a:r>
-              <a:rPr kumimoji="1" lang="en-US" altLang="zh-CN" sz="2000" b="1" dirty="0"/>
-              <a:t>Discriminative:</a:t>
-            </a:r>
-            <a:r>
-              <a:rPr kumimoji="1" lang="zh-CN" altLang="en-US" sz="2000" b="1" dirty="0"/>
-              <a:t> </a:t>
-            </a:r>
-            <a:endParaRPr kumimoji="1" lang="en-US" altLang="zh-CN" sz="2000" b="1" dirty="0"/>
-          </a:p>
-          <a:p>
             <a:pPr marL="285750" indent="-285750">
               <a:buFont typeface="Wingdings" pitchFamily="2" charset="2"/>
               <a:buChar char="l"/>
             </a:pPr>
             <a:r>
-              <a:rPr kumimoji="1" lang="en-US" altLang="zh-CN" sz="2000" b="1" dirty="0"/>
-              <a:t>Give</a:t>
-            </a:r>
-            <a:r>
-              <a:rPr kumimoji="1" lang="zh-CN" altLang="en-US" sz="2000" b="1" dirty="0"/>
-              <a:t> </a:t>
-            </a:r>
-            <a:r>
-              <a:rPr kumimoji="1" lang="en-US" altLang="zh-CN" sz="2000" b="1" dirty="0"/>
-              <a:t>a</a:t>
-            </a:r>
-            <a:r>
-              <a:rPr kumimoji="1" lang="zh-CN" altLang="en-US" sz="2000" b="1" dirty="0"/>
-              <a:t> </a:t>
-            </a:r>
-            <a:r>
-              <a:rPr kumimoji="1" lang="en-US" altLang="zh-CN" sz="2000" b="1" dirty="0"/>
-              <a:t>score</a:t>
-            </a:r>
-            <a:r>
-              <a:rPr kumimoji="1" lang="zh-CN" altLang="en-US" sz="2000" b="1" dirty="0"/>
-              <a:t> </a:t>
-            </a:r>
-            <a:r>
-              <a:rPr kumimoji="1" lang="en-US" altLang="zh-CN" sz="2000" b="1" dirty="0"/>
-              <a:t>or</a:t>
-            </a:r>
-            <a:r>
-              <a:rPr kumimoji="1" lang="zh-CN" altLang="en-US" sz="2000" b="1" dirty="0"/>
-              <a:t> </a:t>
-            </a:r>
-            <a:r>
-              <a:rPr kumimoji="1" lang="en-US" altLang="zh-CN" sz="2000" b="1" dirty="0"/>
-              <a:t>predict</a:t>
-            </a:r>
-            <a:r>
-              <a:rPr kumimoji="1" lang="zh-CN" altLang="en-US" sz="2000" b="1" dirty="0"/>
-              <a:t> </a:t>
-            </a:r>
-            <a:r>
-              <a:rPr kumimoji="1" lang="en-US" altLang="zh-CN" sz="2000" b="1" dirty="0"/>
-              <a:t>a</a:t>
-            </a:r>
-            <a:r>
-              <a:rPr kumimoji="1" lang="zh-CN" altLang="en-US" sz="2000" b="1" dirty="0"/>
-              <a:t> </a:t>
-            </a:r>
-            <a:r>
-              <a:rPr kumimoji="1" lang="en-US" altLang="zh-CN" sz="2000" b="1" dirty="0"/>
-              <a:t>label</a:t>
-            </a:r>
-            <a:r>
-              <a:rPr kumimoji="1" lang="zh-CN" altLang="en-US" sz="2000" b="1" dirty="0"/>
-              <a:t> </a:t>
-            </a:r>
-            <a:r>
-              <a:rPr kumimoji="1" lang="en-US" altLang="zh-CN" sz="2000" b="1" dirty="0"/>
-              <a:t>based</a:t>
-            </a:r>
-            <a:r>
-              <a:rPr kumimoji="1" lang="zh-CN" altLang="en-US" sz="2000" b="1" dirty="0"/>
-              <a:t> </a:t>
-            </a:r>
-            <a:r>
-              <a:rPr kumimoji="1" lang="en-US" altLang="zh-CN" sz="2000" b="1" dirty="0"/>
-              <a:t>on</a:t>
-            </a:r>
-            <a:r>
-              <a:rPr kumimoji="1" lang="zh-CN" altLang="en-US" sz="2000" b="1" dirty="0"/>
-              <a:t> </a:t>
-            </a:r>
-            <a:r>
-              <a:rPr kumimoji="1" lang="en-US" altLang="zh-CN" sz="2000" b="1" dirty="0"/>
-              <a:t>the</a:t>
-            </a:r>
-            <a:r>
-              <a:rPr kumimoji="1" lang="zh-CN" altLang="en-US" sz="2000" b="1" dirty="0"/>
-              <a:t> </a:t>
-            </a:r>
-            <a:r>
-              <a:rPr kumimoji="1" lang="en-US" altLang="zh-CN" sz="2000" b="1" dirty="0"/>
-              <a:t>features</a:t>
-            </a:r>
-            <a:r>
-              <a:rPr kumimoji="1" lang="zh-CN" altLang="en-US" sz="2000" b="1" dirty="0"/>
-              <a:t> </a:t>
-            </a:r>
-            <a:r>
-              <a:rPr kumimoji="1" lang="en-US" altLang="zh-CN" sz="2000" b="1" dirty="0"/>
-              <a:t>of</a:t>
-            </a:r>
-            <a:r>
-              <a:rPr kumimoji="1" lang="zh-CN" altLang="en-US" sz="2000" b="1" dirty="0"/>
-              <a:t> </a:t>
-            </a:r>
-            <a:r>
-              <a:rPr kumimoji="1" lang="en-US" altLang="zh-CN" sz="2000" b="1" dirty="0"/>
-              <a:t>the</a:t>
-            </a:r>
-            <a:r>
-              <a:rPr kumimoji="1" lang="zh-CN" altLang="en-US" sz="2000" b="1" dirty="0"/>
-              <a:t> </a:t>
-            </a:r>
-            <a:r>
-              <a:rPr kumimoji="1" lang="en-US" altLang="zh-CN" sz="2000" b="1" dirty="0"/>
-              <a:t>input</a:t>
-            </a:r>
-            <a:r>
-              <a:rPr kumimoji="1" lang="zh-CN" altLang="en-US" sz="2000" b="1" dirty="0"/>
-              <a:t> </a:t>
-            </a:r>
-            <a:r>
-              <a:rPr kumimoji="1" lang="en-US" altLang="zh-CN" sz="2000" b="1" dirty="0"/>
-              <a:t>data</a:t>
+              <a:rPr kumimoji="1" lang="en-US" altLang="zh-CN" sz="2400" b="1" dirty="0"/>
+              <a:t>Test on other dataset to evaluate the algorithm(BSDS500, etc.)</a:t>
             </a:r>
           </a:p>
           <a:p>
@@ -12809,35 +14718,7 @@
               <a:buFont typeface="Wingdings" pitchFamily="2" charset="2"/>
               <a:buChar char="l"/>
             </a:pPr>
-            <a:r>
-              <a:rPr kumimoji="1" lang="en-US" altLang="zh-CN" sz="2000" b="1" dirty="0"/>
-              <a:t>Map features to labels</a:t>
-            </a:r>
-            <a:r>
-              <a:rPr kumimoji="1" lang="zh-CN" altLang="en-US" sz="2000" b="1" dirty="0"/>
-              <a:t> </a:t>
-            </a:r>
-            <a:r>
-              <a:rPr kumimoji="1" lang="en-US" altLang="zh-CN" sz="2000" b="1" dirty="0"/>
-              <a:t>or</a:t>
-            </a:r>
-            <a:r>
-              <a:rPr kumimoji="1" lang="zh-CN" altLang="en-US" sz="2000" b="1" dirty="0"/>
-              <a:t> </a:t>
-            </a:r>
-            <a:r>
-              <a:rPr kumimoji="1" lang="en-US" altLang="zh-CN" sz="2000" b="1" dirty="0"/>
-              <a:t>scores</a:t>
-            </a:r>
-          </a:p>
-          <a:p>
-            <a:endParaRPr kumimoji="1" lang="en-US" altLang="zh-CN" sz="2000" b="1" dirty="0"/>
-          </a:p>
-          <a:p>
-            <a:r>
-              <a:rPr kumimoji="1" lang="en-US" altLang="zh-CN" sz="2000" b="1" dirty="0"/>
-              <a:t>Generative:</a:t>
-            </a:r>
+            <a:endParaRPr kumimoji="1" lang="en-US" altLang="zh-CN" sz="2400" b="1" dirty="0"/>
           </a:p>
           <a:p>
             <a:pPr marL="285750" indent="-285750">
@@ -12845,88 +14726,16 @@
               <a:buChar char="l"/>
             </a:pPr>
             <a:r>
-              <a:rPr kumimoji="1" lang="en-US" altLang="zh-CN" sz="2000" b="1" dirty="0"/>
-              <a:t>Predict</a:t>
-            </a:r>
-            <a:r>
-              <a:rPr kumimoji="1" lang="zh-CN" altLang="en-US" sz="2000" b="1" dirty="0"/>
-              <a:t> </a:t>
-            </a:r>
-            <a:r>
-              <a:rPr kumimoji="1" lang="en-US" altLang="zh-CN" sz="2000" b="1" dirty="0"/>
-              <a:t>features</a:t>
-            </a:r>
-            <a:r>
-              <a:rPr kumimoji="1" lang="zh-CN" altLang="en-US" sz="2000" b="1" dirty="0"/>
-              <a:t> </a:t>
-            </a:r>
-            <a:r>
-              <a:rPr kumimoji="1" lang="en-US" altLang="zh-CN" sz="2000" b="1" dirty="0"/>
-              <a:t>based</a:t>
-            </a:r>
-            <a:r>
-              <a:rPr kumimoji="1" lang="zh-CN" altLang="en-US" sz="2000" b="1" dirty="0"/>
-              <a:t> </a:t>
-            </a:r>
-            <a:r>
-              <a:rPr kumimoji="1" lang="en-US" altLang="zh-CN" sz="2000" b="1" dirty="0"/>
-              <a:t>on</a:t>
-            </a:r>
-            <a:r>
-              <a:rPr kumimoji="1" lang="zh-CN" altLang="en-US" sz="2000" b="1" dirty="0"/>
-              <a:t> </a:t>
-            </a:r>
-            <a:r>
-              <a:rPr kumimoji="1" lang="en-US" altLang="zh-CN" sz="2000" b="1" dirty="0"/>
-              <a:t>labels</a:t>
-            </a:r>
-            <a:r>
-              <a:rPr kumimoji="1" lang="zh-CN" altLang="en-US" sz="2000" b="1" dirty="0"/>
-              <a:t> </a:t>
-            </a:r>
-            <a:r>
-              <a:rPr kumimoji="1" lang="en-US" altLang="zh-CN" sz="2000" b="1" dirty="0"/>
-              <a:t>or</a:t>
-            </a:r>
-            <a:r>
-              <a:rPr kumimoji="1" lang="zh-CN" altLang="en-US" sz="2000" b="1" dirty="0"/>
-              <a:t> </a:t>
-            </a:r>
-            <a:r>
-              <a:rPr kumimoji="1" lang="en-US" altLang="zh-CN" sz="2000" b="1" dirty="0"/>
-              <a:t>scores</a:t>
-            </a:r>
-            <a:r>
-              <a:rPr kumimoji="1" lang="zh-CN" altLang="en-US" sz="2000" b="1" dirty="0"/>
-              <a:t> </a:t>
-            </a:r>
-            <a:r>
-              <a:rPr kumimoji="1" lang="en-US" altLang="zh-CN" sz="2000" b="1" dirty="0"/>
-              <a:t>of</a:t>
-            </a:r>
-            <a:r>
-              <a:rPr kumimoji="1" lang="zh-CN" altLang="en-US" sz="2000" b="1" dirty="0"/>
-              <a:t> </a:t>
-            </a:r>
-            <a:r>
-              <a:rPr kumimoji="1" lang="en-US" altLang="zh-CN" sz="2000" b="1" dirty="0"/>
-              <a:t>the</a:t>
-            </a:r>
-            <a:r>
-              <a:rPr kumimoji="1" lang="zh-CN" altLang="en-US" sz="2000" b="1" dirty="0"/>
-              <a:t> </a:t>
-            </a:r>
-            <a:r>
-              <a:rPr kumimoji="1" lang="en-US" altLang="zh-CN" sz="2000" b="1" dirty="0"/>
-              <a:t>input</a:t>
-            </a:r>
-            <a:r>
-              <a:rPr kumimoji="1" lang="zh-CN" altLang="en-US" sz="2000" b="1" dirty="0"/>
-              <a:t> </a:t>
-            </a:r>
-            <a:r>
-              <a:rPr kumimoji="1" lang="en-US" altLang="zh-CN" sz="2000" b="1" dirty="0"/>
-              <a:t>data</a:t>
+              <a:rPr kumimoji="1" lang="en-US" altLang="zh-CN" sz="2400" b="1" dirty="0"/>
+              <a:t>Data Augmentation(flip, rotation, translation, </a:t>
+            </a:r>
+            <a:r>
+              <a:rPr kumimoji="1" lang="en-US" altLang="zh-CN" sz="2400" b="1" dirty="0" err="1"/>
+              <a:t>downsampling</a:t>
+            </a:r>
+            <a:r>
+              <a:rPr kumimoji="1" lang="en-US" altLang="zh-CN" sz="2400" b="1" dirty="0"/>
+              <a:t>, etc.)</a:t>
             </a:r>
           </a:p>
           <a:p>
@@ -12934,665 +14743,279 @@
               <a:buFont typeface="Wingdings" pitchFamily="2" charset="2"/>
               <a:buChar char="l"/>
             </a:pPr>
-            <a:r>
-              <a:rPr kumimoji="1" lang="en-US" altLang="zh-CN" sz="2000" b="1" dirty="0"/>
-              <a:t>Map labels</a:t>
-            </a:r>
-            <a:r>
-              <a:rPr kumimoji="1" lang="zh-CN" altLang="en-US" sz="2000" b="1" dirty="0"/>
-              <a:t> </a:t>
-            </a:r>
-            <a:r>
-              <a:rPr kumimoji="1" lang="en-US" altLang="zh-CN" sz="2000" b="1" dirty="0"/>
-              <a:t>or</a:t>
-            </a:r>
-            <a:r>
-              <a:rPr kumimoji="1" lang="zh-CN" altLang="en-US" sz="2000" b="1" dirty="0"/>
-              <a:t> </a:t>
-            </a:r>
-            <a:r>
-              <a:rPr kumimoji="1" lang="en-US" altLang="zh-CN" sz="2000" b="1" dirty="0"/>
-              <a:t>scores</a:t>
-            </a:r>
-            <a:r>
-              <a:rPr kumimoji="1" lang="zh-CN" altLang="en-US" sz="2000" b="1" dirty="0"/>
-              <a:t> </a:t>
-            </a:r>
-            <a:r>
-              <a:rPr kumimoji="1" lang="en-US" altLang="zh-CN" sz="2000" b="1" dirty="0"/>
-              <a:t>to</a:t>
-            </a:r>
-            <a:r>
-              <a:rPr kumimoji="1" lang="zh-CN" altLang="en-US" sz="2000" b="1" dirty="0"/>
-              <a:t> </a:t>
-            </a:r>
-            <a:r>
-              <a:rPr kumimoji="1" lang="en-US" altLang="zh-CN" sz="2000" b="1" dirty="0"/>
-              <a:t>features</a:t>
-            </a:r>
-          </a:p>
-          <a:p>
-            <a:endParaRPr kumimoji="1" lang="en-US" altLang="zh-CN" sz="2000" b="1" dirty="0"/>
-          </a:p>
-          <a:p>
-            <a:endParaRPr kumimoji="1" lang="en-US" altLang="zh-CN" sz="2000" b="1" dirty="0"/>
-          </a:p>
-          <a:p>
-            <a:endParaRPr kumimoji="1" lang="en-US" altLang="zh-CN" sz="2000" b="1" dirty="0"/>
-          </a:p>
-          <a:p>
-            <a:endParaRPr kumimoji="1" lang="zh-CN" altLang="en-US" sz="2000" b="1" dirty="0"/>
+            <a:endParaRPr kumimoji="1" lang="en-US" altLang="zh-CN" sz="2400" b="1" dirty="0"/>
+          </a:p>
+          <a:p>
+            <a:pPr marL="285750" indent="-285750">
+              <a:buFont typeface="Wingdings" pitchFamily="2" charset="2"/>
+              <a:buChar char="l"/>
+            </a:pPr>
+            <a:r>
+              <a:rPr kumimoji="1" lang="en-US" altLang="zh-CN" sz="2400" b="1" dirty="0"/>
+              <a:t>Explore different gradient descent algorithms(</a:t>
+            </a:r>
+            <a:r>
+              <a:rPr kumimoji="1" lang="en-US" altLang="zh-CN" sz="2400" b="1" dirty="0" err="1"/>
+              <a:t>Adagram</a:t>
+            </a:r>
+            <a:r>
+              <a:rPr kumimoji="1" lang="en-US" altLang="zh-CN" sz="2400" b="1" dirty="0"/>
+              <a:t>, etc.)</a:t>
+            </a:r>
+          </a:p>
+          <a:p>
+            <a:pPr marL="285750" indent="-285750">
+              <a:buFont typeface="Wingdings" pitchFamily="2" charset="2"/>
+              <a:buChar char="l"/>
+            </a:pPr>
+            <a:endParaRPr kumimoji="1" lang="en-US" altLang="zh-CN" sz="2400" b="1" dirty="0"/>
+          </a:p>
+          <a:p>
+            <a:pPr marL="285750" indent="-285750">
+              <a:buFont typeface="Wingdings" pitchFamily="2" charset="2"/>
+              <a:buChar char="l"/>
+            </a:pPr>
+            <a:r>
+              <a:rPr kumimoji="1" lang="en-US" altLang="zh-CN" sz="2400" b="1" dirty="0"/>
+              <a:t>Try different architecture of Generator</a:t>
+            </a:r>
+            <a:r>
+              <a:rPr kumimoji="1" lang="en-US" altLang="zh-CN" sz="2400" b="1" dirty="0">
+                <a:sym typeface="Wingdings" pitchFamily="2" charset="2"/>
+              </a:rPr>
+              <a:t>(u-net, </a:t>
+            </a:r>
+            <a:r>
+              <a:rPr kumimoji="1" lang="en-US" altLang="zh-CN" sz="2400" b="1" dirty="0" err="1">
+                <a:sym typeface="Wingdings" pitchFamily="2" charset="2"/>
+              </a:rPr>
+              <a:t>ResNet</a:t>
+            </a:r>
+            <a:r>
+              <a:rPr kumimoji="1" lang="en-US" altLang="zh-CN" sz="2400" b="1" dirty="0">
+                <a:sym typeface="Wingdings" pitchFamily="2" charset="2"/>
+              </a:rPr>
+              <a:t>, etc.)</a:t>
+            </a:r>
+          </a:p>
+          <a:p>
+            <a:pPr marL="285750" indent="-285750">
+              <a:buFont typeface="Wingdings" pitchFamily="2" charset="2"/>
+              <a:buChar char="l"/>
+            </a:pPr>
+            <a:endParaRPr kumimoji="1" lang="en-US" altLang="zh-CN" sz="2400" b="1" dirty="0">
+              <a:sym typeface="Wingdings" pitchFamily="2" charset="2"/>
+            </a:endParaRPr>
+          </a:p>
+          <a:p>
+            <a:pPr marL="285750" indent="-285750">
+              <a:buFont typeface="Wingdings" pitchFamily="2" charset="2"/>
+              <a:buChar char="l"/>
+            </a:pPr>
+            <a:r>
+              <a:rPr kumimoji="1" lang="en-US" altLang="zh-CN" sz="2400" b="1" dirty="0">
+                <a:sym typeface="Wingdings" pitchFamily="2" charset="2"/>
+              </a:rPr>
+              <a:t>Try different architecture of Discriminator(</a:t>
+            </a:r>
+            <a:r>
+              <a:rPr kumimoji="1" lang="en-US" altLang="zh-CN" sz="2400" b="1" dirty="0" err="1">
+                <a:sym typeface="Wingdings" pitchFamily="2" charset="2"/>
+              </a:rPr>
+              <a:t>pathGAN</a:t>
+            </a:r>
+            <a:r>
+              <a:rPr kumimoji="1" lang="en-US" altLang="zh-CN" sz="2400" b="1" dirty="0">
+                <a:sym typeface="Wingdings" pitchFamily="2" charset="2"/>
+              </a:rPr>
+              <a:t>, </a:t>
+            </a:r>
+            <a:r>
+              <a:rPr kumimoji="1" lang="en-US" altLang="zh-CN" sz="2400" b="1" dirty="0" err="1">
+                <a:sym typeface="Wingdings" pitchFamily="2" charset="2"/>
+              </a:rPr>
+              <a:t>GlobalGAN</a:t>
+            </a:r>
+            <a:r>
+              <a:rPr kumimoji="1" lang="en-US" altLang="zh-CN" sz="2400" b="1" dirty="0">
+                <a:sym typeface="Wingdings" pitchFamily="2" charset="2"/>
+              </a:rPr>
+              <a:t>, etc.)</a:t>
+            </a:r>
+          </a:p>
+          <a:p>
+            <a:pPr marL="285750" indent="-285750">
+              <a:buFont typeface="Wingdings" pitchFamily="2" charset="2"/>
+              <a:buChar char="l"/>
+            </a:pPr>
+            <a:endParaRPr kumimoji="1" lang="en-US" altLang="zh-CN" sz="2400" b="1" dirty="0">
+              <a:sym typeface="Wingdings" pitchFamily="2" charset="2"/>
+            </a:endParaRPr>
+          </a:p>
+          <a:p>
+            <a:pPr marL="285750" indent="-285750">
+              <a:buFont typeface="Wingdings" pitchFamily="2" charset="2"/>
+              <a:buChar char="l"/>
+            </a:pPr>
+            <a:r>
+              <a:rPr kumimoji="1" lang="en-US" altLang="zh-CN" sz="2400" b="1" dirty="0">
+                <a:sym typeface="Wingdings" pitchFamily="2" charset="2"/>
+              </a:rPr>
+              <a:t>Optimize for low-level representation of boundaries</a:t>
+            </a:r>
+            <a:endParaRPr kumimoji="1" lang="en-US" altLang="zh-CN" sz="2400" b="1" dirty="0"/>
+          </a:p>
+          <a:p>
+            <a:endParaRPr kumimoji="1" lang="en-US" altLang="zh-CN" b="1" dirty="0"/>
           </a:p>
         </p:txBody>
       </p:sp>
-      <p:graphicFrame>
-        <p:nvGraphicFramePr>
-          <p:cNvPr id="7" name="表格 6">
+    </p:spTree>
+    <p:extLst>
+      <p:ext uri="{BB962C8B-B14F-4D97-AF65-F5344CB8AC3E}">
+        <p14:creationId xmlns:p14="http://schemas.microsoft.com/office/powerpoint/2010/main" val="3263971684"/>
+      </p:ext>
+    </p:extLst>
+  </p:cSld>
+  <p:clrMapOvr>
+    <a:masterClrMapping/>
+  </p:clrMapOvr>
+</p:sld>
+</file>
+
+<file path=ppt/slides/slide8.xml><?xml version="1.0" encoding="utf-8"?>
+<p:sld xmlns:a="http://schemas.openxmlformats.org/drawingml/2006/main" xmlns:r="http://schemas.openxmlformats.org/officeDocument/2006/relationships" xmlns:p="http://schemas.openxmlformats.org/presentationml/2006/main">
+  <p:cSld>
+    <p:spTree>
+      <p:nvGrpSpPr>
+        <p:cNvPr id="1" name=""/>
+        <p:cNvGrpSpPr/>
+        <p:nvPr/>
+      </p:nvGrpSpPr>
+      <p:grpSpPr>
+        <a:xfrm>
+          <a:off x="0" y="0"/>
+          <a:ext cx="0" cy="0"/>
+          <a:chOff x="0" y="0"/>
+          <a:chExt cx="0" cy="0"/>
+        </a:xfrm>
+      </p:grpSpPr>
+      <p:sp>
+        <p:nvSpPr>
+          <p:cNvPr id="4" name="文本框 3">
             <a:extLst>
               <a:ext uri="{FF2B5EF4-FFF2-40B4-BE49-F238E27FC236}">
-                <a16:creationId xmlns:a16="http://schemas.microsoft.com/office/drawing/2014/main" id="{9B03A45B-6293-1B47-A1A8-8AC22447A381}"/>
+                <a16:creationId xmlns:a16="http://schemas.microsoft.com/office/drawing/2014/main" id="{CD69DD6C-37FA-024E-8653-DC795B9C2846}"/>
               </a:ext>
             </a:extLst>
           </p:cNvPr>
-          <p:cNvGraphicFramePr>
-            <a:graphicFrameLocks noGrp="1"/>
-          </p:cNvGraphicFramePr>
-          <p:nvPr>
-            <p:extLst>
-              <p:ext uri="{D42A27DB-BD31-4B8C-83A1-F6EECF244321}">
-                <p14:modId xmlns:p14="http://schemas.microsoft.com/office/powerpoint/2010/main" val="1836805621"/>
-              </p:ext>
-            </p:extLst>
-          </p:nvPr>
-        </p:nvGraphicFramePr>
-        <p:xfrm>
-          <a:off x="1418264" y="3704166"/>
-          <a:ext cx="9168773" cy="2407920"/>
-        </p:xfrm>
-        <a:graphic>
-          <a:graphicData uri="http://schemas.openxmlformats.org/drawingml/2006/table">
-            <a:tbl>
-              <a:tblPr firstRow="1" bandRow="1">
-                <a:tableStyleId>{C083E6E3-FA7D-4D7B-A595-EF9225AFEA82}</a:tableStyleId>
-              </a:tblPr>
-              <a:tblGrid>
-                <a:gridCol w="1480265">
-                  <a:extLst>
-                    <a:ext uri="{9D8B030D-6E8A-4147-A177-3AD203B41FA5}">
-                      <a16:colId xmlns:a16="http://schemas.microsoft.com/office/drawing/2014/main" val="3620704172"/>
-                    </a:ext>
-                  </a:extLst>
-                </a:gridCol>
-                <a:gridCol w="3844254">
-                  <a:extLst>
-                    <a:ext uri="{9D8B030D-6E8A-4147-A177-3AD203B41FA5}">
-                      <a16:colId xmlns:a16="http://schemas.microsoft.com/office/drawing/2014/main" val="2921904242"/>
-                    </a:ext>
-                  </a:extLst>
-                </a:gridCol>
-                <a:gridCol w="3844254">
-                  <a:extLst>
-                    <a:ext uri="{9D8B030D-6E8A-4147-A177-3AD203B41FA5}">
-                      <a16:colId xmlns:a16="http://schemas.microsoft.com/office/drawing/2014/main" val="1547155739"/>
-                    </a:ext>
-                  </a:extLst>
-                </a:gridCol>
-              </a:tblGrid>
-              <a:tr h="370840">
-                <a:tc>
-                  <a:txBody>
-                    <a:bodyPr/>
-                    <a:lstStyle/>
-                    <a:p>
-                      <a:endParaRPr lang="zh-CN" altLang="en-US" sz="2000" dirty="0"/>
-                    </a:p>
-                  </a:txBody>
-                  <a:tcPr>
-                    <a:lnT w="12700" cap="flat" cmpd="sng" algn="ctr">
-                      <a:solidFill>
-                        <a:schemeClr val="tx1"/>
-                      </a:solidFill>
-                      <a:prstDash val="solid"/>
-                      <a:round/>
-                      <a:headEnd type="none" w="med" len="med"/>
-                      <a:tailEnd type="none" w="med" len="med"/>
-                    </a:lnT>
-                    <a:lnB w="12700" cap="flat" cmpd="sng" algn="ctr">
-                      <a:solidFill>
-                        <a:schemeClr val="tx1"/>
-                      </a:solidFill>
-                      <a:prstDash val="solid"/>
-                      <a:round/>
-                      <a:headEnd type="none" w="med" len="med"/>
-                      <a:tailEnd type="none" w="med" len="med"/>
-                    </a:lnB>
-                  </a:tcPr>
-                </a:tc>
-                <a:tc>
-                  <a:txBody>
-                    <a:bodyPr/>
-                    <a:lstStyle/>
-                    <a:p>
-                      <a:pPr algn="ctr"/>
-                      <a:r>
-                        <a:rPr lang="en-US" altLang="zh-CN" sz="2000" dirty="0"/>
-                        <a:t>Generative</a:t>
-                      </a:r>
-                      <a:endParaRPr lang="zh-CN" altLang="en-US" sz="2000" dirty="0"/>
-                    </a:p>
-                  </a:txBody>
-                  <a:tcPr anchor="ctr">
-                    <a:lnT w="12700" cap="flat" cmpd="sng" algn="ctr">
-                      <a:solidFill>
-                        <a:schemeClr val="tx1"/>
-                      </a:solidFill>
-                      <a:prstDash val="solid"/>
-                      <a:round/>
-                      <a:headEnd type="none" w="med" len="med"/>
-                      <a:tailEnd type="none" w="med" len="med"/>
-                    </a:lnT>
-                    <a:lnB w="12700" cap="flat" cmpd="sng" algn="ctr">
-                      <a:solidFill>
-                        <a:schemeClr val="tx1"/>
-                      </a:solidFill>
-                      <a:prstDash val="solid"/>
-                      <a:round/>
-                      <a:headEnd type="none" w="med" len="med"/>
-                      <a:tailEnd type="none" w="med" len="med"/>
-                    </a:lnB>
-                  </a:tcPr>
-                </a:tc>
-                <a:tc>
-                  <a:txBody>
-                    <a:bodyPr/>
-                    <a:lstStyle/>
-                    <a:p>
-                      <a:pPr algn="ctr"/>
-                      <a:r>
-                        <a:rPr lang="en-US" altLang="zh-CN" sz="2000" dirty="0"/>
-                        <a:t>Discriminative</a:t>
-                      </a:r>
-                      <a:endParaRPr lang="zh-CN" altLang="en-US" sz="2000" dirty="0"/>
-                    </a:p>
-                  </a:txBody>
-                  <a:tcPr anchor="ctr">
-                    <a:lnT w="12700" cap="flat" cmpd="sng" algn="ctr">
-                      <a:solidFill>
-                        <a:schemeClr val="tx1"/>
-                      </a:solidFill>
-                      <a:prstDash val="solid"/>
-                      <a:round/>
-                      <a:headEnd type="none" w="med" len="med"/>
-                      <a:tailEnd type="none" w="med" len="med"/>
-                    </a:lnT>
-                    <a:lnB w="12700" cap="flat" cmpd="sng" algn="ctr">
-                      <a:solidFill>
-                        <a:schemeClr val="tx1"/>
-                      </a:solidFill>
-                      <a:prstDash val="solid"/>
-                      <a:round/>
-                      <a:headEnd type="none" w="med" len="med"/>
-                      <a:tailEnd type="none" w="med" len="med"/>
-                    </a:lnB>
-                  </a:tcPr>
-                </a:tc>
-                <a:extLst>
-                  <a:ext uri="{0D108BD9-81ED-4DB2-BD59-A6C34878D82A}">
-                    <a16:rowId xmlns:a16="http://schemas.microsoft.com/office/drawing/2014/main" val="2276790823"/>
-                  </a:ext>
-                </a:extLst>
-              </a:tr>
-              <a:tr h="370840">
-                <a:tc>
-                  <a:txBody>
-                    <a:bodyPr/>
-                    <a:lstStyle/>
-                    <a:p>
-                      <a:r>
-                        <a:rPr lang="en-US" altLang="zh-CN" sz="2000" dirty="0"/>
-                        <a:t>Pros</a:t>
-                      </a:r>
-                      <a:endParaRPr lang="zh-CN" altLang="en-US" sz="2000" dirty="0"/>
-                    </a:p>
-                  </a:txBody>
-                  <a:tcPr>
-                    <a:lnT w="12700" cap="flat" cmpd="sng" algn="ctr">
-                      <a:solidFill>
-                        <a:schemeClr val="tx1"/>
-                      </a:solidFill>
-                      <a:prstDash val="solid"/>
-                      <a:round/>
-                      <a:headEnd type="none" w="med" len="med"/>
-                      <a:tailEnd type="none" w="med" len="med"/>
-                    </a:lnT>
-                    <a:noFill/>
-                  </a:tcPr>
-                </a:tc>
-                <a:tc>
-                  <a:txBody>
-                    <a:bodyPr/>
-                    <a:lstStyle/>
-                    <a:p>
-                      <a:pPr algn="l"/>
-                      <a:r>
-                        <a:rPr lang="en-US" altLang="zh-CN" sz="2000" dirty="0"/>
-                        <a:t>1.Easy</a:t>
-                      </a:r>
-                      <a:r>
-                        <a:rPr lang="zh-CN" altLang="en-US" sz="2000" dirty="0"/>
-                        <a:t> </a:t>
-                      </a:r>
-                      <a:r>
-                        <a:rPr lang="en-US" altLang="zh-CN" sz="2000" dirty="0"/>
-                        <a:t>to</a:t>
-                      </a:r>
-                      <a:r>
-                        <a:rPr lang="zh-CN" altLang="en-US" sz="2000" dirty="0"/>
-                        <a:t> </a:t>
-                      </a:r>
-                      <a:r>
-                        <a:rPr lang="en-US" altLang="zh-CN" sz="2000" dirty="0"/>
-                        <a:t>generate</a:t>
-                      </a:r>
-                      <a:r>
-                        <a:rPr lang="zh-CN" altLang="en-US" sz="2000" dirty="0"/>
-                        <a:t> </a:t>
-                      </a:r>
-                      <a:r>
-                        <a:rPr lang="en-US" altLang="zh-CN" sz="2000" dirty="0"/>
-                        <a:t>even</a:t>
-                      </a:r>
-                      <a:r>
-                        <a:rPr lang="zh-CN" altLang="en-US" sz="2000" dirty="0"/>
-                        <a:t> </a:t>
-                      </a:r>
-                      <a:r>
-                        <a:rPr lang="en-US" altLang="zh-CN" sz="2000" dirty="0"/>
-                        <a:t>with</a:t>
-                      </a:r>
-                      <a:r>
-                        <a:rPr lang="zh-CN" altLang="en-US" sz="2000" dirty="0"/>
-                        <a:t> </a:t>
-                      </a:r>
-                      <a:r>
-                        <a:rPr lang="en-US" altLang="zh-CN" sz="2000" dirty="0"/>
-                        <a:t>deep</a:t>
-                      </a:r>
-                      <a:r>
-                        <a:rPr lang="zh-CN" altLang="en-US" sz="2000" dirty="0"/>
-                        <a:t> </a:t>
-                      </a:r>
-                      <a:r>
-                        <a:rPr lang="en-US" altLang="zh-CN" sz="2000" dirty="0"/>
-                        <a:t>learning</a:t>
-                      </a:r>
-                      <a:r>
-                        <a:rPr lang="zh-CN" altLang="en-US" sz="2000" dirty="0"/>
-                        <a:t> </a:t>
-                      </a:r>
-                      <a:r>
-                        <a:rPr lang="en-US" altLang="zh-CN" sz="2000" dirty="0"/>
-                        <a:t>model</a:t>
-                      </a:r>
-                      <a:endParaRPr lang="zh-CN" altLang="en-US" sz="2000" dirty="0"/>
-                    </a:p>
-                  </a:txBody>
-                  <a:tcPr anchor="ctr">
-                    <a:lnT w="12700" cap="flat" cmpd="sng" algn="ctr">
-                      <a:solidFill>
-                        <a:schemeClr val="tx1"/>
-                      </a:solidFill>
-                      <a:prstDash val="solid"/>
-                      <a:round/>
-                      <a:headEnd type="none" w="med" len="med"/>
-                      <a:tailEnd type="none" w="med" len="med"/>
-                    </a:lnT>
-                    <a:noFill/>
-                  </a:tcPr>
-                </a:tc>
-                <a:tc>
-                  <a:txBody>
-                    <a:bodyPr/>
-                    <a:lstStyle/>
-                    <a:p>
-                      <a:pPr algn="l"/>
-                      <a:r>
-                        <a:rPr lang="en-US" altLang="zh-CN" sz="2000" dirty="0"/>
-                        <a:t>1.Consider</a:t>
-                      </a:r>
-                      <a:r>
-                        <a:rPr lang="zh-CN" altLang="en-US" sz="2000" dirty="0"/>
-                        <a:t> </a:t>
-                      </a:r>
-                      <a:r>
-                        <a:rPr lang="en-US" altLang="zh-CN" sz="2000" dirty="0"/>
-                        <a:t>the</a:t>
-                      </a:r>
-                      <a:r>
-                        <a:rPr lang="zh-CN" altLang="en-US" sz="2000" dirty="0"/>
-                        <a:t> </a:t>
-                      </a:r>
-                      <a:r>
-                        <a:rPr lang="en-US" altLang="zh-CN" sz="2000" dirty="0"/>
-                        <a:t>big</a:t>
-                      </a:r>
-                      <a:r>
-                        <a:rPr lang="zh-CN" altLang="en-US" sz="2000" dirty="0"/>
-                        <a:t> </a:t>
-                      </a:r>
-                      <a:r>
-                        <a:rPr lang="en-US" altLang="zh-CN" sz="2000" dirty="0"/>
-                        <a:t>picture,</a:t>
-                      </a:r>
-                      <a:r>
-                        <a:rPr lang="zh-CN" altLang="en-US" sz="2000" dirty="0"/>
-                        <a:t> </a:t>
-                      </a:r>
-                      <a:r>
-                        <a:rPr lang="en-US" altLang="zh-CN" sz="2000" dirty="0"/>
-                        <a:t>the</a:t>
-                      </a:r>
-                      <a:r>
-                        <a:rPr lang="zh-CN" altLang="en-US" sz="2000" dirty="0"/>
-                        <a:t> </a:t>
-                      </a:r>
-                      <a:r>
-                        <a:rPr lang="en-US" altLang="zh-CN" sz="2000" dirty="0"/>
-                        <a:t>correlation</a:t>
-                      </a:r>
-                      <a:r>
-                        <a:rPr lang="zh-CN" altLang="en-US" sz="2000" dirty="0"/>
-                        <a:t> </a:t>
-                      </a:r>
-                      <a:r>
-                        <a:rPr lang="en-US" altLang="zh-CN" sz="2000" dirty="0"/>
-                        <a:t>of</a:t>
-                      </a:r>
-                      <a:r>
-                        <a:rPr lang="zh-CN" altLang="en-US" sz="2000" dirty="0"/>
-                        <a:t> </a:t>
-                      </a:r>
-                      <a:r>
-                        <a:rPr lang="en-US" altLang="zh-CN" sz="2000" dirty="0"/>
-                        <a:t>each</a:t>
-                      </a:r>
-                      <a:r>
-                        <a:rPr lang="zh-CN" altLang="en-US" sz="2000" dirty="0"/>
-                        <a:t> </a:t>
-                      </a:r>
-                      <a:r>
-                        <a:rPr lang="en-US" altLang="zh-CN" sz="2000" dirty="0"/>
-                        <a:t>features</a:t>
-                      </a:r>
-                      <a:endParaRPr lang="zh-CN" altLang="en-US" sz="2000" dirty="0"/>
-                    </a:p>
-                  </a:txBody>
-                  <a:tcPr anchor="ctr">
-                    <a:lnT w="12700" cap="flat" cmpd="sng" algn="ctr">
-                      <a:solidFill>
-                        <a:schemeClr val="tx1"/>
-                      </a:solidFill>
-                      <a:prstDash val="solid"/>
-                      <a:round/>
-                      <a:headEnd type="none" w="med" len="med"/>
-                      <a:tailEnd type="none" w="med" len="med"/>
-                    </a:lnT>
-                    <a:noFill/>
-                  </a:tcPr>
-                </a:tc>
-                <a:extLst>
-                  <a:ext uri="{0D108BD9-81ED-4DB2-BD59-A6C34878D82A}">
-                    <a16:rowId xmlns:a16="http://schemas.microsoft.com/office/drawing/2014/main" val="23218729"/>
-                  </a:ext>
-                </a:extLst>
-              </a:tr>
-              <a:tr h="0">
-                <a:tc>
-                  <a:txBody>
-                    <a:bodyPr/>
-                    <a:lstStyle/>
-                    <a:p>
-                      <a:r>
-                        <a:rPr lang="en-US" altLang="zh-CN" sz="2000" dirty="0"/>
-                        <a:t>Cons</a:t>
-                      </a:r>
-                      <a:endParaRPr lang="zh-CN" altLang="en-US" sz="2000" dirty="0"/>
-                    </a:p>
-                  </a:txBody>
-                  <a:tcPr>
-                    <a:lnB w="12700" cap="flat" cmpd="sng" algn="ctr">
-                      <a:solidFill>
-                        <a:schemeClr val="tx1"/>
-                      </a:solidFill>
-                      <a:prstDash val="solid"/>
-                      <a:round/>
-                      <a:headEnd type="none" w="med" len="med"/>
-                      <a:tailEnd type="none" w="med" len="med"/>
-                    </a:lnB>
-                  </a:tcPr>
-                </a:tc>
-                <a:tc>
-                  <a:txBody>
-                    <a:bodyPr/>
-                    <a:lstStyle/>
-                    <a:p>
-                      <a:pPr algn="l"/>
-                      <a:r>
-                        <a:rPr lang="en-US" altLang="zh-CN" sz="2000" dirty="0"/>
-                        <a:t>1.Only</a:t>
-                      </a:r>
-                      <a:r>
-                        <a:rPr lang="zh-CN" altLang="en-US" sz="2000" dirty="0"/>
-                        <a:t> </a:t>
-                      </a:r>
-                      <a:r>
-                        <a:rPr lang="en-US" altLang="zh-CN" sz="2000" dirty="0"/>
-                        <a:t>imitate</a:t>
-                      </a:r>
-                      <a:r>
-                        <a:rPr lang="zh-CN" altLang="en-US" sz="2000" dirty="0"/>
-                        <a:t> </a:t>
-                      </a:r>
-                      <a:r>
-                        <a:rPr lang="en-US" altLang="zh-CN" sz="2000" dirty="0"/>
-                        <a:t>the</a:t>
-                      </a:r>
-                      <a:r>
-                        <a:rPr lang="zh-CN" altLang="en-US" sz="2000" dirty="0"/>
-                        <a:t> </a:t>
-                      </a:r>
-                      <a:r>
-                        <a:rPr lang="en-US" altLang="zh-CN" sz="2000" dirty="0"/>
-                        <a:t>appearance</a:t>
-                      </a:r>
-                    </a:p>
-                    <a:p>
-                      <a:pPr algn="l"/>
-                      <a:endParaRPr lang="en-US" altLang="zh-CN" sz="2000" dirty="0"/>
-                    </a:p>
-                    <a:p>
-                      <a:pPr algn="l"/>
-                      <a:r>
-                        <a:rPr lang="en-US" altLang="zh-CN" sz="2000" dirty="0"/>
-                        <a:t>2.Hard</a:t>
-                      </a:r>
-                      <a:r>
-                        <a:rPr lang="zh-CN" altLang="en-US" sz="2000" dirty="0"/>
-                        <a:t> </a:t>
-                      </a:r>
-                      <a:r>
-                        <a:rPr lang="en-US" altLang="zh-CN" sz="2000" dirty="0"/>
-                        <a:t>to</a:t>
-                      </a:r>
-                      <a:r>
-                        <a:rPr lang="zh-CN" altLang="en-US" sz="2000" dirty="0"/>
-                        <a:t> </a:t>
-                      </a:r>
-                      <a:r>
-                        <a:rPr lang="en-US" altLang="zh-CN" sz="2000" dirty="0"/>
-                        <a:t>learn</a:t>
-                      </a:r>
-                      <a:r>
-                        <a:rPr lang="zh-CN" altLang="en-US" sz="2000" dirty="0"/>
-                        <a:t> </a:t>
-                      </a:r>
-                      <a:r>
-                        <a:rPr lang="en-US" altLang="zh-CN" sz="2000" dirty="0"/>
-                        <a:t>the</a:t>
-                      </a:r>
-                      <a:r>
-                        <a:rPr lang="zh-CN" altLang="en-US" sz="2000" dirty="0"/>
-                        <a:t> </a:t>
-                      </a:r>
-                      <a:r>
-                        <a:rPr lang="en-US" altLang="zh-CN" sz="2000" dirty="0"/>
-                        <a:t>correlation</a:t>
-                      </a:r>
-                      <a:r>
-                        <a:rPr lang="zh-CN" altLang="en-US" sz="2000" dirty="0"/>
-                        <a:t> </a:t>
-                      </a:r>
-                      <a:r>
-                        <a:rPr lang="en-US" altLang="zh-CN" sz="2000" dirty="0"/>
-                        <a:t>between</a:t>
-                      </a:r>
-                      <a:r>
-                        <a:rPr lang="zh-CN" altLang="en-US" sz="2000" dirty="0"/>
-                        <a:t> </a:t>
-                      </a:r>
-                      <a:r>
-                        <a:rPr lang="en-US" altLang="zh-CN" sz="2000" dirty="0"/>
-                        <a:t>features</a:t>
-                      </a:r>
-                      <a:endParaRPr lang="zh-CN" altLang="en-US" sz="2000" dirty="0"/>
-                    </a:p>
-                  </a:txBody>
-                  <a:tcPr anchor="ctr">
-                    <a:lnB w="12700" cap="flat" cmpd="sng" algn="ctr">
-                      <a:solidFill>
-                        <a:schemeClr val="tx1"/>
-                      </a:solidFill>
-                      <a:prstDash val="solid"/>
-                      <a:round/>
-                      <a:headEnd type="none" w="med" len="med"/>
-                      <a:tailEnd type="none" w="med" len="med"/>
-                    </a:lnB>
-                  </a:tcPr>
-                </a:tc>
-                <a:tc>
-                  <a:txBody>
-                    <a:bodyPr/>
-                    <a:lstStyle/>
-                    <a:p>
-                      <a:pPr algn="l"/>
-                      <a:r>
-                        <a:rPr lang="en-US" altLang="zh-CN" sz="2000" dirty="0"/>
-                        <a:t>1.Generation</a:t>
-                      </a:r>
-                      <a:r>
-                        <a:rPr lang="zh-CN" altLang="en-US" sz="2000" dirty="0"/>
-                        <a:t> </a:t>
-                      </a:r>
-                      <a:r>
-                        <a:rPr lang="en-US" altLang="zh-CN" sz="2000" dirty="0"/>
-                        <a:t>is</a:t>
-                      </a:r>
-                      <a:r>
-                        <a:rPr lang="zh-CN" altLang="en-US" sz="2000" dirty="0"/>
-                        <a:t> </a:t>
-                      </a:r>
-                      <a:r>
-                        <a:rPr lang="en-US" altLang="zh-CN" sz="2000" dirty="0"/>
-                        <a:t>not</a:t>
-                      </a:r>
-                      <a:r>
-                        <a:rPr lang="zh-CN" altLang="en-US" sz="2000" dirty="0"/>
-                        <a:t> </a:t>
-                      </a:r>
-                      <a:r>
-                        <a:rPr lang="en-US" altLang="zh-CN" sz="2000" dirty="0"/>
-                        <a:t>always</a:t>
-                      </a:r>
-                      <a:r>
-                        <a:rPr lang="zh-CN" altLang="en-US" sz="2000" dirty="0"/>
-                        <a:t> </a:t>
-                      </a:r>
-                      <a:r>
-                        <a:rPr lang="en-US" altLang="zh-CN" sz="2000" dirty="0"/>
-                        <a:t>feasible</a:t>
-                      </a:r>
-                    </a:p>
-                    <a:p>
-                      <a:pPr algn="l"/>
-                      <a:endParaRPr lang="en-US" altLang="zh-CN" sz="2000" dirty="0"/>
-                    </a:p>
-                    <a:p>
-                      <a:pPr algn="l"/>
-                      <a:r>
-                        <a:rPr lang="en-US" altLang="zh-CN" sz="2000" dirty="0"/>
-                        <a:t>2.Hard</a:t>
-                      </a:r>
-                      <a:r>
-                        <a:rPr lang="zh-CN" altLang="en-US" sz="2000" dirty="0"/>
-                        <a:t> </a:t>
-                      </a:r>
-                      <a:r>
-                        <a:rPr lang="en-US" altLang="zh-CN" sz="2000" dirty="0"/>
-                        <a:t>to</a:t>
-                      </a:r>
-                      <a:r>
-                        <a:rPr lang="zh-CN" altLang="en-US" sz="2000" dirty="0"/>
-                        <a:t> </a:t>
-                      </a:r>
-                      <a:r>
-                        <a:rPr lang="en-US" altLang="zh-CN" sz="2000" dirty="0"/>
-                        <a:t>do</a:t>
-                      </a:r>
-                      <a:r>
-                        <a:rPr lang="zh-CN" altLang="en-US" sz="2000" dirty="0"/>
-                        <a:t> </a:t>
-                      </a:r>
-                      <a:r>
-                        <a:rPr lang="en-US" altLang="zh-CN" sz="2000" dirty="0"/>
-                        <a:t>iterative</a:t>
-                      </a:r>
-                      <a:r>
-                        <a:rPr lang="zh-CN" altLang="en-US" sz="2000" dirty="0"/>
-                        <a:t> </a:t>
-                      </a:r>
-                      <a:r>
-                        <a:rPr lang="en-US" altLang="zh-CN" sz="2000" dirty="0"/>
-                        <a:t>sampling</a:t>
-                      </a:r>
-                      <a:endParaRPr lang="zh-CN" altLang="en-US" sz="2000" dirty="0"/>
-                    </a:p>
-                  </a:txBody>
-                  <a:tcPr anchor="ctr">
-                    <a:lnB w="12700" cap="flat" cmpd="sng" algn="ctr">
-                      <a:solidFill>
-                        <a:schemeClr val="tx1"/>
-                      </a:solidFill>
-                      <a:prstDash val="solid"/>
-                      <a:round/>
-                      <a:headEnd type="none" w="med" len="med"/>
-                      <a:tailEnd type="none" w="med" len="med"/>
-                    </a:lnB>
-                  </a:tcPr>
-                </a:tc>
-                <a:extLst>
-                  <a:ext uri="{0D108BD9-81ED-4DB2-BD59-A6C34878D82A}">
-                    <a16:rowId xmlns:a16="http://schemas.microsoft.com/office/drawing/2014/main" val="3248421838"/>
-                  </a:ext>
-                </a:extLst>
-              </a:tr>
-            </a:tbl>
-          </a:graphicData>
-        </a:graphic>
-      </p:graphicFrame>
+          <p:cNvSpPr txBox="1"/>
+          <p:nvPr/>
+        </p:nvSpPr>
+        <p:spPr>
+          <a:xfrm>
+            <a:off x="0" y="0"/>
+            <a:ext cx="7537931" cy="584775"/>
+          </a:xfrm>
+          <a:prstGeom prst="rect">
+            <a:avLst/>
+          </a:prstGeom>
+          <a:noFill/>
+        </p:spPr>
+        <p:txBody>
+          <a:bodyPr wrap="square" rtlCol="0">
+            <a:spAutoFit/>
+          </a:bodyPr>
+          <a:lstStyle/>
+          <a:p>
+            <a:pPr marL="285750" indent="-285750">
+              <a:buFont typeface="Wingdings" pitchFamily="2" charset="2"/>
+              <a:buChar char="u"/>
+            </a:pPr>
+            <a:r>
+              <a:rPr kumimoji="1" lang="en-US" altLang="zh-CN" sz="3200" b="1" dirty="0"/>
+              <a:t>Personal</a:t>
+            </a:r>
+            <a:r>
+              <a:rPr kumimoji="1" lang="zh-CN" altLang="en-US" sz="3200" b="1" dirty="0"/>
+              <a:t> </a:t>
+            </a:r>
+            <a:r>
+              <a:rPr kumimoji="1" lang="en-US" altLang="zh-CN" sz="3200" b="1" dirty="0"/>
+              <a:t>Responsibility</a:t>
+            </a:r>
+            <a:endParaRPr kumimoji="1" lang="zh-CN" altLang="en-US" sz="3200" dirty="0"/>
+          </a:p>
+        </p:txBody>
+      </p:sp>
     </p:spTree>
     <p:extLst>
       <p:ext uri="{BB962C8B-B14F-4D97-AF65-F5344CB8AC3E}">
-        <p14:creationId xmlns:p14="http://schemas.microsoft.com/office/powerpoint/2010/main" val="2530637228"/>
+        <p14:creationId xmlns:p14="http://schemas.microsoft.com/office/powerpoint/2010/main" val="2992174935"/>
+      </p:ext>
+    </p:extLst>
+  </p:cSld>
+  <p:clrMapOvr>
+    <a:masterClrMapping/>
+  </p:clrMapOvr>
+</p:sld>
+</file>
+
+<file path=ppt/slides/slide9.xml><?xml version="1.0" encoding="utf-8"?>
+<p:sld xmlns:a="http://schemas.openxmlformats.org/drawingml/2006/main" xmlns:r="http://schemas.openxmlformats.org/officeDocument/2006/relationships" xmlns:p="http://schemas.openxmlformats.org/presentationml/2006/main">
+  <p:cSld>
+    <p:spTree>
+      <p:nvGrpSpPr>
+        <p:cNvPr id="1" name=""/>
+        <p:cNvGrpSpPr/>
+        <p:nvPr/>
+      </p:nvGrpSpPr>
+      <p:grpSpPr>
+        <a:xfrm>
+          <a:off x="0" y="0"/>
+          <a:ext cx="0" cy="0"/>
+          <a:chOff x="0" y="0"/>
+          <a:chExt cx="0" cy="0"/>
+        </a:xfrm>
+      </p:grpSpPr>
+      <p:sp>
+        <p:nvSpPr>
+          <p:cNvPr id="2" name="标题 1">
+            <a:extLst>
+              <a:ext uri="{FF2B5EF4-FFF2-40B4-BE49-F238E27FC236}">
+                <a16:creationId xmlns:a16="http://schemas.microsoft.com/office/drawing/2014/main" id="{2BB62AF3-2C36-5E45-A7F5-D3DC3D57FACE}"/>
+              </a:ext>
+            </a:extLst>
+          </p:cNvPr>
+          <p:cNvSpPr>
+            <a:spLocks noGrp="1"/>
+          </p:cNvSpPr>
+          <p:nvPr>
+            <p:ph type="title"/>
+          </p:nvPr>
+        </p:nvSpPr>
+        <p:spPr>
+          <a:xfrm>
+            <a:off x="4210050" y="2103437"/>
+            <a:ext cx="10515600" cy="1325563"/>
+          </a:xfrm>
+        </p:spPr>
+        <p:txBody>
+          <a:bodyPr/>
+          <a:lstStyle/>
+          <a:p>
+            <a:r>
+              <a:rPr kumimoji="1" lang="en-US" altLang="zh-CN" dirty="0"/>
+              <a:t>Thank you!</a:t>
+            </a:r>
+            <a:endParaRPr kumimoji="1" lang="zh-CN" altLang="en-US" dirty="0"/>
+          </a:p>
+        </p:txBody>
+      </p:sp>
+    </p:spTree>
+    <p:extLst>
+      <p:ext uri="{BB962C8B-B14F-4D97-AF65-F5344CB8AC3E}">
+        <p14:creationId xmlns:p14="http://schemas.microsoft.com/office/powerpoint/2010/main" val="2253489969"/>
       </p:ext>
     </p:extLst>
   </p:cSld>

--- a/doc/Presentation1.pptx
+++ b/doc/Presentation1.pptx
@@ -4266,7 +4266,7 @@
               <a:t> </a:t>
             </a:r>
             <a:r>
-              <a:rPr kumimoji="1" lang="en-US" altLang="zh-CN"/>
+              <a:rPr kumimoji="1" lang="en-US" altLang="zh-CN" dirty="0"/>
               <a:t>score.</a:t>
             </a:r>
           </a:p>
@@ -14710,7 +14710,15 @@
             </a:pPr>
             <a:r>
               <a:rPr kumimoji="1" lang="en-US" altLang="zh-CN" sz="2400" b="1" dirty="0"/>
-              <a:t>Test on other dataset to evaluate the algorithm(BSDS500, etc.)</a:t>
+              <a:t>Test on other dataset to evaluate the algorithm(BSDS500,</a:t>
+            </a:r>
+            <a:r>
+              <a:rPr kumimoji="1" lang="zh-CN" altLang="en-US" sz="2400" b="1" dirty="0"/>
+              <a:t> </a:t>
+            </a:r>
+            <a:r>
+              <a:rPr kumimoji="1" lang="en-US" altLang="zh-CN" sz="2400" b="1" dirty="0"/>
+              <a:t>ImageNet etc.)</a:t>
             </a:r>
           </a:p>
           <a:p>
@@ -14777,7 +14785,7 @@
             </a:pPr>
             <a:r>
               <a:rPr kumimoji="1" lang="en-US" altLang="zh-CN" sz="2400" b="1" dirty="0"/>
-              <a:t>Try different architecture of Generator</a:t>
+              <a:t>Explore different architecture of Generator</a:t>
             </a:r>
             <a:r>
               <a:rPr kumimoji="1" lang="en-US" altLang="zh-CN" sz="2400" b="1" dirty="0">
@@ -14813,10 +14821,14 @@
               <a:buChar char="l"/>
             </a:pPr>
             <a:r>
+              <a:rPr kumimoji="1" lang="en-US" altLang="zh-CN" sz="2400" b="1" dirty="0"/>
+              <a:t>Explore</a:t>
+            </a:r>
+            <a:r>
               <a:rPr kumimoji="1" lang="en-US" altLang="zh-CN" sz="2400" b="1" dirty="0">
                 <a:sym typeface="Wingdings" pitchFamily="2" charset="2"/>
               </a:rPr>
-              <a:t>Try different architecture of Discriminator(</a:t>
+              <a:t> different architecture of Discriminator(</a:t>
             </a:r>
             <a:r>
               <a:rPr kumimoji="1" lang="en-US" altLang="zh-CN" sz="2400" b="1" dirty="0" err="1">
@@ -14934,7 +14946,7 @@
             </a:pPr>
             <a:r>
               <a:rPr kumimoji="1" lang="en-US" altLang="zh-CN" sz="3200" b="1" dirty="0"/>
-              <a:t>Personal</a:t>
+              <a:t>Individual</a:t>
             </a:r>
             <a:r>
               <a:rPr kumimoji="1" lang="zh-CN" altLang="en-US" sz="3200" b="1" dirty="0"/>
@@ -14945,6 +14957,269 @@
               <a:t>Responsibility</a:t>
             </a:r>
             <a:endParaRPr kumimoji="1" lang="zh-CN" altLang="en-US" sz="3200" dirty="0"/>
+          </a:p>
+        </p:txBody>
+      </p:sp>
+      <p:sp>
+        <p:nvSpPr>
+          <p:cNvPr id="5" name="矩形 4">
+            <a:extLst>
+              <a:ext uri="{FF2B5EF4-FFF2-40B4-BE49-F238E27FC236}">
+                <a16:creationId xmlns:a16="http://schemas.microsoft.com/office/drawing/2014/main" id="{11B2107D-2431-C44C-939A-06122207BE62}"/>
+              </a:ext>
+            </a:extLst>
+          </p:cNvPr>
+          <p:cNvSpPr/>
+          <p:nvPr/>
+        </p:nvSpPr>
+        <p:spPr>
+          <a:xfrm>
+            <a:off x="457200" y="699075"/>
+            <a:ext cx="11518900" cy="5201424"/>
+          </a:xfrm>
+          <a:prstGeom prst="rect">
+            <a:avLst/>
+          </a:prstGeom>
+          <a:noFill/>
+        </p:spPr>
+        <p:txBody>
+          <a:bodyPr wrap="square" rtlCol="0">
+            <a:spAutoFit/>
+          </a:bodyPr>
+          <a:lstStyle/>
+          <a:p>
+            <a:pPr marL="457200" indent="-457200">
+              <a:buFont typeface="Wingdings" pitchFamily="2" charset="2"/>
+              <a:buChar char="l"/>
+            </a:pPr>
+            <a:r>
+              <a:rPr kumimoji="1" lang="en" altLang="zh-CN" sz="2800" b="1" dirty="0" err="1"/>
+              <a:t>Xingchen</a:t>
+            </a:r>
+            <a:r>
+              <a:rPr kumimoji="1" lang="en" altLang="zh-CN" sz="2800" b="1" dirty="0"/>
+              <a:t> Ming</a:t>
+            </a:r>
+          </a:p>
+          <a:p>
+            <a:pPr marL="914400" lvl="1" indent="-457200">
+              <a:buFont typeface="Wingdings" pitchFamily="2" charset="2"/>
+              <a:buChar char="Ø"/>
+            </a:pPr>
+            <a:r>
+              <a:rPr kumimoji="1" lang="en-US" altLang="zh-CN" sz="2400" dirty="0"/>
+              <a:t>Sourcing</a:t>
+            </a:r>
+            <a:r>
+              <a:rPr kumimoji="1" lang="zh-CN" altLang="en-US" sz="2400" dirty="0"/>
+              <a:t> </a:t>
+            </a:r>
+            <a:r>
+              <a:rPr kumimoji="1" lang="en-US" altLang="zh-CN" sz="2400" dirty="0"/>
+              <a:t>for</a:t>
+            </a:r>
+            <a:r>
+              <a:rPr kumimoji="1" lang="zh-CN" altLang="en-US" sz="2400" dirty="0"/>
+              <a:t> </a:t>
+            </a:r>
+            <a:r>
+              <a:rPr kumimoji="1" lang="en-US" altLang="zh-CN" sz="2400" dirty="0"/>
+              <a:t>other</a:t>
+            </a:r>
+            <a:r>
+              <a:rPr kumimoji="1" lang="zh-CN" altLang="en-US" sz="2400" dirty="0"/>
+              <a:t> </a:t>
+            </a:r>
+            <a:r>
+              <a:rPr kumimoji="1" lang="en-US" altLang="zh-CN" sz="2400" dirty="0"/>
+              <a:t>image</a:t>
+            </a:r>
+            <a:r>
+              <a:rPr kumimoji="1" lang="zh-CN" altLang="en-US" sz="2400" dirty="0"/>
+              <a:t> </a:t>
+            </a:r>
+            <a:r>
+              <a:rPr kumimoji="1" lang="en-US" altLang="zh-CN" sz="2400" dirty="0"/>
+              <a:t>dataset</a:t>
+            </a:r>
+            <a:r>
+              <a:rPr kumimoji="1" lang="zh-CN" altLang="en-US" sz="2400" dirty="0"/>
+              <a:t> </a:t>
+            </a:r>
+            <a:r>
+              <a:rPr kumimoji="1" lang="en-US" altLang="zh-CN" sz="2400" dirty="0"/>
+              <a:t>for</a:t>
+            </a:r>
+            <a:r>
+              <a:rPr kumimoji="1" lang="zh-CN" altLang="en-US" sz="2400" dirty="0"/>
+              <a:t> </a:t>
+            </a:r>
+            <a:r>
+              <a:rPr kumimoji="1" lang="en-US" altLang="zh-CN" sz="2400" dirty="0"/>
+              <a:t>contour</a:t>
+            </a:r>
+            <a:r>
+              <a:rPr kumimoji="1" lang="zh-CN" altLang="en-US" sz="2400" dirty="0"/>
+              <a:t> </a:t>
+            </a:r>
+            <a:r>
+              <a:rPr kumimoji="1" lang="en-US" altLang="zh-CN" sz="2400" dirty="0"/>
+              <a:t>detection</a:t>
+            </a:r>
+          </a:p>
+          <a:p>
+            <a:pPr marL="914400" lvl="1" indent="-457200">
+              <a:buFont typeface="Wingdings" pitchFamily="2" charset="2"/>
+              <a:buChar char="Ø"/>
+            </a:pPr>
+            <a:r>
+              <a:rPr kumimoji="1" lang="en-US" altLang="zh-CN" sz="2400" dirty="0"/>
+              <a:t>Data</a:t>
+            </a:r>
+            <a:r>
+              <a:rPr kumimoji="1" lang="zh-CN" altLang="en-US" sz="2400" dirty="0"/>
+              <a:t> </a:t>
+            </a:r>
+            <a:r>
+              <a:rPr kumimoji="1" lang="en-US" altLang="zh-CN" sz="2400" dirty="0"/>
+              <a:t>augmentation</a:t>
+            </a:r>
+          </a:p>
+          <a:p>
+            <a:pPr marL="914400" lvl="1" indent="-457200">
+              <a:buFont typeface="Wingdings" pitchFamily="2" charset="2"/>
+              <a:buChar char="Ø"/>
+            </a:pPr>
+            <a:r>
+              <a:rPr kumimoji="1" lang="en-US" altLang="zh-CN" sz="2400" dirty="0"/>
+              <a:t>Explore different gradient descent algorithms</a:t>
+            </a:r>
+            <a:r>
+              <a:rPr kumimoji="1" lang="zh-CN" altLang="en-US" sz="2400" dirty="0"/>
+              <a:t> </a:t>
+            </a:r>
+            <a:endParaRPr kumimoji="1" lang="en-US" altLang="zh-CN" sz="2400" dirty="0"/>
+          </a:p>
+          <a:p>
+            <a:pPr marL="914400" lvl="1" indent="-457200">
+              <a:buFont typeface="Wingdings" pitchFamily="2" charset="2"/>
+              <a:buChar char="Ø"/>
+            </a:pPr>
+            <a:endParaRPr kumimoji="1" lang="en-US" altLang="zh-CN" sz="2400" dirty="0"/>
+          </a:p>
+          <a:p>
+            <a:pPr marL="457200" indent="-457200">
+              <a:buFont typeface="Wingdings" pitchFamily="2" charset="2"/>
+              <a:buChar char="l"/>
+            </a:pPr>
+            <a:r>
+              <a:rPr kumimoji="1" lang="en-US" altLang="zh-CN" sz="2800" b="1" dirty="0"/>
+              <a:t>Ming</a:t>
+            </a:r>
+            <a:r>
+              <a:rPr kumimoji="1" lang="zh-CN" altLang="en-US" sz="2800" b="1" dirty="0"/>
+              <a:t> </a:t>
+            </a:r>
+            <a:r>
+              <a:rPr kumimoji="1" lang="en-US" altLang="zh-CN" sz="2800" b="1" dirty="0"/>
+              <a:t>Xu</a:t>
+            </a:r>
+          </a:p>
+          <a:p>
+            <a:pPr marL="914400" lvl="1" indent="-457200">
+              <a:buFont typeface="Wingdings" pitchFamily="2" charset="2"/>
+              <a:buChar char="Ø"/>
+            </a:pPr>
+            <a:r>
+              <a:rPr kumimoji="1" lang="en" altLang="zh-CN" sz="2400" dirty="0"/>
+              <a:t>Optimize </a:t>
+            </a:r>
+            <a:r>
+              <a:rPr kumimoji="1" lang="en" altLang="zh-CN" sz="2400" dirty="0" err="1"/>
+              <a:t>boundar</a:t>
+            </a:r>
+            <a:r>
+              <a:rPr kumimoji="1" lang="en-US" altLang="zh-CN" sz="2400" dirty="0"/>
+              <a:t>y</a:t>
+            </a:r>
+            <a:r>
+              <a:rPr kumimoji="1" lang="zh-CN" altLang="en-US" sz="2400" dirty="0"/>
+              <a:t> </a:t>
+            </a:r>
+            <a:r>
+              <a:rPr kumimoji="1" lang="en-US" altLang="zh-CN" sz="2400" dirty="0"/>
+              <a:t>detection</a:t>
+            </a:r>
+          </a:p>
+          <a:p>
+            <a:pPr marL="914400" lvl="1" indent="-457200">
+              <a:buFont typeface="Wingdings" pitchFamily="2" charset="2"/>
+              <a:buChar char="Ø"/>
+            </a:pPr>
+            <a:r>
+              <a:rPr kumimoji="1" lang="en-US" altLang="zh-CN" sz="2400"/>
+              <a:t>…</a:t>
+            </a:r>
+            <a:endParaRPr kumimoji="1" lang="en" altLang="zh-CN" sz="2400" dirty="0"/>
+          </a:p>
+          <a:p>
+            <a:pPr marL="914400" lvl="1" indent="-457200">
+              <a:buFont typeface="Wingdings" pitchFamily="2" charset="2"/>
+              <a:buChar char="Ø"/>
+            </a:pPr>
+            <a:endParaRPr kumimoji="1" lang="en-US" altLang="zh-CN" sz="2800" b="1" dirty="0"/>
+          </a:p>
+          <a:p>
+            <a:pPr marL="457200" indent="-457200">
+              <a:buFont typeface="Wingdings" pitchFamily="2" charset="2"/>
+              <a:buChar char="l"/>
+            </a:pPr>
+            <a:r>
+              <a:rPr kumimoji="1" lang="en-US" altLang="zh-CN" sz="2800" b="1" dirty="0" err="1"/>
+              <a:t>Geng</a:t>
+            </a:r>
+            <a:r>
+              <a:rPr kumimoji="1" lang="zh-CN" altLang="en-US" sz="2800" b="1" dirty="0"/>
+              <a:t> </a:t>
+            </a:r>
+            <a:r>
+              <a:rPr kumimoji="1" lang="en-US" altLang="zh-CN" sz="2800" b="1" dirty="0"/>
+              <a:t>Yang</a:t>
+            </a:r>
+          </a:p>
+          <a:p>
+            <a:pPr marL="914400" lvl="1" indent="-457200">
+              <a:buFont typeface="Wingdings" pitchFamily="2" charset="2"/>
+              <a:buChar char="Ø"/>
+            </a:pPr>
+            <a:r>
+              <a:rPr kumimoji="1" lang="en-US" altLang="zh-CN" sz="2400" dirty="0"/>
+              <a:t>Explore different architecture of Generator</a:t>
+            </a:r>
+          </a:p>
+          <a:p>
+            <a:pPr marL="914400" lvl="1" indent="-457200">
+              <a:buFont typeface="Wingdings" pitchFamily="2" charset="2"/>
+              <a:buChar char="Ø"/>
+            </a:pPr>
+            <a:r>
+              <a:rPr kumimoji="1" lang="en-US" altLang="zh-CN" sz="2400" dirty="0"/>
+              <a:t>Explore</a:t>
+            </a:r>
+            <a:r>
+              <a:rPr kumimoji="1" lang="en-US" altLang="zh-CN" sz="2400" dirty="0">
+                <a:sym typeface="Wingdings" pitchFamily="2" charset="2"/>
+              </a:rPr>
+              <a:t> different architecture of Discriminator</a:t>
+            </a:r>
+            <a:endParaRPr kumimoji="1" lang="en-US" altLang="zh-CN" sz="2400" dirty="0"/>
+          </a:p>
+          <a:p>
+            <a:pPr marL="457200" indent="-457200">
+              <a:buFont typeface="Wingdings" pitchFamily="2" charset="2"/>
+              <a:buChar char="l"/>
+            </a:pPr>
+            <a:endParaRPr kumimoji="1" lang="en-US" altLang="zh-CN" sz="2800" b="1" dirty="0"/>
           </a:p>
         </p:txBody>
       </p:sp>
